--- a/Programming 4/10.1 Inheritance Approach & Avoid/10.1 Inheritance Approach and Avoid.pptx
+++ b/Programming 4/10.1 Inheritance Approach & Avoid/10.1 Inheritance Approach and Avoid.pptx
@@ -4,8 +4,18 @@
   <p:sldMasterIdLst>
     <p:sldMasterId id="2147483648" r:id="rId1"/>
   </p:sldMasterIdLst>
+  <p:notesMasterIdLst>
+    <p:notesMasterId r:id="rId10"/>
+  </p:notesMasterIdLst>
   <p:sldIdLst>
-    <p:sldId id="256" r:id="rId2"/>
+    <p:sldId id="257" r:id="rId2"/>
+    <p:sldId id="258" r:id="rId3"/>
+    <p:sldId id="259" r:id="rId4"/>
+    <p:sldId id="260" r:id="rId5"/>
+    <p:sldId id="261" r:id="rId6"/>
+    <p:sldId id="262" r:id="rId7"/>
+    <p:sldId id="263" r:id="rId8"/>
+    <p:sldId id="264" r:id="rId9"/>
   </p:sldIdLst>
   <p:sldSz cx="9144000" cy="6858000" type="screen4x3"/>
   <p:notesSz cx="6858000" cy="9144000"/>
@@ -106,10 +116,1043 @@
   </p:defaultTextStyle>
   <p:extLst>
     <p:ext uri="{EFAFB233-063F-42B5-8137-9DF3F51BA10A}">
-      <p15:sldGuideLst xmlns:p15="http://schemas.microsoft.com/office/powerpoint/2012/main"/>
+      <p15:sldGuideLst xmlns:p15="http://schemas.microsoft.com/office/powerpoint/2012/main">
+        <p15:guide id="1" orient="horz" pos="2160">
+          <p15:clr>
+            <a:srgbClr val="A4A3A4"/>
+          </p15:clr>
+        </p15:guide>
+        <p15:guide id="2" pos="2880">
+          <p15:clr>
+            <a:srgbClr val="A4A3A4"/>
+          </p15:clr>
+        </p15:guide>
+      </p15:sldGuideLst>
     </p:ext>
   </p:extLst>
 </p:presentation>
+</file>
+
+<file path=ppt/notesMasters/notesMaster1.xml><?xml version="1.0" encoding="utf-8"?>
+<p:notesMaster xmlns:a="http://schemas.openxmlformats.org/drawingml/2006/main" xmlns:r="http://schemas.openxmlformats.org/officeDocument/2006/relationships" xmlns:p="http://schemas.openxmlformats.org/presentationml/2006/main">
+  <p:cSld>
+    <p:bg>
+      <p:bgRef idx="1001">
+        <a:schemeClr val="bg1"/>
+      </p:bgRef>
+    </p:bg>
+    <p:spTree>
+      <p:nvGrpSpPr>
+        <p:cNvPr id="1" name=""/>
+        <p:cNvGrpSpPr/>
+        <p:nvPr/>
+      </p:nvGrpSpPr>
+      <p:grpSpPr>
+        <a:xfrm>
+          <a:off x="0" y="0"/>
+          <a:ext cx="0" cy="0"/>
+          <a:chOff x="0" y="0"/>
+          <a:chExt cx="0" cy="0"/>
+        </a:xfrm>
+      </p:grpSpPr>
+      <p:sp>
+        <p:nvSpPr>
+          <p:cNvPr id="2" name="Header Placeholder 1"/>
+          <p:cNvSpPr>
+            <a:spLocks noGrp="1"/>
+          </p:cNvSpPr>
+          <p:nvPr>
+            <p:ph type="hdr" sz="quarter"/>
+          </p:nvPr>
+        </p:nvSpPr>
+        <p:spPr>
+          <a:xfrm>
+            <a:off x="0" y="0"/>
+            <a:ext cx="2971800" cy="458788"/>
+          </a:xfrm>
+          <a:prstGeom prst="rect">
+            <a:avLst/>
+          </a:prstGeom>
+        </p:spPr>
+        <p:txBody>
+          <a:bodyPr vert="horz" lIns="91440" tIns="45720" rIns="91440" bIns="45720" rtlCol="0"/>
+          <a:lstStyle>
+            <a:lvl1pPr algn="l">
+              <a:defRPr sz="1200"/>
+            </a:lvl1pPr>
+          </a:lstStyle>
+          <a:p>
+            <a:endParaRPr lang="en-NZ"/>
+          </a:p>
+        </p:txBody>
+      </p:sp>
+      <p:sp>
+        <p:nvSpPr>
+          <p:cNvPr id="3" name="Date Placeholder 2"/>
+          <p:cNvSpPr>
+            <a:spLocks noGrp="1"/>
+          </p:cNvSpPr>
+          <p:nvPr>
+            <p:ph type="dt" idx="1"/>
+          </p:nvPr>
+        </p:nvSpPr>
+        <p:spPr>
+          <a:xfrm>
+            <a:off x="3884613" y="0"/>
+            <a:ext cx="2971800" cy="458788"/>
+          </a:xfrm>
+          <a:prstGeom prst="rect">
+            <a:avLst/>
+          </a:prstGeom>
+        </p:spPr>
+        <p:txBody>
+          <a:bodyPr vert="horz" lIns="91440" tIns="45720" rIns="91440" bIns="45720" rtlCol="0"/>
+          <a:lstStyle>
+            <a:lvl1pPr algn="r">
+              <a:defRPr sz="1200"/>
+            </a:lvl1pPr>
+          </a:lstStyle>
+          <a:p>
+            <a:fld id="{BA032E96-AFB4-4342-B128-80BEFC0A9F75}" type="datetimeFigureOut">
+              <a:rPr lang="en-NZ" smtClean="0"/>
+              <a:t>24/09/2019</a:t>
+            </a:fld>
+            <a:endParaRPr lang="en-NZ"/>
+          </a:p>
+        </p:txBody>
+      </p:sp>
+      <p:sp>
+        <p:nvSpPr>
+          <p:cNvPr id="4" name="Slide Image Placeholder 3"/>
+          <p:cNvSpPr>
+            <a:spLocks noGrp="1" noRot="1" noChangeAspect="1"/>
+          </p:cNvSpPr>
+          <p:nvPr>
+            <p:ph type="sldImg" idx="2"/>
+          </p:nvPr>
+        </p:nvSpPr>
+        <p:spPr>
+          <a:xfrm>
+            <a:off x="1371600" y="1143000"/>
+            <a:ext cx="4114800" cy="3086100"/>
+          </a:xfrm>
+          <a:prstGeom prst="rect">
+            <a:avLst/>
+          </a:prstGeom>
+          <a:noFill/>
+          <a:ln w="12700">
+            <a:solidFill>
+              <a:prstClr val="black"/>
+            </a:solidFill>
+          </a:ln>
+        </p:spPr>
+        <p:txBody>
+          <a:bodyPr vert="horz" lIns="91440" tIns="45720" rIns="91440" bIns="45720" rtlCol="0" anchor="ctr"/>
+          <a:lstStyle/>
+          <a:p>
+            <a:endParaRPr lang="en-NZ"/>
+          </a:p>
+        </p:txBody>
+      </p:sp>
+      <p:sp>
+        <p:nvSpPr>
+          <p:cNvPr id="5" name="Notes Placeholder 4"/>
+          <p:cNvSpPr>
+            <a:spLocks noGrp="1"/>
+          </p:cNvSpPr>
+          <p:nvPr>
+            <p:ph type="body" sz="quarter" idx="3"/>
+          </p:nvPr>
+        </p:nvSpPr>
+        <p:spPr>
+          <a:xfrm>
+            <a:off x="685800" y="4400550"/>
+            <a:ext cx="5486400" cy="3600450"/>
+          </a:xfrm>
+          <a:prstGeom prst="rect">
+            <a:avLst/>
+          </a:prstGeom>
+        </p:spPr>
+        <p:txBody>
+          <a:bodyPr vert="horz" lIns="91440" tIns="45720" rIns="91440" bIns="45720" rtlCol="0"/>
+          <a:lstStyle/>
+          <a:p>
+            <a:pPr lvl="0"/>
+            <a:r>
+              <a:rPr lang="en-US" smtClean="0"/>
+              <a:t>Edit Master text styles</a:t>
+            </a:r>
+          </a:p>
+          <a:p>
+            <a:pPr lvl="1"/>
+            <a:r>
+              <a:rPr lang="en-US" smtClean="0"/>
+              <a:t>Second level</a:t>
+            </a:r>
+          </a:p>
+          <a:p>
+            <a:pPr lvl="2"/>
+            <a:r>
+              <a:rPr lang="en-US" smtClean="0"/>
+              <a:t>Third level</a:t>
+            </a:r>
+          </a:p>
+          <a:p>
+            <a:pPr lvl="3"/>
+            <a:r>
+              <a:rPr lang="en-US" smtClean="0"/>
+              <a:t>Fourth level</a:t>
+            </a:r>
+          </a:p>
+          <a:p>
+            <a:pPr lvl="4"/>
+            <a:r>
+              <a:rPr lang="en-US" smtClean="0"/>
+              <a:t>Fifth level</a:t>
+            </a:r>
+            <a:endParaRPr lang="en-NZ"/>
+          </a:p>
+        </p:txBody>
+      </p:sp>
+      <p:sp>
+        <p:nvSpPr>
+          <p:cNvPr id="6" name="Footer Placeholder 5"/>
+          <p:cNvSpPr>
+            <a:spLocks noGrp="1"/>
+          </p:cNvSpPr>
+          <p:nvPr>
+            <p:ph type="ftr" sz="quarter" idx="4"/>
+          </p:nvPr>
+        </p:nvSpPr>
+        <p:spPr>
+          <a:xfrm>
+            <a:off x="0" y="8685213"/>
+            <a:ext cx="2971800" cy="458787"/>
+          </a:xfrm>
+          <a:prstGeom prst="rect">
+            <a:avLst/>
+          </a:prstGeom>
+        </p:spPr>
+        <p:txBody>
+          <a:bodyPr vert="horz" lIns="91440" tIns="45720" rIns="91440" bIns="45720" rtlCol="0" anchor="b"/>
+          <a:lstStyle>
+            <a:lvl1pPr algn="l">
+              <a:defRPr sz="1200"/>
+            </a:lvl1pPr>
+          </a:lstStyle>
+          <a:p>
+            <a:endParaRPr lang="en-NZ"/>
+          </a:p>
+        </p:txBody>
+      </p:sp>
+      <p:sp>
+        <p:nvSpPr>
+          <p:cNvPr id="7" name="Slide Number Placeholder 6"/>
+          <p:cNvSpPr>
+            <a:spLocks noGrp="1"/>
+          </p:cNvSpPr>
+          <p:nvPr>
+            <p:ph type="sldNum" sz="quarter" idx="5"/>
+          </p:nvPr>
+        </p:nvSpPr>
+        <p:spPr>
+          <a:xfrm>
+            <a:off x="3884613" y="8685213"/>
+            <a:ext cx="2971800" cy="458787"/>
+          </a:xfrm>
+          <a:prstGeom prst="rect">
+            <a:avLst/>
+          </a:prstGeom>
+        </p:spPr>
+        <p:txBody>
+          <a:bodyPr vert="horz" lIns="91440" tIns="45720" rIns="91440" bIns="45720" rtlCol="0" anchor="b"/>
+          <a:lstStyle>
+            <a:lvl1pPr algn="r">
+              <a:defRPr sz="1200"/>
+            </a:lvl1pPr>
+          </a:lstStyle>
+          <a:p>
+            <a:fld id="{F77E63B8-3238-4BF1-A11D-FAEA78081A49}" type="slidenum">
+              <a:rPr lang="en-NZ" smtClean="0"/>
+              <a:t>‹#›</a:t>
+            </a:fld>
+            <a:endParaRPr lang="en-NZ"/>
+          </a:p>
+        </p:txBody>
+      </p:sp>
+    </p:spTree>
+    <p:extLst>
+      <p:ext uri="{BB962C8B-B14F-4D97-AF65-F5344CB8AC3E}">
+        <p14:creationId xmlns:p14="http://schemas.microsoft.com/office/powerpoint/2010/main" val="834274096"/>
+      </p:ext>
+    </p:extLst>
+  </p:cSld>
+  <p:clrMap bg1="lt1" tx1="dk1" bg2="lt2" tx2="dk2" accent1="accent1" accent2="accent2" accent3="accent3" accent4="accent4" accent5="accent5" accent6="accent6" hlink="hlink" folHlink="folHlink"/>
+  <p:notesStyle>
+    <a:lvl1pPr marL="0" algn="l" defTabSz="914400" rtl="0" eaLnBrk="1" latinLnBrk="0" hangingPunct="1">
+      <a:defRPr sz="1200" kern="1200">
+        <a:solidFill>
+          <a:schemeClr val="tx1"/>
+        </a:solidFill>
+        <a:latin typeface="+mn-lt"/>
+        <a:ea typeface="+mn-ea"/>
+        <a:cs typeface="+mn-cs"/>
+      </a:defRPr>
+    </a:lvl1pPr>
+    <a:lvl2pPr marL="457200" algn="l" defTabSz="914400" rtl="0" eaLnBrk="1" latinLnBrk="0" hangingPunct="1">
+      <a:defRPr sz="1200" kern="1200">
+        <a:solidFill>
+          <a:schemeClr val="tx1"/>
+        </a:solidFill>
+        <a:latin typeface="+mn-lt"/>
+        <a:ea typeface="+mn-ea"/>
+        <a:cs typeface="+mn-cs"/>
+      </a:defRPr>
+    </a:lvl2pPr>
+    <a:lvl3pPr marL="914400" algn="l" defTabSz="914400" rtl="0" eaLnBrk="1" latinLnBrk="0" hangingPunct="1">
+      <a:defRPr sz="1200" kern="1200">
+        <a:solidFill>
+          <a:schemeClr val="tx1"/>
+        </a:solidFill>
+        <a:latin typeface="+mn-lt"/>
+        <a:ea typeface="+mn-ea"/>
+        <a:cs typeface="+mn-cs"/>
+      </a:defRPr>
+    </a:lvl3pPr>
+    <a:lvl4pPr marL="1371600" algn="l" defTabSz="914400" rtl="0" eaLnBrk="1" latinLnBrk="0" hangingPunct="1">
+      <a:defRPr sz="1200" kern="1200">
+        <a:solidFill>
+          <a:schemeClr val="tx1"/>
+        </a:solidFill>
+        <a:latin typeface="+mn-lt"/>
+        <a:ea typeface="+mn-ea"/>
+        <a:cs typeface="+mn-cs"/>
+      </a:defRPr>
+    </a:lvl4pPr>
+    <a:lvl5pPr marL="1828800" algn="l" defTabSz="914400" rtl="0" eaLnBrk="1" latinLnBrk="0" hangingPunct="1">
+      <a:defRPr sz="1200" kern="1200">
+        <a:solidFill>
+          <a:schemeClr val="tx1"/>
+        </a:solidFill>
+        <a:latin typeface="+mn-lt"/>
+        <a:ea typeface="+mn-ea"/>
+        <a:cs typeface="+mn-cs"/>
+      </a:defRPr>
+    </a:lvl5pPr>
+    <a:lvl6pPr marL="2286000" algn="l" defTabSz="914400" rtl="0" eaLnBrk="1" latinLnBrk="0" hangingPunct="1">
+      <a:defRPr sz="1200" kern="1200">
+        <a:solidFill>
+          <a:schemeClr val="tx1"/>
+        </a:solidFill>
+        <a:latin typeface="+mn-lt"/>
+        <a:ea typeface="+mn-ea"/>
+        <a:cs typeface="+mn-cs"/>
+      </a:defRPr>
+    </a:lvl6pPr>
+    <a:lvl7pPr marL="2743200" algn="l" defTabSz="914400" rtl="0" eaLnBrk="1" latinLnBrk="0" hangingPunct="1">
+      <a:defRPr sz="1200" kern="1200">
+        <a:solidFill>
+          <a:schemeClr val="tx1"/>
+        </a:solidFill>
+        <a:latin typeface="+mn-lt"/>
+        <a:ea typeface="+mn-ea"/>
+        <a:cs typeface="+mn-cs"/>
+      </a:defRPr>
+    </a:lvl7pPr>
+    <a:lvl8pPr marL="3200400" algn="l" defTabSz="914400" rtl="0" eaLnBrk="1" latinLnBrk="0" hangingPunct="1">
+      <a:defRPr sz="1200" kern="1200">
+        <a:solidFill>
+          <a:schemeClr val="tx1"/>
+        </a:solidFill>
+        <a:latin typeface="+mn-lt"/>
+        <a:ea typeface="+mn-ea"/>
+        <a:cs typeface="+mn-cs"/>
+      </a:defRPr>
+    </a:lvl8pPr>
+    <a:lvl9pPr marL="3657600" algn="l" defTabSz="914400" rtl="0" eaLnBrk="1" latinLnBrk="0" hangingPunct="1">
+      <a:defRPr sz="1200" kern="1200">
+        <a:solidFill>
+          <a:schemeClr val="tx1"/>
+        </a:solidFill>
+        <a:latin typeface="+mn-lt"/>
+        <a:ea typeface="+mn-ea"/>
+        <a:cs typeface="+mn-cs"/>
+      </a:defRPr>
+    </a:lvl9pPr>
+  </p:notesStyle>
+</p:notesMaster>
+</file>
+
+<file path=ppt/notesSlides/notesSlide1.xml><?xml version="1.0" encoding="utf-8"?>
+<p:notes xmlns:a="http://schemas.openxmlformats.org/drawingml/2006/main" xmlns:r="http://schemas.openxmlformats.org/officeDocument/2006/relationships" xmlns:p="http://schemas.openxmlformats.org/presentationml/2006/main">
+  <p:cSld>
+    <p:spTree>
+      <p:nvGrpSpPr>
+        <p:cNvPr id="1" name=""/>
+        <p:cNvGrpSpPr/>
+        <p:nvPr/>
+      </p:nvGrpSpPr>
+      <p:grpSpPr>
+        <a:xfrm>
+          <a:off x="0" y="0"/>
+          <a:ext cx="0" cy="0"/>
+          <a:chOff x="0" y="0"/>
+          <a:chExt cx="0" cy="0"/>
+        </a:xfrm>
+      </p:grpSpPr>
+      <p:sp>
+        <p:nvSpPr>
+          <p:cNvPr id="2" name="Slide Image Placeholder 1"/>
+          <p:cNvSpPr>
+            <a:spLocks noGrp="1" noRot="1" noChangeAspect="1"/>
+          </p:cNvSpPr>
+          <p:nvPr>
+            <p:ph type="sldImg"/>
+          </p:nvPr>
+        </p:nvSpPr>
+        <p:spPr/>
+      </p:sp>
+      <p:sp>
+        <p:nvSpPr>
+          <p:cNvPr id="3" name="Notes Placeholder 2"/>
+          <p:cNvSpPr>
+            <a:spLocks noGrp="1"/>
+          </p:cNvSpPr>
+          <p:nvPr>
+            <p:ph type="body" idx="1"/>
+          </p:nvPr>
+        </p:nvSpPr>
+        <p:spPr/>
+        <p:txBody>
+          <a:bodyPr/>
+          <a:lstStyle/>
+          <a:p>
+            <a:pPr marL="171450" indent="-171450">
+              <a:buFont typeface="Arial" charset="0"/>
+              <a:buChar char="•"/>
+            </a:pPr>
+            <a:endParaRPr lang="en-NZ" sz="1200" kern="1200" dirty="0" smtClean="0">
+              <a:solidFill>
+                <a:schemeClr val="tx1"/>
+              </a:solidFill>
+              <a:effectLst/>
+              <a:latin typeface="+mn-lt"/>
+              <a:ea typeface="+mn-ea"/>
+              <a:cs typeface="+mn-cs"/>
+            </a:endParaRPr>
+          </a:p>
+        </p:txBody>
+      </p:sp>
+      <p:sp>
+        <p:nvSpPr>
+          <p:cNvPr id="4" name="Slide Number Placeholder 3"/>
+          <p:cNvSpPr>
+            <a:spLocks noGrp="1"/>
+          </p:cNvSpPr>
+          <p:nvPr>
+            <p:ph type="sldNum" sz="quarter" idx="10"/>
+          </p:nvPr>
+        </p:nvSpPr>
+        <p:spPr/>
+        <p:txBody>
+          <a:bodyPr/>
+          <a:lstStyle/>
+          <a:p>
+            <a:fld id="{BBC1DE02-C006-4F38-873D-E62701AB1734}" type="slidenum">
+              <a:rPr lang="en-NZ" smtClean="0"/>
+              <a:t>2</a:t>
+            </a:fld>
+            <a:endParaRPr lang="en-NZ"/>
+          </a:p>
+        </p:txBody>
+      </p:sp>
+    </p:spTree>
+    <p:extLst>
+      <p:ext uri="{BB962C8B-B14F-4D97-AF65-F5344CB8AC3E}">
+        <p14:creationId xmlns:p14="http://schemas.microsoft.com/office/powerpoint/2010/main" val="197159079"/>
+      </p:ext>
+    </p:extLst>
+  </p:cSld>
+  <p:clrMapOvr>
+    <a:masterClrMapping/>
+  </p:clrMapOvr>
+</p:notes>
+</file>
+
+<file path=ppt/notesSlides/notesSlide2.xml><?xml version="1.0" encoding="utf-8"?>
+<p:notes xmlns:a="http://schemas.openxmlformats.org/drawingml/2006/main" xmlns:r="http://schemas.openxmlformats.org/officeDocument/2006/relationships" xmlns:p="http://schemas.openxmlformats.org/presentationml/2006/main">
+  <p:cSld>
+    <p:spTree>
+      <p:nvGrpSpPr>
+        <p:cNvPr id="1" name=""/>
+        <p:cNvGrpSpPr/>
+        <p:nvPr/>
+      </p:nvGrpSpPr>
+      <p:grpSpPr>
+        <a:xfrm>
+          <a:off x="0" y="0"/>
+          <a:ext cx="0" cy="0"/>
+          <a:chOff x="0" y="0"/>
+          <a:chExt cx="0" cy="0"/>
+        </a:xfrm>
+      </p:grpSpPr>
+      <p:sp>
+        <p:nvSpPr>
+          <p:cNvPr id="2" name="Slide Image Placeholder 1"/>
+          <p:cNvSpPr>
+            <a:spLocks noGrp="1" noRot="1" noChangeAspect="1"/>
+          </p:cNvSpPr>
+          <p:nvPr>
+            <p:ph type="sldImg"/>
+          </p:nvPr>
+        </p:nvSpPr>
+        <p:spPr/>
+      </p:sp>
+      <p:sp>
+        <p:nvSpPr>
+          <p:cNvPr id="3" name="Notes Placeholder 2"/>
+          <p:cNvSpPr>
+            <a:spLocks noGrp="1"/>
+          </p:cNvSpPr>
+          <p:nvPr>
+            <p:ph type="body" idx="1"/>
+          </p:nvPr>
+        </p:nvSpPr>
+        <p:spPr/>
+        <p:txBody>
+          <a:bodyPr/>
+          <a:lstStyle/>
+          <a:p>
+            <a:pPr marL="171450" indent="-171450">
+              <a:buFont typeface="Arial" charset="0"/>
+              <a:buChar char="•"/>
+            </a:pPr>
+            <a:endParaRPr lang="en-NZ" sz="1200" kern="1200" dirty="0" smtClean="0">
+              <a:solidFill>
+                <a:schemeClr val="tx1"/>
+              </a:solidFill>
+              <a:effectLst/>
+              <a:latin typeface="+mn-lt"/>
+              <a:ea typeface="+mn-ea"/>
+              <a:cs typeface="+mn-cs"/>
+            </a:endParaRPr>
+          </a:p>
+        </p:txBody>
+      </p:sp>
+      <p:sp>
+        <p:nvSpPr>
+          <p:cNvPr id="4" name="Slide Number Placeholder 3"/>
+          <p:cNvSpPr>
+            <a:spLocks noGrp="1"/>
+          </p:cNvSpPr>
+          <p:nvPr>
+            <p:ph type="sldNum" sz="quarter" idx="10"/>
+          </p:nvPr>
+        </p:nvSpPr>
+        <p:spPr/>
+        <p:txBody>
+          <a:bodyPr/>
+          <a:lstStyle/>
+          <a:p>
+            <a:fld id="{BBC1DE02-C006-4F38-873D-E62701AB1734}" type="slidenum">
+              <a:rPr lang="en-NZ" smtClean="0"/>
+              <a:t>3</a:t>
+            </a:fld>
+            <a:endParaRPr lang="en-NZ"/>
+          </a:p>
+        </p:txBody>
+      </p:sp>
+    </p:spTree>
+    <p:extLst>
+      <p:ext uri="{BB962C8B-B14F-4D97-AF65-F5344CB8AC3E}">
+        <p14:creationId xmlns:p14="http://schemas.microsoft.com/office/powerpoint/2010/main" val="3389477614"/>
+      </p:ext>
+    </p:extLst>
+  </p:cSld>
+  <p:clrMapOvr>
+    <a:masterClrMapping/>
+  </p:clrMapOvr>
+</p:notes>
+</file>
+
+<file path=ppt/notesSlides/notesSlide3.xml><?xml version="1.0" encoding="utf-8"?>
+<p:notes xmlns:a="http://schemas.openxmlformats.org/drawingml/2006/main" xmlns:r="http://schemas.openxmlformats.org/officeDocument/2006/relationships" xmlns:p="http://schemas.openxmlformats.org/presentationml/2006/main">
+  <p:cSld>
+    <p:spTree>
+      <p:nvGrpSpPr>
+        <p:cNvPr id="1" name=""/>
+        <p:cNvGrpSpPr/>
+        <p:nvPr/>
+      </p:nvGrpSpPr>
+      <p:grpSpPr>
+        <a:xfrm>
+          <a:off x="0" y="0"/>
+          <a:ext cx="0" cy="0"/>
+          <a:chOff x="0" y="0"/>
+          <a:chExt cx="0" cy="0"/>
+        </a:xfrm>
+      </p:grpSpPr>
+      <p:sp>
+        <p:nvSpPr>
+          <p:cNvPr id="2" name="Slide Image Placeholder 1"/>
+          <p:cNvSpPr>
+            <a:spLocks noGrp="1" noRot="1" noChangeAspect="1"/>
+          </p:cNvSpPr>
+          <p:nvPr>
+            <p:ph type="sldImg"/>
+          </p:nvPr>
+        </p:nvSpPr>
+        <p:spPr/>
+      </p:sp>
+      <p:sp>
+        <p:nvSpPr>
+          <p:cNvPr id="3" name="Notes Placeholder 2"/>
+          <p:cNvSpPr>
+            <a:spLocks noGrp="1"/>
+          </p:cNvSpPr>
+          <p:nvPr>
+            <p:ph type="body" idx="1"/>
+          </p:nvPr>
+        </p:nvSpPr>
+        <p:spPr/>
+        <p:txBody>
+          <a:bodyPr/>
+          <a:lstStyle/>
+          <a:p>
+            <a:pPr marL="171450" indent="-171450">
+              <a:buFont typeface="Arial" charset="0"/>
+              <a:buChar char="•"/>
+            </a:pPr>
+            <a:endParaRPr lang="en-NZ" sz="1200" kern="1200" dirty="0" smtClean="0">
+              <a:solidFill>
+                <a:schemeClr val="tx1"/>
+              </a:solidFill>
+              <a:effectLst/>
+              <a:latin typeface="+mn-lt"/>
+              <a:ea typeface="+mn-ea"/>
+              <a:cs typeface="+mn-cs"/>
+            </a:endParaRPr>
+          </a:p>
+        </p:txBody>
+      </p:sp>
+      <p:sp>
+        <p:nvSpPr>
+          <p:cNvPr id="4" name="Slide Number Placeholder 3"/>
+          <p:cNvSpPr>
+            <a:spLocks noGrp="1"/>
+          </p:cNvSpPr>
+          <p:nvPr>
+            <p:ph type="sldNum" sz="quarter" idx="10"/>
+          </p:nvPr>
+        </p:nvSpPr>
+        <p:spPr/>
+        <p:txBody>
+          <a:bodyPr/>
+          <a:lstStyle/>
+          <a:p>
+            <a:fld id="{BBC1DE02-C006-4F38-873D-E62701AB1734}" type="slidenum">
+              <a:rPr lang="en-NZ" smtClean="0"/>
+              <a:t>4</a:t>
+            </a:fld>
+            <a:endParaRPr lang="en-NZ"/>
+          </a:p>
+        </p:txBody>
+      </p:sp>
+    </p:spTree>
+    <p:extLst>
+      <p:ext uri="{BB962C8B-B14F-4D97-AF65-F5344CB8AC3E}">
+        <p14:creationId xmlns:p14="http://schemas.microsoft.com/office/powerpoint/2010/main" val="1925759144"/>
+      </p:ext>
+    </p:extLst>
+  </p:cSld>
+  <p:clrMapOvr>
+    <a:masterClrMapping/>
+  </p:clrMapOvr>
+</p:notes>
+</file>
+
+<file path=ppt/notesSlides/notesSlide4.xml><?xml version="1.0" encoding="utf-8"?>
+<p:notes xmlns:a="http://schemas.openxmlformats.org/drawingml/2006/main" xmlns:r="http://schemas.openxmlformats.org/officeDocument/2006/relationships" xmlns:p="http://schemas.openxmlformats.org/presentationml/2006/main">
+  <p:cSld>
+    <p:spTree>
+      <p:nvGrpSpPr>
+        <p:cNvPr id="1" name=""/>
+        <p:cNvGrpSpPr/>
+        <p:nvPr/>
+      </p:nvGrpSpPr>
+      <p:grpSpPr>
+        <a:xfrm>
+          <a:off x="0" y="0"/>
+          <a:ext cx="0" cy="0"/>
+          <a:chOff x="0" y="0"/>
+          <a:chExt cx="0" cy="0"/>
+        </a:xfrm>
+      </p:grpSpPr>
+      <p:sp>
+        <p:nvSpPr>
+          <p:cNvPr id="2" name="Slide Image Placeholder 1"/>
+          <p:cNvSpPr>
+            <a:spLocks noGrp="1" noRot="1" noChangeAspect="1"/>
+          </p:cNvSpPr>
+          <p:nvPr>
+            <p:ph type="sldImg"/>
+          </p:nvPr>
+        </p:nvSpPr>
+        <p:spPr/>
+      </p:sp>
+      <p:sp>
+        <p:nvSpPr>
+          <p:cNvPr id="3" name="Notes Placeholder 2"/>
+          <p:cNvSpPr>
+            <a:spLocks noGrp="1"/>
+          </p:cNvSpPr>
+          <p:nvPr>
+            <p:ph type="body" idx="1"/>
+          </p:nvPr>
+        </p:nvSpPr>
+        <p:spPr/>
+        <p:txBody>
+          <a:bodyPr/>
+          <a:lstStyle/>
+          <a:p>
+            <a:pPr marL="171450" indent="-171450">
+              <a:buFont typeface="Arial" charset="0"/>
+              <a:buChar char="•"/>
+            </a:pPr>
+            <a:endParaRPr lang="en-NZ" sz="1200" kern="1200" dirty="0" smtClean="0">
+              <a:solidFill>
+                <a:schemeClr val="tx1"/>
+              </a:solidFill>
+              <a:effectLst/>
+              <a:latin typeface="+mn-lt"/>
+              <a:ea typeface="+mn-ea"/>
+              <a:cs typeface="+mn-cs"/>
+            </a:endParaRPr>
+          </a:p>
+        </p:txBody>
+      </p:sp>
+      <p:sp>
+        <p:nvSpPr>
+          <p:cNvPr id="4" name="Slide Number Placeholder 3"/>
+          <p:cNvSpPr>
+            <a:spLocks noGrp="1"/>
+          </p:cNvSpPr>
+          <p:nvPr>
+            <p:ph type="sldNum" sz="quarter" idx="10"/>
+          </p:nvPr>
+        </p:nvSpPr>
+        <p:spPr/>
+        <p:txBody>
+          <a:bodyPr/>
+          <a:lstStyle/>
+          <a:p>
+            <a:fld id="{BBC1DE02-C006-4F38-873D-E62701AB1734}" type="slidenum">
+              <a:rPr lang="en-NZ" smtClean="0"/>
+              <a:t>5</a:t>
+            </a:fld>
+            <a:endParaRPr lang="en-NZ"/>
+          </a:p>
+        </p:txBody>
+      </p:sp>
+    </p:spTree>
+    <p:extLst>
+      <p:ext uri="{BB962C8B-B14F-4D97-AF65-F5344CB8AC3E}">
+        <p14:creationId xmlns:p14="http://schemas.microsoft.com/office/powerpoint/2010/main" val="1814164490"/>
+      </p:ext>
+    </p:extLst>
+  </p:cSld>
+  <p:clrMapOvr>
+    <a:masterClrMapping/>
+  </p:clrMapOvr>
+</p:notes>
+</file>
+
+<file path=ppt/notesSlides/notesSlide5.xml><?xml version="1.0" encoding="utf-8"?>
+<p:notes xmlns:a="http://schemas.openxmlformats.org/drawingml/2006/main" xmlns:r="http://schemas.openxmlformats.org/officeDocument/2006/relationships" xmlns:p="http://schemas.openxmlformats.org/presentationml/2006/main">
+  <p:cSld>
+    <p:spTree>
+      <p:nvGrpSpPr>
+        <p:cNvPr id="1" name=""/>
+        <p:cNvGrpSpPr/>
+        <p:nvPr/>
+      </p:nvGrpSpPr>
+      <p:grpSpPr>
+        <a:xfrm>
+          <a:off x="0" y="0"/>
+          <a:ext cx="0" cy="0"/>
+          <a:chOff x="0" y="0"/>
+          <a:chExt cx="0" cy="0"/>
+        </a:xfrm>
+      </p:grpSpPr>
+      <p:sp>
+        <p:nvSpPr>
+          <p:cNvPr id="2" name="Slide Image Placeholder 1"/>
+          <p:cNvSpPr>
+            <a:spLocks noGrp="1" noRot="1" noChangeAspect="1"/>
+          </p:cNvSpPr>
+          <p:nvPr>
+            <p:ph type="sldImg"/>
+          </p:nvPr>
+        </p:nvSpPr>
+        <p:spPr/>
+      </p:sp>
+      <p:sp>
+        <p:nvSpPr>
+          <p:cNvPr id="3" name="Notes Placeholder 2"/>
+          <p:cNvSpPr>
+            <a:spLocks noGrp="1"/>
+          </p:cNvSpPr>
+          <p:nvPr>
+            <p:ph type="body" idx="1"/>
+          </p:nvPr>
+        </p:nvSpPr>
+        <p:spPr/>
+        <p:txBody>
+          <a:bodyPr/>
+          <a:lstStyle/>
+          <a:p>
+            <a:pPr marL="171450" indent="-171450">
+              <a:buFont typeface="Arial" charset="0"/>
+              <a:buChar char="•"/>
+            </a:pPr>
+            <a:endParaRPr lang="en-NZ" sz="1200" kern="1200" dirty="0" smtClean="0">
+              <a:solidFill>
+                <a:schemeClr val="tx1"/>
+              </a:solidFill>
+              <a:effectLst/>
+              <a:latin typeface="+mn-lt"/>
+              <a:ea typeface="+mn-ea"/>
+              <a:cs typeface="+mn-cs"/>
+            </a:endParaRPr>
+          </a:p>
+        </p:txBody>
+      </p:sp>
+      <p:sp>
+        <p:nvSpPr>
+          <p:cNvPr id="4" name="Slide Number Placeholder 3"/>
+          <p:cNvSpPr>
+            <a:spLocks noGrp="1"/>
+          </p:cNvSpPr>
+          <p:nvPr>
+            <p:ph type="sldNum" sz="quarter" idx="10"/>
+          </p:nvPr>
+        </p:nvSpPr>
+        <p:spPr/>
+        <p:txBody>
+          <a:bodyPr/>
+          <a:lstStyle/>
+          <a:p>
+            <a:fld id="{BBC1DE02-C006-4F38-873D-E62701AB1734}" type="slidenum">
+              <a:rPr lang="en-NZ" smtClean="0"/>
+              <a:t>6</a:t>
+            </a:fld>
+            <a:endParaRPr lang="en-NZ"/>
+          </a:p>
+        </p:txBody>
+      </p:sp>
+    </p:spTree>
+    <p:extLst>
+      <p:ext uri="{BB962C8B-B14F-4D97-AF65-F5344CB8AC3E}">
+        <p14:creationId xmlns:p14="http://schemas.microsoft.com/office/powerpoint/2010/main" val="1164945592"/>
+      </p:ext>
+    </p:extLst>
+  </p:cSld>
+  <p:clrMapOvr>
+    <a:masterClrMapping/>
+  </p:clrMapOvr>
+</p:notes>
+</file>
+
+<file path=ppt/notesSlides/notesSlide6.xml><?xml version="1.0" encoding="utf-8"?>
+<p:notes xmlns:a="http://schemas.openxmlformats.org/drawingml/2006/main" xmlns:r="http://schemas.openxmlformats.org/officeDocument/2006/relationships" xmlns:p="http://schemas.openxmlformats.org/presentationml/2006/main">
+  <p:cSld>
+    <p:spTree>
+      <p:nvGrpSpPr>
+        <p:cNvPr id="1" name=""/>
+        <p:cNvGrpSpPr/>
+        <p:nvPr/>
+      </p:nvGrpSpPr>
+      <p:grpSpPr>
+        <a:xfrm>
+          <a:off x="0" y="0"/>
+          <a:ext cx="0" cy="0"/>
+          <a:chOff x="0" y="0"/>
+          <a:chExt cx="0" cy="0"/>
+        </a:xfrm>
+      </p:grpSpPr>
+      <p:sp>
+        <p:nvSpPr>
+          <p:cNvPr id="2" name="Slide Image Placeholder 1"/>
+          <p:cNvSpPr>
+            <a:spLocks noGrp="1" noRot="1" noChangeAspect="1"/>
+          </p:cNvSpPr>
+          <p:nvPr>
+            <p:ph type="sldImg"/>
+          </p:nvPr>
+        </p:nvSpPr>
+        <p:spPr/>
+      </p:sp>
+      <p:sp>
+        <p:nvSpPr>
+          <p:cNvPr id="3" name="Notes Placeholder 2"/>
+          <p:cNvSpPr>
+            <a:spLocks noGrp="1"/>
+          </p:cNvSpPr>
+          <p:nvPr>
+            <p:ph type="body" idx="1"/>
+          </p:nvPr>
+        </p:nvSpPr>
+        <p:spPr/>
+        <p:txBody>
+          <a:bodyPr/>
+          <a:lstStyle/>
+          <a:p>
+            <a:pPr marL="171450" indent="-171450">
+              <a:buFont typeface="Arial" charset="0"/>
+              <a:buChar char="•"/>
+            </a:pPr>
+            <a:endParaRPr lang="en-NZ" sz="1200" kern="1200" dirty="0" smtClean="0">
+              <a:solidFill>
+                <a:schemeClr val="tx1"/>
+              </a:solidFill>
+              <a:effectLst/>
+              <a:latin typeface="+mn-lt"/>
+              <a:ea typeface="+mn-ea"/>
+              <a:cs typeface="+mn-cs"/>
+            </a:endParaRPr>
+          </a:p>
+        </p:txBody>
+      </p:sp>
+      <p:sp>
+        <p:nvSpPr>
+          <p:cNvPr id="4" name="Slide Number Placeholder 3"/>
+          <p:cNvSpPr>
+            <a:spLocks noGrp="1"/>
+          </p:cNvSpPr>
+          <p:nvPr>
+            <p:ph type="sldNum" sz="quarter" idx="10"/>
+          </p:nvPr>
+        </p:nvSpPr>
+        <p:spPr/>
+        <p:txBody>
+          <a:bodyPr/>
+          <a:lstStyle/>
+          <a:p>
+            <a:fld id="{BBC1DE02-C006-4F38-873D-E62701AB1734}" type="slidenum">
+              <a:rPr lang="en-NZ" smtClean="0"/>
+              <a:t>7</a:t>
+            </a:fld>
+            <a:endParaRPr lang="en-NZ"/>
+          </a:p>
+        </p:txBody>
+      </p:sp>
+    </p:spTree>
+    <p:extLst>
+      <p:ext uri="{BB962C8B-B14F-4D97-AF65-F5344CB8AC3E}">
+        <p14:creationId xmlns:p14="http://schemas.microsoft.com/office/powerpoint/2010/main" val="3085798134"/>
+      </p:ext>
+    </p:extLst>
+  </p:cSld>
+  <p:clrMapOvr>
+    <a:masterClrMapping/>
+  </p:clrMapOvr>
+</p:notes>
+</file>
+
+<file path=ppt/notesSlides/notesSlide7.xml><?xml version="1.0" encoding="utf-8"?>
+<p:notes xmlns:a="http://schemas.openxmlformats.org/drawingml/2006/main" xmlns:r="http://schemas.openxmlformats.org/officeDocument/2006/relationships" xmlns:p="http://schemas.openxmlformats.org/presentationml/2006/main">
+  <p:cSld>
+    <p:spTree>
+      <p:nvGrpSpPr>
+        <p:cNvPr id="1" name=""/>
+        <p:cNvGrpSpPr/>
+        <p:nvPr/>
+      </p:nvGrpSpPr>
+      <p:grpSpPr>
+        <a:xfrm>
+          <a:off x="0" y="0"/>
+          <a:ext cx="0" cy="0"/>
+          <a:chOff x="0" y="0"/>
+          <a:chExt cx="0" cy="0"/>
+        </a:xfrm>
+      </p:grpSpPr>
+      <p:sp>
+        <p:nvSpPr>
+          <p:cNvPr id="2" name="Slide Image Placeholder 1"/>
+          <p:cNvSpPr>
+            <a:spLocks noGrp="1" noRot="1" noChangeAspect="1"/>
+          </p:cNvSpPr>
+          <p:nvPr>
+            <p:ph type="sldImg"/>
+          </p:nvPr>
+        </p:nvSpPr>
+        <p:spPr/>
+      </p:sp>
+      <p:sp>
+        <p:nvSpPr>
+          <p:cNvPr id="3" name="Notes Placeholder 2"/>
+          <p:cNvSpPr>
+            <a:spLocks noGrp="1"/>
+          </p:cNvSpPr>
+          <p:nvPr>
+            <p:ph type="body" idx="1"/>
+          </p:nvPr>
+        </p:nvSpPr>
+        <p:spPr/>
+        <p:txBody>
+          <a:bodyPr/>
+          <a:lstStyle/>
+          <a:p>
+            <a:pPr marL="171450" indent="-171450">
+              <a:buFont typeface="Arial" charset="0"/>
+              <a:buChar char="•"/>
+            </a:pPr>
+            <a:endParaRPr lang="en-NZ" sz="1200" kern="1200" dirty="0" smtClean="0">
+              <a:solidFill>
+                <a:schemeClr val="tx1"/>
+              </a:solidFill>
+              <a:effectLst/>
+              <a:latin typeface="+mn-lt"/>
+              <a:ea typeface="+mn-ea"/>
+              <a:cs typeface="+mn-cs"/>
+            </a:endParaRPr>
+          </a:p>
+        </p:txBody>
+      </p:sp>
+      <p:sp>
+        <p:nvSpPr>
+          <p:cNvPr id="4" name="Slide Number Placeholder 3"/>
+          <p:cNvSpPr>
+            <a:spLocks noGrp="1"/>
+          </p:cNvSpPr>
+          <p:nvPr>
+            <p:ph type="sldNum" sz="quarter" idx="10"/>
+          </p:nvPr>
+        </p:nvSpPr>
+        <p:spPr/>
+        <p:txBody>
+          <a:bodyPr/>
+          <a:lstStyle/>
+          <a:p>
+            <a:fld id="{BBC1DE02-C006-4F38-873D-E62701AB1734}" type="slidenum">
+              <a:rPr lang="en-NZ" smtClean="0"/>
+              <a:t>8</a:t>
+            </a:fld>
+            <a:endParaRPr lang="en-NZ"/>
+          </a:p>
+        </p:txBody>
+      </p:sp>
+    </p:spTree>
+    <p:extLst>
+      <p:ext uri="{BB962C8B-B14F-4D97-AF65-F5344CB8AC3E}">
+        <p14:creationId xmlns:p14="http://schemas.microsoft.com/office/powerpoint/2010/main" val="481793236"/>
+      </p:ext>
+    </p:extLst>
+  </p:cSld>
+  <p:clrMapOvr>
+    <a:masterClrMapping/>
+  </p:clrMapOvr>
+</p:notes>
 </file>
 
 <file path=ppt/slideLayouts/slideLayout1.xml><?xml version="1.0" encoding="utf-8"?>
@@ -293,7 +1336,7 @@
           <a:p>
             <a:fld id="{F8166F1F-CE9B-4651-A6AA-CD717754106B}" type="datetimeFigureOut">
               <a:rPr lang="en-US" smtClean="0"/>
-              <a:t>7/1/2019</a:t>
+              <a:t>9/24/2019</a:t>
             </a:fld>
             <a:endParaRPr lang="en-US"/>
           </a:p>
@@ -458,7 +1501,7 @@
           <a:p>
             <a:fld id="{A76116CE-C4A3-4A05-B2D7-7C2E9A889C0F}" type="datetimeFigureOut">
               <a:rPr lang="en-US" smtClean="0"/>
-              <a:t>1/30/2017</a:t>
+              <a:t>9/24/2019</a:t>
             </a:fld>
             <a:endParaRPr lang="en-US"/>
           </a:p>
@@ -633,7 +1676,7 @@
           <a:p>
             <a:fld id="{A76116CE-C4A3-4A05-B2D7-7C2E9A889C0F}" type="datetimeFigureOut">
               <a:rPr lang="en-US" smtClean="0"/>
-              <a:t>1/30/2017</a:t>
+              <a:t>9/24/2019</a:t>
             </a:fld>
             <a:endParaRPr lang="en-US"/>
           </a:p>
@@ -800,7 +1843,7 @@
           <a:p>
             <a:fld id="{A76116CE-C4A3-4A05-B2D7-7C2E9A889C0F}" type="datetimeFigureOut">
               <a:rPr lang="en-US" smtClean="0"/>
-              <a:t>7/1/2019</a:t>
+              <a:t>9/24/2019</a:t>
             </a:fld>
             <a:endParaRPr lang="en-US"/>
           </a:p>
@@ -1041,7 +2084,7 @@
           <a:p>
             <a:fld id="{A76116CE-C4A3-4A05-B2D7-7C2E9A889C0F}" type="datetimeFigureOut">
               <a:rPr lang="en-US" smtClean="0"/>
-              <a:t>7/1/2019</a:t>
+              <a:t>9/24/2019</a:t>
             </a:fld>
             <a:endParaRPr lang="en-US"/>
           </a:p>
@@ -1324,7 +2367,7 @@
           <a:p>
             <a:fld id="{A76116CE-C4A3-4A05-B2D7-7C2E9A889C0F}" type="datetimeFigureOut">
               <a:rPr lang="en-US" smtClean="0"/>
-              <a:t>1/30/2017</a:t>
+              <a:t>9/24/2019</a:t>
             </a:fld>
             <a:endParaRPr lang="en-US"/>
           </a:p>
@@ -1741,7 +2784,7 @@
           <a:p>
             <a:fld id="{A76116CE-C4A3-4A05-B2D7-7C2E9A889C0F}" type="datetimeFigureOut">
               <a:rPr lang="en-US" smtClean="0"/>
-              <a:t>1/30/2017</a:t>
+              <a:t>9/24/2019</a:t>
             </a:fld>
             <a:endParaRPr lang="en-US"/>
           </a:p>
@@ -1854,7 +2897,7 @@
           <a:p>
             <a:fld id="{A76116CE-C4A3-4A05-B2D7-7C2E9A889C0F}" type="datetimeFigureOut">
               <a:rPr lang="en-US" smtClean="0"/>
-              <a:t>1/30/2017</a:t>
+              <a:t>9/24/2019</a:t>
             </a:fld>
             <a:endParaRPr lang="en-US"/>
           </a:p>
@@ -1944,7 +2987,7 @@
           <a:p>
             <a:fld id="{A76116CE-C4A3-4A05-B2D7-7C2E9A889C0F}" type="datetimeFigureOut">
               <a:rPr lang="en-US" smtClean="0"/>
-              <a:t>1/30/2017</a:t>
+              <a:t>9/24/2019</a:t>
             </a:fld>
             <a:endParaRPr lang="en-US"/>
           </a:p>
@@ -2216,7 +3259,7 @@
           <a:p>
             <a:fld id="{A76116CE-C4A3-4A05-B2D7-7C2E9A889C0F}" type="datetimeFigureOut">
               <a:rPr lang="en-US" smtClean="0"/>
-              <a:t>1/30/2017</a:t>
+              <a:t>9/24/2019</a:t>
             </a:fld>
             <a:endParaRPr lang="en-US"/>
           </a:p>
@@ -2464,7 +3507,7 @@
           <a:p>
             <a:fld id="{A76116CE-C4A3-4A05-B2D7-7C2E9A889C0F}" type="datetimeFigureOut">
               <a:rPr lang="en-US" smtClean="0"/>
-              <a:t>1/30/2017</a:t>
+              <a:t>9/24/2019</a:t>
             </a:fld>
             <a:endParaRPr lang="en-US"/>
           </a:p>
@@ -2672,7 +3715,7 @@
           <a:p>
             <a:fld id="{F8166F1F-CE9B-4651-A6AA-CD717754106B}" type="datetimeFigureOut">
               <a:rPr lang="en-US" smtClean="0"/>
-              <a:t>6/13/2013</a:t>
+              <a:t>9/24/2019</a:t>
             </a:fld>
             <a:endParaRPr lang="en-US"/>
           </a:p>
@@ -2750,7 +3793,7 @@
           <a:p>
             <a:fld id="{F7021451-1387-4CA6-816F-3879F97B5CBC}" type="slidenum">
               <a:rPr lang="en-US" smtClean="0"/>
-              <a:t>�#�</a:t>
+              <a:t>‹#›</a:t>
             </a:fld>
             <a:endParaRPr lang="en-US"/>
           </a:p>
@@ -2761,16 +3804,16 @@
   <p:clrMap bg1="lt1" tx1="dk1" bg2="lt2" tx2="dk2" accent1="accent1" accent2="accent2" accent3="accent3" accent4="accent4" accent5="accent5" accent6="accent6" hlink="hlink" folHlink="folHlink"/>
   <p:sldLayoutIdLst>
     <p:sldLayoutId id="2147483649" r:id="rId1"/>
-    <p:sldLayoutId id="2147483650" r:id="rId3"/>
-    <p:sldLayoutId id="2147483651" r:id="rId4"/>
-    <p:sldLayoutId id="2147483652" r:id="rId5"/>
-    <p:sldLayoutId id="2147483653" r:id="rId6"/>
-    <p:sldLayoutId id="2147483654" r:id="rId7"/>
-    <p:sldLayoutId id="2147483655" r:id="rId8"/>
-    <p:sldLayoutId id="2147483656" r:id="rId9"/>
-    <p:sldLayoutId id="2147483657" r:id="rId10"/>
-    <p:sldLayoutId id="2147483658" r:id="rId11"/>
-    <p:sldLayoutId id="2147483659" r:id="rId12"/>
+    <p:sldLayoutId id="2147483650" r:id="rId2"/>
+    <p:sldLayoutId id="2147483651" r:id="rId3"/>
+    <p:sldLayoutId id="2147483652" r:id="rId4"/>
+    <p:sldLayoutId id="2147483653" r:id="rId5"/>
+    <p:sldLayoutId id="2147483654" r:id="rId6"/>
+    <p:sldLayoutId id="2147483655" r:id="rId7"/>
+    <p:sldLayoutId id="2147483656" r:id="rId8"/>
+    <p:sldLayoutId id="2147483657" r:id="rId9"/>
+    <p:sldLayoutId id="2147483658" r:id="rId10"/>
+    <p:sldLayoutId id="2147483659" r:id="rId11"/>
   </p:sldLayoutIdLst>
   <p:txStyles>
     <p:titleStyle>
@@ -3027,7 +4070,18 @@
 
 <file path=ppt/slides/slide1.xml><?xml version="1.0" encoding="utf-8"?>
 <p:sld xmlns:a="http://schemas.openxmlformats.org/drawingml/2006/main" xmlns:r="http://schemas.openxmlformats.org/officeDocument/2006/relationships" xmlns:p="http://schemas.openxmlformats.org/presentationml/2006/main">
-  <p:cSld name="Title Slide">
+  <p:cSld>
+    <p:bg>
+      <p:bgPr>
+        <a:solidFill>
+          <a:schemeClr val="accent5">
+            <a:lumMod val="60000"/>
+            <a:lumOff val="40000"/>
+          </a:schemeClr>
+        </a:solidFill>
+        <a:effectLst/>
+      </p:bgPr>
+    </p:bg>
     <p:spTree>
       <p:nvGrpSpPr>
         <p:cNvPr id="1" name=""/>
@@ -3044,202 +4098,1556 @@
       </p:grpSpPr>
       <p:sp>
         <p:nvSpPr>
-          <p:cNvPr id="2" name="Title 1"/>
-          <p:cNvSpPr>
-            <a:spLocks noGrp="1"/>
-          </p:cNvSpPr>
-          <p:nvPr>
-            <p:ph type="ctrTitle"/>
-          </p:nvPr>
+          <p:cNvPr id="2" name="Rectangle 1"/>
+          <p:cNvSpPr/>
+          <p:nvPr/>
         </p:nvSpPr>
         <p:spPr>
           <a:xfrm>
-            <a:off x="685800" y="2130425"/>
-            <a:ext cx="7772400" cy="1470025"/>
+            <a:off x="0" y="2133600"/>
+            <a:ext cx="9144000" cy="2300630"/>
           </a:xfrm>
+          <a:prstGeom prst="rect">
+            <a:avLst/>
+          </a:prstGeom>
+          <a:noFill/>
         </p:spPr>
         <p:txBody>
-          <a:bodyPr/>
-          <a:lstStyle/>
-          <a:p>
-            <a:r>
-              <a:rPr lang="en-US" smtClean="0"/>
-              <a:t>Click to edit Master title style</a:t>
-            </a:r>
-            <a:endParaRPr lang="en-US"/>
-          </a:p>
-        </p:txBody>
-      </p:sp>
-      <p:sp>
-        <p:nvSpPr>
-          <p:cNvPr id="3" name="Subtitle 2"/>
-          <p:cNvSpPr>
-            <a:spLocks noGrp="1"/>
-          </p:cNvSpPr>
-          <p:nvPr>
-            <p:ph type="subTitle" idx="1"/>
-          </p:nvPr>
-        </p:nvSpPr>
-        <p:spPr>
-          <a:xfrm>
-            <a:off x="1371600" y="3886200"/>
-            <a:ext cx="6400800" cy="1752600"/>
-          </a:xfrm>
-        </p:spPr>
-        <p:txBody>
-          <a:bodyPr/>
-          <a:lstStyle>
-            <a:lvl1pPr marL="0" indent="0" algn="ctr">
-              <a:buNone/>
-              <a:defRPr>
-                <a:solidFill>
-                  <a:schemeClr val="tx1">
-                    <a:tint val="75000"/>
-                  </a:schemeClr>
-                </a:solidFill>
-              </a:defRPr>
-            </a:lvl1pPr>
-            <a:lvl2pPr marL="457200" indent="0" algn="ctr">
-              <a:buNone/>
-              <a:defRPr>
-                <a:solidFill>
-                  <a:schemeClr val="tx1">
-                    <a:tint val="75000"/>
-                  </a:schemeClr>
-                </a:solidFill>
-              </a:defRPr>
-            </a:lvl2pPr>
-            <a:lvl3pPr marL="914400" indent="0" algn="ctr">
-              <a:buNone/>
-              <a:defRPr>
-                <a:solidFill>
-                  <a:schemeClr val="tx1">
-                    <a:tint val="75000"/>
-                  </a:schemeClr>
-                </a:solidFill>
-              </a:defRPr>
-            </a:lvl3pPr>
-            <a:lvl4pPr marL="1371600" indent="0" algn="ctr">
-              <a:buNone/>
-              <a:defRPr>
-                <a:solidFill>
-                  <a:schemeClr val="tx1">
-                    <a:tint val="75000"/>
-                  </a:schemeClr>
-                </a:solidFill>
-              </a:defRPr>
-            </a:lvl4pPr>
-            <a:lvl5pPr marL="1828800" indent="0" algn="ctr">
-              <a:buNone/>
-              <a:defRPr>
-                <a:solidFill>
-                  <a:schemeClr val="tx1">
-                    <a:tint val="75000"/>
-                  </a:schemeClr>
-                </a:solidFill>
-              </a:defRPr>
-            </a:lvl5pPr>
-            <a:lvl6pPr marL="2286000" indent="0" algn="ctr">
-              <a:buNone/>
-              <a:defRPr>
-                <a:solidFill>
-                  <a:schemeClr val="tx1">
-                    <a:tint val="75000"/>
-                  </a:schemeClr>
-                </a:solidFill>
-              </a:defRPr>
-            </a:lvl6pPr>
-            <a:lvl7pPr marL="2743200" indent="0" algn="ctr">
-              <a:buNone/>
-              <a:defRPr>
-                <a:solidFill>
-                  <a:schemeClr val="tx1">
-                    <a:tint val="75000"/>
-                  </a:schemeClr>
-                </a:solidFill>
-              </a:defRPr>
-            </a:lvl7pPr>
-            <a:lvl8pPr marL="3200400" indent="0" algn="ctr">
-              <a:buNone/>
-              <a:defRPr>
-                <a:solidFill>
-                  <a:schemeClr val="tx1">
-                    <a:tint val="75000"/>
-                  </a:schemeClr>
-                </a:solidFill>
-              </a:defRPr>
-            </a:lvl8pPr>
-            <a:lvl9pPr marL="3657600" indent="0" algn="ctr">
-              <a:buNone/>
-              <a:defRPr>
-                <a:solidFill>
-                  <a:schemeClr val="tx1">
-                    <a:tint val="75000"/>
-                  </a:schemeClr>
-                </a:solidFill>
-              </a:defRPr>
-            </a:lvl9pPr>
-          </a:lstStyle>
-          <a:p>
-            <a:r>
-              <a:rPr lang="en-US" smtClean="0"/>
-              <a:t>Click to edit Master subtitle style</a:t>
-            </a:r>
-            <a:endParaRPr lang="en-US"/>
-          </a:p>
-        </p:txBody>
-      </p:sp>
-      <p:sp>
-        <p:nvSpPr>
-          <p:cNvPr id="4" name="Date Placeholder 3"/>
-          <p:cNvSpPr>
-            <a:spLocks noGrp="1"/>
-          </p:cNvSpPr>
-          <p:nvPr>
-            <p:ph type="dt" sz="half" idx="10"/>
-          </p:nvPr>
-        </p:nvSpPr>
-        <p:spPr/>
-        <p:txBody>
-          <a:bodyPr/>
-          <a:lstStyle/>
-          <a:p>
-            <a:fld id="{F8166F1F-CE9B-4651-A6AA-CD717754106B}" type="datetimeFigureOut">
-              <a:rPr lang="en-US" smtClean="0"/>
-              <a:t>7/1/2019</a:t>
-            </a:fld>
-            <a:endParaRPr lang="en-US"/>
-          </a:p>
-        </p:txBody>
-      </p:sp>
-      <p:sp>
-        <p:nvSpPr>
-          <p:cNvPr id="5" name="Slide Number Placeholder 5"/>
-          <p:cNvSpPr>
-            <a:spLocks noGrp="1"/>
-          </p:cNvSpPr>
-          <p:nvPr>
-            <p:ph type="sldNum" sz="quarter" idx="12"/>
-          </p:nvPr>
-        </p:nvSpPr>
-        <p:spPr/>
-        <p:txBody>
-          <a:bodyPr/>
-          <a:lstStyle/>
-          <a:p>
-            <a:fld id="{B1393E5F-521B-4CAD-9D3A-AE923D912DCE}" type="slidenum">
-              <a:rPr lang="en-US" smtClean="0"/>
-              <a:t>‹#›</a:t>
-            </a:fld>
-            <a:endParaRPr lang="en-US"/>
+          <a:bodyPr wrap="square" lIns="68580" tIns="34290" rIns="68580" bIns="34290">
+            <a:spAutoFit/>
+          </a:bodyPr>
+          <a:lstStyle/>
+          <a:p>
+            <a:pPr algn="ctr"/>
+            <a:r>
+              <a:rPr lang="en-US" sz="4000" b="1" dirty="0"/>
+              <a:t>Programming </a:t>
+            </a:r>
+            <a:r>
+              <a:rPr lang="en-US" sz="4000" b="1" dirty="0" smtClean="0"/>
+              <a:t>4</a:t>
+            </a:r>
+            <a:endParaRPr lang="en-US" sz="2500" b="1" dirty="0"/>
+          </a:p>
+          <a:p>
+            <a:pPr algn="ctr"/>
+            <a:r>
+              <a:rPr lang="en-US" sz="4000" b="1" dirty="0" smtClean="0"/>
+              <a:t>10</a:t>
+            </a:r>
+            <a:r>
+              <a:rPr lang="en-US" sz="4000" b="1" dirty="0" smtClean="0"/>
+              <a:t>.1 Inheritance Approach and Avoid</a:t>
+            </a:r>
+            <a:endParaRPr lang="en-US" sz="4000" b="1" dirty="0" smtClean="0"/>
+          </a:p>
+          <a:p>
+            <a:pPr algn="ctr"/>
+            <a:endParaRPr lang="en-US" sz="2500" b="1" dirty="0"/>
+          </a:p>
+          <a:p>
+            <a:pPr algn="ctr"/>
+            <a:r>
+              <a:rPr lang="en-US" sz="4000" b="1" dirty="0"/>
+              <a:t>Semester 2</a:t>
+            </a:r>
+            <a:r>
+              <a:rPr lang="en-US" sz="4000" b="1" dirty="0" smtClean="0"/>
+              <a:t>, </a:t>
+            </a:r>
+            <a:r>
+              <a:rPr lang="en-US" sz="4000" b="1" dirty="0"/>
+              <a:t>2019</a:t>
+            </a:r>
           </a:p>
         </p:txBody>
       </p:sp>
     </p:spTree>
+    <p:extLst>
+      <p:ext uri="{BB962C8B-B14F-4D97-AF65-F5344CB8AC3E}">
+        <p14:creationId xmlns:p14="http://schemas.microsoft.com/office/powerpoint/2010/main" val="20356590"/>
+      </p:ext>
+    </p:extLst>
   </p:cSld>
   <p:clrMapOvr>
     <a:masterClrMapping/>
   </p:clrMapOvr>
+  <p:timing>
+    <p:tnLst>
+      <p:par>
+        <p:cTn id="1" dur="indefinite" restart="never" nodeType="tmRoot"/>
+      </p:par>
+    </p:tnLst>
+  </p:timing>
+</p:sld>
+</file>
+
+<file path=ppt/slides/slide2.xml><?xml version="1.0" encoding="utf-8"?>
+<p:sld xmlns:a="http://schemas.openxmlformats.org/drawingml/2006/main" xmlns:r="http://schemas.openxmlformats.org/officeDocument/2006/relationships" xmlns:p="http://schemas.openxmlformats.org/presentationml/2006/main">
+  <p:cSld>
+    <p:bg>
+      <p:bgPr>
+        <a:solidFill>
+          <a:schemeClr val="accent5">
+            <a:lumMod val="60000"/>
+            <a:lumOff val="40000"/>
+          </a:schemeClr>
+        </a:solidFill>
+        <a:effectLst/>
+      </p:bgPr>
+    </p:bg>
+    <p:spTree>
+      <p:nvGrpSpPr>
+        <p:cNvPr id="1" name=""/>
+        <p:cNvGrpSpPr/>
+        <p:nvPr/>
+      </p:nvGrpSpPr>
+      <p:grpSpPr>
+        <a:xfrm>
+          <a:off x="0" y="0"/>
+          <a:ext cx="0" cy="0"/>
+          <a:chOff x="0" y="0"/>
+          <a:chExt cx="0" cy="0"/>
+        </a:xfrm>
+      </p:grpSpPr>
+      <p:sp>
+        <p:nvSpPr>
+          <p:cNvPr id="3" name="Rectangle 2"/>
+          <p:cNvSpPr/>
+          <p:nvPr/>
+        </p:nvSpPr>
+        <p:spPr>
+          <a:xfrm>
+            <a:off x="0" y="0"/>
+            <a:ext cx="9144000" cy="6632585"/>
+          </a:xfrm>
+          <a:prstGeom prst="rect">
+            <a:avLst/>
+          </a:prstGeom>
+        </p:spPr>
+        <p:txBody>
+          <a:bodyPr wrap="square">
+            <a:spAutoFit/>
+          </a:bodyPr>
+          <a:lstStyle/>
+          <a:p>
+            <a:pPr algn="ctr"/>
+            <a:endParaRPr lang="en-US" sz="4000" b="1" dirty="0"/>
+          </a:p>
+          <a:p>
+            <a:pPr lvl="1"/>
+            <a:r>
+              <a:rPr lang="en-NZ" sz="3500" b="1" dirty="0" smtClean="0"/>
+              <a:t>Inheritance in OO - review</a:t>
+            </a:r>
+            <a:endParaRPr lang="en-US" sz="3500" b="1" dirty="0" smtClean="0"/>
+          </a:p>
+          <a:p>
+            <a:pPr marL="1657350" lvl="2" indent="-742950">
+              <a:buFont typeface="Arial" panose="020B0604020202020204" pitchFamily="34" charset="0"/>
+              <a:buChar char="•"/>
+            </a:pPr>
+            <a:endParaRPr lang="en-US" sz="2500" dirty="0" smtClean="0"/>
+          </a:p>
+          <a:p>
+            <a:pPr marL="1657350" lvl="2" indent="-742950">
+              <a:buFont typeface="Arial" panose="020B0604020202020204" pitchFamily="34" charset="0"/>
+              <a:buChar char="•"/>
+            </a:pPr>
+            <a:r>
+              <a:rPr lang="en-NZ" sz="2500" dirty="0"/>
+              <a:t>A group of classes are related in that they have a common core of shared functionality and/or </a:t>
+            </a:r>
+            <a:r>
+              <a:rPr lang="en-NZ" sz="2500" dirty="0" smtClean="0"/>
+              <a:t>data</a:t>
+            </a:r>
+            <a:endParaRPr lang="en-NZ" sz="2500" dirty="0"/>
+          </a:p>
+          <a:p>
+            <a:pPr marL="1657350" lvl="2" indent="-742950">
+              <a:buFont typeface="Arial" panose="020B0604020202020204" pitchFamily="34" charset="0"/>
+              <a:buChar char="•"/>
+            </a:pPr>
+            <a:r>
+              <a:rPr lang="en-NZ" sz="2500" dirty="0"/>
+              <a:t>Child classes extend parent (base classes) by </a:t>
+            </a:r>
+            <a:r>
+              <a:rPr lang="en-NZ" sz="2500" dirty="0" smtClean="0"/>
+              <a:t>descent</a:t>
+            </a:r>
+            <a:endParaRPr lang="en-NZ" sz="2500" dirty="0"/>
+          </a:p>
+          <a:p>
+            <a:pPr marL="1657350" lvl="2" indent="-742950">
+              <a:buFont typeface="Arial" panose="020B0604020202020204" pitchFamily="34" charset="0"/>
+              <a:buChar char="•"/>
+            </a:pPr>
+            <a:r>
+              <a:rPr lang="en-NZ" sz="2500" dirty="0"/>
+              <a:t>Child classes contain all public or protected data and </a:t>
+            </a:r>
+            <a:r>
+              <a:rPr lang="en-NZ" sz="2500" dirty="0" smtClean="0"/>
+              <a:t>	methods </a:t>
+            </a:r>
+            <a:r>
+              <a:rPr lang="en-NZ" sz="2500" dirty="0"/>
+              <a:t>of their </a:t>
+            </a:r>
+            <a:r>
+              <a:rPr lang="en-NZ" sz="2500" dirty="0" smtClean="0"/>
+              <a:t>ancestors</a:t>
+            </a:r>
+            <a:endParaRPr lang="en-NZ" sz="2500" dirty="0"/>
+          </a:p>
+          <a:p>
+            <a:pPr marL="1657350" lvl="2" indent="-742950">
+              <a:buFont typeface="Arial" panose="020B0604020202020204" pitchFamily="34" charset="0"/>
+              <a:buChar char="•"/>
+            </a:pPr>
+            <a:r>
+              <a:rPr lang="en-NZ" sz="2500" dirty="0"/>
+              <a:t>Inheritance promotes code reuse and reduces code duplication.</a:t>
+            </a:r>
+          </a:p>
+          <a:p>
+            <a:pPr marL="1657350" lvl="2" indent="-742950">
+              <a:buFont typeface="Arial" panose="020B0604020202020204" pitchFamily="34" charset="0"/>
+              <a:buChar char="•"/>
+            </a:pPr>
+            <a:r>
+              <a:rPr lang="en-NZ" sz="2500" dirty="0"/>
+              <a:t>Child classes contain additional data, additional functionality or polymorphic </a:t>
+            </a:r>
+            <a:r>
+              <a:rPr lang="en-NZ" sz="2500" dirty="0" smtClean="0"/>
+              <a:t>implementations</a:t>
+            </a:r>
+            <a:endParaRPr lang="en-NZ" sz="2500" dirty="0"/>
+          </a:p>
+          <a:p>
+            <a:pPr marL="1657350" lvl="2" indent="-742950">
+              <a:buFont typeface="Arial" panose="020B0604020202020204" pitchFamily="34" charset="0"/>
+              <a:buChar char="•"/>
+            </a:pPr>
+            <a:r>
+              <a:rPr lang="en-NZ" sz="2500" dirty="0"/>
+              <a:t>The parent-child relationship must be an “is-a” relationship, not a “has-a” </a:t>
+            </a:r>
+            <a:r>
+              <a:rPr lang="en-NZ" sz="2500" dirty="0" smtClean="0"/>
+              <a:t>relationship</a:t>
+            </a:r>
+            <a:endParaRPr lang="en-US" sz="2500" dirty="0" smtClean="0"/>
+          </a:p>
+          <a:p>
+            <a:pPr marL="1657350" lvl="2" indent="-742950">
+              <a:buFont typeface="Arial" panose="020B0604020202020204" pitchFamily="34" charset="0"/>
+              <a:buChar char="•"/>
+            </a:pPr>
+            <a:endParaRPr lang="en-US" sz="2500" dirty="0" smtClean="0"/>
+          </a:p>
+          <a:p>
+            <a:pPr marL="1657350" lvl="2" indent="-742950">
+              <a:buFont typeface="Arial" panose="020B0604020202020204" pitchFamily="34" charset="0"/>
+              <a:buChar char="•"/>
+            </a:pPr>
+            <a:endParaRPr lang="en-US" sz="2500" dirty="0" smtClean="0"/>
+          </a:p>
+        </p:txBody>
+      </p:sp>
+    </p:spTree>
+    <p:extLst>
+      <p:ext uri="{BB962C8B-B14F-4D97-AF65-F5344CB8AC3E}">
+        <p14:creationId xmlns:p14="http://schemas.microsoft.com/office/powerpoint/2010/main" val="1278459137"/>
+      </p:ext>
+    </p:extLst>
+  </p:cSld>
+  <p:clrMapOvr>
+    <a:masterClrMapping/>
+  </p:clrMapOvr>
+  <p:timing>
+    <p:tnLst>
+      <p:par>
+        <p:cTn id="1" dur="indefinite" restart="never" nodeType="tmRoot"/>
+      </p:par>
+    </p:tnLst>
+  </p:timing>
+</p:sld>
+</file>
+
+<file path=ppt/slides/slide3.xml><?xml version="1.0" encoding="utf-8"?>
+<p:sld xmlns:a="http://schemas.openxmlformats.org/drawingml/2006/main" xmlns:r="http://schemas.openxmlformats.org/officeDocument/2006/relationships" xmlns:p="http://schemas.openxmlformats.org/presentationml/2006/main">
+  <p:cSld>
+    <p:bg>
+      <p:bgPr>
+        <a:solidFill>
+          <a:schemeClr val="accent5">
+            <a:lumMod val="60000"/>
+            <a:lumOff val="40000"/>
+          </a:schemeClr>
+        </a:solidFill>
+        <a:effectLst/>
+      </p:bgPr>
+    </p:bg>
+    <p:spTree>
+      <p:nvGrpSpPr>
+        <p:cNvPr id="1" name=""/>
+        <p:cNvGrpSpPr/>
+        <p:nvPr/>
+      </p:nvGrpSpPr>
+      <p:grpSpPr>
+        <a:xfrm>
+          <a:off x="0" y="0"/>
+          <a:ext cx="0" cy="0"/>
+          <a:chOff x="0" y="0"/>
+          <a:chExt cx="0" cy="0"/>
+        </a:xfrm>
+      </p:grpSpPr>
+      <p:sp>
+        <p:nvSpPr>
+          <p:cNvPr id="3" name="Rectangle 2"/>
+          <p:cNvSpPr/>
+          <p:nvPr/>
+        </p:nvSpPr>
+        <p:spPr>
+          <a:xfrm>
+            <a:off x="0" y="0"/>
+            <a:ext cx="9144000" cy="2785378"/>
+          </a:xfrm>
+          <a:prstGeom prst="rect">
+            <a:avLst/>
+          </a:prstGeom>
+        </p:spPr>
+        <p:txBody>
+          <a:bodyPr wrap="square">
+            <a:spAutoFit/>
+          </a:bodyPr>
+          <a:lstStyle/>
+          <a:p>
+            <a:pPr algn="ctr"/>
+            <a:endParaRPr lang="en-US" sz="4000" b="1" dirty="0"/>
+          </a:p>
+          <a:p>
+            <a:pPr lvl="1"/>
+            <a:r>
+              <a:rPr lang="en-NZ" sz="3500" b="1" dirty="0" smtClean="0"/>
+              <a:t>Inheritance in OO - review</a:t>
+            </a:r>
+            <a:endParaRPr lang="en-US" sz="3500" b="1" dirty="0" smtClean="0"/>
+          </a:p>
+          <a:p>
+            <a:pPr marL="1657350" lvl="2" indent="-742950">
+              <a:buFont typeface="Arial" panose="020B0604020202020204" pitchFamily="34" charset="0"/>
+              <a:buChar char="•"/>
+            </a:pPr>
+            <a:endParaRPr lang="en-US" sz="2500" dirty="0" smtClean="0"/>
+          </a:p>
+          <a:p>
+            <a:pPr marL="1657350" lvl="2" indent="-742950">
+              <a:buFont typeface="Arial" panose="020B0604020202020204" pitchFamily="34" charset="0"/>
+              <a:buChar char="•"/>
+            </a:pPr>
+            <a:r>
+              <a:rPr lang="en-NZ" sz="2500" dirty="0" smtClean="0"/>
+              <a:t>Inheritance for extension</a:t>
+            </a:r>
+            <a:endParaRPr lang="en-US" sz="2500" dirty="0" smtClean="0"/>
+          </a:p>
+          <a:p>
+            <a:pPr marL="1657350" lvl="2" indent="-742950">
+              <a:buFont typeface="Arial" panose="020B0604020202020204" pitchFamily="34" charset="0"/>
+              <a:buChar char="•"/>
+            </a:pPr>
+            <a:endParaRPr lang="en-US" sz="2500" dirty="0" smtClean="0"/>
+          </a:p>
+          <a:p>
+            <a:pPr marL="1657350" lvl="2" indent="-742950">
+              <a:buFont typeface="Arial" panose="020B0604020202020204" pitchFamily="34" charset="0"/>
+              <a:buChar char="•"/>
+            </a:pPr>
+            <a:endParaRPr lang="en-US" sz="2500" dirty="0" smtClean="0"/>
+          </a:p>
+        </p:txBody>
+      </p:sp>
+      <p:grpSp>
+        <p:nvGrpSpPr>
+          <p:cNvPr id="2" name="Group 1"/>
+          <p:cNvGrpSpPr/>
+          <p:nvPr/>
+        </p:nvGrpSpPr>
+        <p:grpSpPr>
+          <a:xfrm>
+            <a:off x="2879812" y="2438400"/>
+            <a:ext cx="3384376" cy="3312368"/>
+            <a:chOff x="2895600" y="2438400"/>
+            <a:chExt cx="3384376" cy="3312368"/>
+          </a:xfrm>
+        </p:grpSpPr>
+        <p:sp>
+          <p:nvSpPr>
+            <p:cNvPr id="4" name="Rectangle 3"/>
+            <p:cNvSpPr/>
+            <p:nvPr/>
+          </p:nvSpPr>
+          <p:spPr>
+            <a:xfrm>
+              <a:off x="2895600" y="2438400"/>
+              <a:ext cx="3384376" cy="1296144"/>
+            </a:xfrm>
+            <a:prstGeom prst="rect">
+              <a:avLst/>
+            </a:prstGeom>
+          </p:spPr>
+          <p:style>
+            <a:lnRef idx="2">
+              <a:schemeClr val="accent1">
+                <a:shade val="50000"/>
+              </a:schemeClr>
+            </a:lnRef>
+            <a:fillRef idx="1">
+              <a:schemeClr val="accent1"/>
+            </a:fillRef>
+            <a:effectRef idx="0">
+              <a:schemeClr val="accent1"/>
+            </a:effectRef>
+            <a:fontRef idx="minor">
+              <a:schemeClr val="lt1"/>
+            </a:fontRef>
+          </p:style>
+          <p:txBody>
+            <a:bodyPr rtlCol="0" anchor="ctr"/>
+            <a:lstStyle/>
+            <a:p>
+              <a:pPr algn="ctr"/>
+              <a:r>
+                <a:rPr lang="en-NZ" dirty="0" smtClean="0"/>
+                <a:t>Base Class: Common Core</a:t>
+              </a:r>
+              <a:endParaRPr lang="en-NZ" dirty="0"/>
+            </a:p>
+          </p:txBody>
+        </p:sp>
+        <p:sp>
+          <p:nvSpPr>
+            <p:cNvPr id="5" name="Rectangle 4"/>
+            <p:cNvSpPr/>
+            <p:nvPr/>
+          </p:nvSpPr>
+          <p:spPr>
+            <a:xfrm>
+              <a:off x="2895600" y="4454624"/>
+              <a:ext cx="3384376" cy="1296144"/>
+            </a:xfrm>
+            <a:prstGeom prst="rect">
+              <a:avLst/>
+            </a:prstGeom>
+          </p:spPr>
+          <p:style>
+            <a:lnRef idx="2">
+              <a:schemeClr val="accent1">
+                <a:shade val="50000"/>
+              </a:schemeClr>
+            </a:lnRef>
+            <a:fillRef idx="1">
+              <a:schemeClr val="accent1"/>
+            </a:fillRef>
+            <a:effectRef idx="0">
+              <a:schemeClr val="accent1"/>
+            </a:effectRef>
+            <a:fontRef idx="minor">
+              <a:schemeClr val="lt1"/>
+            </a:fontRef>
+          </p:style>
+          <p:txBody>
+            <a:bodyPr rtlCol="0" anchor="ctr"/>
+            <a:lstStyle/>
+            <a:p>
+              <a:pPr algn="ctr"/>
+              <a:r>
+                <a:rPr lang="en-NZ" dirty="0" smtClean="0"/>
+                <a:t>Child Class: + Specialised</a:t>
+              </a:r>
+              <a:endParaRPr lang="en-NZ" dirty="0"/>
+            </a:p>
+          </p:txBody>
+        </p:sp>
+        <p:cxnSp>
+          <p:nvCxnSpPr>
+            <p:cNvPr id="6" name="Straight Arrow Connector 5"/>
+            <p:cNvCxnSpPr>
+              <a:stCxn id="4" idx="2"/>
+              <a:endCxn id="5" idx="0"/>
+            </p:cNvCxnSpPr>
+            <p:nvPr/>
+          </p:nvCxnSpPr>
+          <p:spPr>
+            <a:xfrm>
+              <a:off x="4587788" y="3734544"/>
+              <a:ext cx="0" cy="720080"/>
+            </a:xfrm>
+            <a:prstGeom prst="straightConnector1">
+              <a:avLst/>
+            </a:prstGeom>
+            <a:ln>
+              <a:tailEnd type="arrow"/>
+            </a:ln>
+          </p:spPr>
+          <p:style>
+            <a:lnRef idx="1">
+              <a:schemeClr val="accent1"/>
+            </a:lnRef>
+            <a:fillRef idx="0">
+              <a:schemeClr val="accent1"/>
+            </a:fillRef>
+            <a:effectRef idx="0">
+              <a:schemeClr val="accent1"/>
+            </a:effectRef>
+            <a:fontRef idx="minor">
+              <a:schemeClr val="tx1"/>
+            </a:fontRef>
+          </p:style>
+        </p:cxnSp>
+      </p:grpSp>
+    </p:spTree>
+    <p:extLst>
+      <p:ext uri="{BB962C8B-B14F-4D97-AF65-F5344CB8AC3E}">
+        <p14:creationId xmlns:p14="http://schemas.microsoft.com/office/powerpoint/2010/main" val="1917711665"/>
+      </p:ext>
+    </p:extLst>
+  </p:cSld>
+  <p:clrMapOvr>
+    <a:masterClrMapping/>
+  </p:clrMapOvr>
+  <p:timing>
+    <p:tnLst>
+      <p:par>
+        <p:cTn id="1" dur="indefinite" restart="never" nodeType="tmRoot"/>
+      </p:par>
+    </p:tnLst>
+  </p:timing>
+</p:sld>
+</file>
+
+<file path=ppt/slides/slide4.xml><?xml version="1.0" encoding="utf-8"?>
+<p:sld xmlns:a="http://schemas.openxmlformats.org/drawingml/2006/main" xmlns:r="http://schemas.openxmlformats.org/officeDocument/2006/relationships" xmlns:p="http://schemas.openxmlformats.org/presentationml/2006/main">
+  <p:cSld>
+    <p:bg>
+      <p:bgPr>
+        <a:solidFill>
+          <a:schemeClr val="accent5">
+            <a:lumMod val="60000"/>
+            <a:lumOff val="40000"/>
+          </a:schemeClr>
+        </a:solidFill>
+        <a:effectLst/>
+      </p:bgPr>
+    </p:bg>
+    <p:spTree>
+      <p:nvGrpSpPr>
+        <p:cNvPr id="1" name=""/>
+        <p:cNvGrpSpPr/>
+        <p:nvPr/>
+      </p:nvGrpSpPr>
+      <p:grpSpPr>
+        <a:xfrm>
+          <a:off x="0" y="0"/>
+          <a:ext cx="0" cy="0"/>
+          <a:chOff x="0" y="0"/>
+          <a:chExt cx="0" cy="0"/>
+        </a:xfrm>
+      </p:grpSpPr>
+      <p:sp>
+        <p:nvSpPr>
+          <p:cNvPr id="3" name="Rectangle 2"/>
+          <p:cNvSpPr/>
+          <p:nvPr/>
+        </p:nvSpPr>
+        <p:spPr>
+          <a:xfrm>
+            <a:off x="0" y="0"/>
+            <a:ext cx="9144000" cy="2785378"/>
+          </a:xfrm>
+          <a:prstGeom prst="rect">
+            <a:avLst/>
+          </a:prstGeom>
+        </p:spPr>
+        <p:txBody>
+          <a:bodyPr wrap="square">
+            <a:spAutoFit/>
+          </a:bodyPr>
+          <a:lstStyle/>
+          <a:p>
+            <a:pPr algn="ctr"/>
+            <a:endParaRPr lang="en-US" sz="4000" b="1" dirty="0"/>
+          </a:p>
+          <a:p>
+            <a:pPr lvl="1"/>
+            <a:r>
+              <a:rPr lang="en-NZ" sz="3500" b="1" dirty="0" smtClean="0"/>
+              <a:t>Inheritance in OO - review</a:t>
+            </a:r>
+            <a:endParaRPr lang="en-US" sz="3500" b="1" dirty="0" smtClean="0"/>
+          </a:p>
+          <a:p>
+            <a:pPr marL="1657350" lvl="2" indent="-742950">
+              <a:buFont typeface="Arial" panose="020B0604020202020204" pitchFamily="34" charset="0"/>
+              <a:buChar char="•"/>
+            </a:pPr>
+            <a:endParaRPr lang="en-US" sz="2500" dirty="0" smtClean="0"/>
+          </a:p>
+          <a:p>
+            <a:pPr marL="1657350" lvl="2" indent="-742950">
+              <a:buFont typeface="Arial" panose="020B0604020202020204" pitchFamily="34" charset="0"/>
+              <a:buChar char="•"/>
+            </a:pPr>
+            <a:r>
+              <a:rPr lang="en-NZ" sz="2500" dirty="0" smtClean="0"/>
+              <a:t>Inheritance for polymorphism</a:t>
+            </a:r>
+            <a:endParaRPr lang="en-US" sz="2500" dirty="0" smtClean="0"/>
+          </a:p>
+          <a:p>
+            <a:pPr marL="1657350" lvl="2" indent="-742950">
+              <a:buFont typeface="Arial" panose="020B0604020202020204" pitchFamily="34" charset="0"/>
+              <a:buChar char="•"/>
+            </a:pPr>
+            <a:endParaRPr lang="en-US" sz="2500" dirty="0" smtClean="0"/>
+          </a:p>
+          <a:p>
+            <a:pPr marL="1657350" lvl="2" indent="-742950">
+              <a:buFont typeface="Arial" panose="020B0604020202020204" pitchFamily="34" charset="0"/>
+              <a:buChar char="•"/>
+            </a:pPr>
+            <a:endParaRPr lang="en-US" sz="2500" dirty="0" smtClean="0"/>
+          </a:p>
+        </p:txBody>
+      </p:sp>
+      <p:grpSp>
+        <p:nvGrpSpPr>
+          <p:cNvPr id="2" name="Group 1"/>
+          <p:cNvGrpSpPr/>
+          <p:nvPr/>
+        </p:nvGrpSpPr>
+        <p:grpSpPr>
+          <a:xfrm>
+            <a:off x="773578" y="2438400"/>
+            <a:ext cx="7596844" cy="3528392"/>
+            <a:chOff x="683568" y="2852936"/>
+            <a:chExt cx="7596844" cy="3528392"/>
+          </a:xfrm>
+        </p:grpSpPr>
+        <p:sp>
+          <p:nvSpPr>
+            <p:cNvPr id="7" name="Rectangle 6"/>
+            <p:cNvSpPr/>
+            <p:nvPr/>
+          </p:nvSpPr>
+          <p:spPr>
+            <a:xfrm>
+              <a:off x="2843808" y="2852936"/>
+              <a:ext cx="3384376" cy="1296144"/>
+            </a:xfrm>
+            <a:prstGeom prst="rect">
+              <a:avLst/>
+            </a:prstGeom>
+          </p:spPr>
+          <p:style>
+            <a:lnRef idx="2">
+              <a:schemeClr val="accent1">
+                <a:shade val="50000"/>
+              </a:schemeClr>
+            </a:lnRef>
+            <a:fillRef idx="1">
+              <a:schemeClr val="accent1"/>
+            </a:fillRef>
+            <a:effectRef idx="0">
+              <a:schemeClr val="accent1"/>
+            </a:effectRef>
+            <a:fontRef idx="minor">
+              <a:schemeClr val="lt1"/>
+            </a:fontRef>
+          </p:style>
+          <p:txBody>
+            <a:bodyPr rtlCol="0" anchor="ctr"/>
+            <a:lstStyle/>
+            <a:p>
+              <a:pPr algn="ctr"/>
+              <a:r>
+                <a:rPr lang="en-NZ" dirty="0" smtClean="0"/>
+                <a:t>Base Class – Common Core</a:t>
+              </a:r>
+            </a:p>
+            <a:p>
+              <a:pPr algn="ctr"/>
+              <a:r>
+                <a:rPr lang="en-NZ" dirty="0" smtClean="0"/>
+                <a:t>Including </a:t>
+              </a:r>
+              <a:r>
+                <a:rPr lang="en-NZ" dirty="0" err="1" smtClean="0"/>
+                <a:t>ImportantJob</a:t>
+              </a:r>
+              <a:r>
+                <a:rPr lang="en-NZ" dirty="0" smtClean="0"/>
+                <a:t>()</a:t>
+              </a:r>
+              <a:endParaRPr lang="en-NZ" dirty="0"/>
+            </a:p>
+          </p:txBody>
+        </p:sp>
+        <p:sp>
+          <p:nvSpPr>
+            <p:cNvPr id="8" name="Rectangle 7"/>
+            <p:cNvSpPr/>
+            <p:nvPr/>
+          </p:nvSpPr>
+          <p:spPr>
+            <a:xfrm>
+              <a:off x="683568" y="5085184"/>
+              <a:ext cx="3384376" cy="1296144"/>
+            </a:xfrm>
+            <a:prstGeom prst="rect">
+              <a:avLst/>
+            </a:prstGeom>
+          </p:spPr>
+          <p:style>
+            <a:lnRef idx="2">
+              <a:schemeClr val="accent1">
+                <a:shade val="50000"/>
+              </a:schemeClr>
+            </a:lnRef>
+            <a:fillRef idx="1">
+              <a:schemeClr val="accent1"/>
+            </a:fillRef>
+            <a:effectRef idx="0">
+              <a:schemeClr val="accent1"/>
+            </a:effectRef>
+            <a:fontRef idx="minor">
+              <a:schemeClr val="lt1"/>
+            </a:fontRef>
+          </p:style>
+          <p:txBody>
+            <a:bodyPr rtlCol="0" anchor="ctr"/>
+            <a:lstStyle/>
+            <a:p>
+              <a:pPr algn="ctr"/>
+              <a:r>
+                <a:rPr lang="en-NZ" dirty="0" smtClean="0"/>
+                <a:t>Child Class1</a:t>
+              </a:r>
+            </a:p>
+            <a:p>
+              <a:pPr algn="ctr"/>
+              <a:r>
+                <a:rPr lang="en-NZ" dirty="0" smtClean="0"/>
+                <a:t>Implements </a:t>
+              </a:r>
+              <a:r>
+                <a:rPr lang="en-NZ" dirty="0" err="1" smtClean="0"/>
+                <a:t>ImportantJob</a:t>
+              </a:r>
+              <a:r>
+                <a:rPr lang="en-NZ" dirty="0" smtClean="0"/>
+                <a:t>() </a:t>
+              </a:r>
+              <a:r>
+                <a:rPr lang="en-NZ" dirty="0" smtClean="0"/>
+                <a:t>with algorithm 1</a:t>
+              </a:r>
+              <a:endParaRPr lang="en-NZ" dirty="0"/>
+            </a:p>
+          </p:txBody>
+        </p:sp>
+        <p:cxnSp>
+          <p:nvCxnSpPr>
+            <p:cNvPr id="9" name="Straight Arrow Connector 8"/>
+            <p:cNvCxnSpPr>
+              <a:stCxn id="7" idx="2"/>
+              <a:endCxn id="8" idx="0"/>
+            </p:cNvCxnSpPr>
+            <p:nvPr/>
+          </p:nvCxnSpPr>
+          <p:spPr>
+            <a:xfrm flipH="1">
+              <a:off x="2375756" y="4149080"/>
+              <a:ext cx="2160240" cy="936104"/>
+            </a:xfrm>
+            <a:prstGeom prst="straightConnector1">
+              <a:avLst/>
+            </a:prstGeom>
+            <a:ln w="57150">
+              <a:solidFill>
+                <a:schemeClr val="tx1"/>
+              </a:solidFill>
+              <a:tailEnd type="arrow"/>
+            </a:ln>
+          </p:spPr>
+          <p:style>
+            <a:lnRef idx="1">
+              <a:schemeClr val="accent1"/>
+            </a:lnRef>
+            <a:fillRef idx="0">
+              <a:schemeClr val="accent1"/>
+            </a:fillRef>
+            <a:effectRef idx="0">
+              <a:schemeClr val="accent1"/>
+            </a:effectRef>
+            <a:fontRef idx="minor">
+              <a:schemeClr val="tx1"/>
+            </a:fontRef>
+          </p:style>
+        </p:cxnSp>
+        <p:sp>
+          <p:nvSpPr>
+            <p:cNvPr id="10" name="Rectangle 9"/>
+            <p:cNvSpPr/>
+            <p:nvPr/>
+          </p:nvSpPr>
+          <p:spPr>
+            <a:xfrm>
+              <a:off x="4896036" y="5085184"/>
+              <a:ext cx="3384376" cy="1296144"/>
+            </a:xfrm>
+            <a:prstGeom prst="rect">
+              <a:avLst/>
+            </a:prstGeom>
+          </p:spPr>
+          <p:style>
+            <a:lnRef idx="2">
+              <a:schemeClr val="accent1">
+                <a:shade val="50000"/>
+              </a:schemeClr>
+            </a:lnRef>
+            <a:fillRef idx="1">
+              <a:schemeClr val="accent1"/>
+            </a:fillRef>
+            <a:effectRef idx="0">
+              <a:schemeClr val="accent1"/>
+            </a:effectRef>
+            <a:fontRef idx="minor">
+              <a:schemeClr val="lt1"/>
+            </a:fontRef>
+          </p:style>
+          <p:txBody>
+            <a:bodyPr rtlCol="0" anchor="ctr"/>
+            <a:lstStyle/>
+            <a:p>
+              <a:pPr algn="ctr"/>
+              <a:r>
+                <a:rPr lang="en-NZ" dirty="0" smtClean="0"/>
+                <a:t>Child Class2</a:t>
+              </a:r>
+            </a:p>
+            <a:p>
+              <a:pPr algn="ctr"/>
+              <a:r>
+                <a:rPr lang="en-NZ" dirty="0" smtClean="0"/>
+                <a:t>Implements </a:t>
+              </a:r>
+              <a:r>
+                <a:rPr lang="en-NZ" dirty="0" err="1" smtClean="0"/>
+                <a:t>ImportantJob</a:t>
+              </a:r>
+              <a:r>
+                <a:rPr lang="en-NZ" dirty="0" smtClean="0"/>
+                <a:t>() </a:t>
+              </a:r>
+              <a:r>
+                <a:rPr lang="en-NZ" dirty="0" smtClean="0"/>
+                <a:t>with algorithm 2</a:t>
+              </a:r>
+              <a:endParaRPr lang="en-NZ" dirty="0"/>
+            </a:p>
+          </p:txBody>
+        </p:sp>
+        <p:cxnSp>
+          <p:nvCxnSpPr>
+            <p:cNvPr id="11" name="Straight Arrow Connector 10"/>
+            <p:cNvCxnSpPr>
+              <a:stCxn id="7" idx="2"/>
+              <a:endCxn id="10" idx="0"/>
+            </p:cNvCxnSpPr>
+            <p:nvPr/>
+          </p:nvCxnSpPr>
+          <p:spPr>
+            <a:xfrm>
+              <a:off x="4535996" y="4149080"/>
+              <a:ext cx="2052228" cy="936104"/>
+            </a:xfrm>
+            <a:prstGeom prst="straightConnector1">
+              <a:avLst/>
+            </a:prstGeom>
+            <a:ln w="57150">
+              <a:solidFill>
+                <a:schemeClr val="tx1"/>
+              </a:solidFill>
+              <a:tailEnd type="arrow"/>
+            </a:ln>
+          </p:spPr>
+          <p:style>
+            <a:lnRef idx="1">
+              <a:schemeClr val="accent1"/>
+            </a:lnRef>
+            <a:fillRef idx="0">
+              <a:schemeClr val="accent1"/>
+            </a:fillRef>
+            <a:effectRef idx="0">
+              <a:schemeClr val="accent1"/>
+            </a:effectRef>
+            <a:fontRef idx="minor">
+              <a:schemeClr val="tx1"/>
+            </a:fontRef>
+          </p:style>
+        </p:cxnSp>
+      </p:grpSp>
+    </p:spTree>
+    <p:extLst>
+      <p:ext uri="{BB962C8B-B14F-4D97-AF65-F5344CB8AC3E}">
+        <p14:creationId xmlns:p14="http://schemas.microsoft.com/office/powerpoint/2010/main" val="4094659714"/>
+      </p:ext>
+    </p:extLst>
+  </p:cSld>
+  <p:clrMapOvr>
+    <a:masterClrMapping/>
+  </p:clrMapOvr>
+  <p:timing>
+    <p:tnLst>
+      <p:par>
+        <p:cTn id="1" dur="indefinite" restart="never" nodeType="tmRoot"/>
+      </p:par>
+    </p:tnLst>
+  </p:timing>
+</p:sld>
+</file>
+
+<file path=ppt/slides/slide5.xml><?xml version="1.0" encoding="utf-8"?>
+<p:sld xmlns:a="http://schemas.openxmlformats.org/drawingml/2006/main" xmlns:r="http://schemas.openxmlformats.org/officeDocument/2006/relationships" xmlns:p="http://schemas.openxmlformats.org/presentationml/2006/main">
+  <p:cSld>
+    <p:bg>
+      <p:bgPr>
+        <a:solidFill>
+          <a:schemeClr val="accent5">
+            <a:lumMod val="60000"/>
+            <a:lumOff val="40000"/>
+          </a:schemeClr>
+        </a:solidFill>
+        <a:effectLst/>
+      </p:bgPr>
+    </p:bg>
+    <p:spTree>
+      <p:nvGrpSpPr>
+        <p:cNvPr id="1" name=""/>
+        <p:cNvGrpSpPr/>
+        <p:nvPr/>
+      </p:nvGrpSpPr>
+      <p:grpSpPr>
+        <a:xfrm>
+          <a:off x="0" y="0"/>
+          <a:ext cx="0" cy="0"/>
+          <a:chOff x="0" y="0"/>
+          <a:chExt cx="0" cy="0"/>
+        </a:xfrm>
+      </p:grpSpPr>
+      <p:sp>
+        <p:nvSpPr>
+          <p:cNvPr id="3" name="Rectangle 2"/>
+          <p:cNvSpPr/>
+          <p:nvPr/>
+        </p:nvSpPr>
+        <p:spPr>
+          <a:xfrm>
+            <a:off x="0" y="0"/>
+            <a:ext cx="9144000" cy="3554819"/>
+          </a:xfrm>
+          <a:prstGeom prst="rect">
+            <a:avLst/>
+          </a:prstGeom>
+        </p:spPr>
+        <p:txBody>
+          <a:bodyPr wrap="square">
+            <a:spAutoFit/>
+          </a:bodyPr>
+          <a:lstStyle/>
+          <a:p>
+            <a:pPr algn="ctr"/>
+            <a:endParaRPr lang="en-US" sz="4000" b="1" dirty="0"/>
+          </a:p>
+          <a:p>
+            <a:pPr lvl="1"/>
+            <a:r>
+              <a:rPr lang="en-NZ" sz="3500" b="1" dirty="0" smtClean="0"/>
+              <a:t>Dangers of inheritance</a:t>
+            </a:r>
+            <a:endParaRPr lang="en-US" sz="3500" b="1" dirty="0" smtClean="0"/>
+          </a:p>
+          <a:p>
+            <a:pPr marL="1657350" lvl="2" indent="-742950">
+              <a:buFont typeface="Arial" panose="020B0604020202020204" pitchFamily="34" charset="0"/>
+              <a:buChar char="•"/>
+            </a:pPr>
+            <a:endParaRPr lang="en-US" sz="2500" dirty="0" smtClean="0"/>
+          </a:p>
+          <a:p>
+            <a:pPr marL="1657350" lvl="2" indent="-742950">
+              <a:buFont typeface="Arial" panose="020B0604020202020204" pitchFamily="34" charset="0"/>
+              <a:buChar char="•"/>
+            </a:pPr>
+            <a:r>
+              <a:rPr lang="en-NZ" sz="2500" dirty="0"/>
+              <a:t>Cumbersome hierarchies – confusing to use</a:t>
+            </a:r>
+          </a:p>
+          <a:p>
+            <a:pPr marL="1657350" lvl="2" indent="-742950">
+              <a:buFont typeface="Arial" panose="020B0604020202020204" pitchFamily="34" charset="0"/>
+              <a:buChar char="•"/>
+            </a:pPr>
+            <a:r>
+              <a:rPr lang="en-NZ" sz="2500" dirty="0"/>
+              <a:t>Single hierarchical structure not a good match for information architecture.</a:t>
+            </a:r>
+          </a:p>
+          <a:p>
+            <a:pPr marL="1657350" lvl="2" indent="-742950">
+              <a:buFont typeface="Arial" panose="020B0604020202020204" pitchFamily="34" charset="0"/>
+              <a:buChar char="•"/>
+            </a:pPr>
+            <a:r>
+              <a:rPr lang="en-NZ" sz="2500" dirty="0"/>
+              <a:t>Hidden functionality in </a:t>
+            </a:r>
+            <a:r>
+              <a:rPr lang="en-NZ" sz="2500" dirty="0" smtClean="0"/>
+              <a:t>ancestors</a:t>
+            </a:r>
+            <a:endParaRPr lang="en-US" sz="2500" dirty="0" smtClean="0"/>
+          </a:p>
+          <a:p>
+            <a:pPr marL="1657350" lvl="2" indent="-742950">
+              <a:buFont typeface="Arial" panose="020B0604020202020204" pitchFamily="34" charset="0"/>
+              <a:buChar char="•"/>
+            </a:pPr>
+            <a:endParaRPr lang="en-US" sz="2500" dirty="0" smtClean="0"/>
+          </a:p>
+        </p:txBody>
+      </p:sp>
+    </p:spTree>
+    <p:extLst>
+      <p:ext uri="{BB962C8B-B14F-4D97-AF65-F5344CB8AC3E}">
+        <p14:creationId xmlns:p14="http://schemas.microsoft.com/office/powerpoint/2010/main" val="1281792996"/>
+      </p:ext>
+    </p:extLst>
+  </p:cSld>
+  <p:clrMapOvr>
+    <a:masterClrMapping/>
+  </p:clrMapOvr>
+  <p:timing>
+    <p:tnLst>
+      <p:par>
+        <p:cTn id="1" dur="indefinite" restart="never" nodeType="tmRoot"/>
+      </p:par>
+    </p:tnLst>
+  </p:timing>
+</p:sld>
+</file>
+
+<file path=ppt/slides/slide6.xml><?xml version="1.0" encoding="utf-8"?>
+<p:sld xmlns:a="http://schemas.openxmlformats.org/drawingml/2006/main" xmlns:r="http://schemas.openxmlformats.org/officeDocument/2006/relationships" xmlns:p="http://schemas.openxmlformats.org/presentationml/2006/main">
+  <p:cSld>
+    <p:bg>
+      <p:bgPr>
+        <a:solidFill>
+          <a:schemeClr val="accent5">
+            <a:lumMod val="60000"/>
+            <a:lumOff val="40000"/>
+          </a:schemeClr>
+        </a:solidFill>
+        <a:effectLst/>
+      </p:bgPr>
+    </p:bg>
+    <p:spTree>
+      <p:nvGrpSpPr>
+        <p:cNvPr id="1" name=""/>
+        <p:cNvGrpSpPr/>
+        <p:nvPr/>
+      </p:nvGrpSpPr>
+      <p:grpSpPr>
+        <a:xfrm>
+          <a:off x="0" y="0"/>
+          <a:ext cx="0" cy="0"/>
+          <a:chOff x="0" y="0"/>
+          <a:chExt cx="0" cy="0"/>
+        </a:xfrm>
+      </p:grpSpPr>
+      <p:sp>
+        <p:nvSpPr>
+          <p:cNvPr id="3" name="Rectangle 2"/>
+          <p:cNvSpPr/>
+          <p:nvPr/>
+        </p:nvSpPr>
+        <p:spPr>
+          <a:xfrm>
+            <a:off x="0" y="0"/>
+            <a:ext cx="9144000" cy="2015936"/>
+          </a:xfrm>
+          <a:prstGeom prst="rect">
+            <a:avLst/>
+          </a:prstGeom>
+        </p:spPr>
+        <p:txBody>
+          <a:bodyPr wrap="square">
+            <a:spAutoFit/>
+          </a:bodyPr>
+          <a:lstStyle/>
+          <a:p>
+            <a:pPr algn="ctr"/>
+            <a:endParaRPr lang="en-US" sz="4000" b="1" dirty="0"/>
+          </a:p>
+          <a:p>
+            <a:pPr lvl="1"/>
+            <a:r>
+              <a:rPr lang="en-NZ" sz="3500" b="1" dirty="0" smtClean="0"/>
+              <a:t>Don’t use inheritance</a:t>
+            </a:r>
+            <a:endParaRPr lang="en-US" sz="3500" b="1" dirty="0" smtClean="0"/>
+          </a:p>
+          <a:p>
+            <a:pPr marL="1657350" lvl="2" indent="-742950">
+              <a:buFont typeface="Arial" panose="020B0604020202020204" pitchFamily="34" charset="0"/>
+              <a:buChar char="•"/>
+            </a:pPr>
+            <a:endParaRPr lang="en-US" sz="2500" dirty="0" smtClean="0"/>
+          </a:p>
+          <a:p>
+            <a:pPr marL="1657350" lvl="2" indent="-742950">
+              <a:buFont typeface="Arial" panose="020B0604020202020204" pitchFamily="34" charset="0"/>
+              <a:buChar char="•"/>
+            </a:pPr>
+            <a:r>
+              <a:rPr lang="en-NZ" sz="2500" dirty="0"/>
+              <a:t>...when it isn’t a true </a:t>
+            </a:r>
+            <a:r>
+              <a:rPr lang="en-NZ" sz="2500" b="1" dirty="0"/>
+              <a:t>“is-a” </a:t>
+            </a:r>
+            <a:r>
+              <a:rPr lang="en-NZ" sz="2500" dirty="0" smtClean="0"/>
+              <a:t>relationship</a:t>
+            </a:r>
+            <a:endParaRPr lang="en-NZ" sz="2500" dirty="0"/>
+          </a:p>
+        </p:txBody>
+      </p:sp>
+    </p:spTree>
+    <p:extLst>
+      <p:ext uri="{BB962C8B-B14F-4D97-AF65-F5344CB8AC3E}">
+        <p14:creationId xmlns:p14="http://schemas.microsoft.com/office/powerpoint/2010/main" val="1216123497"/>
+      </p:ext>
+    </p:extLst>
+  </p:cSld>
+  <p:clrMapOvr>
+    <a:masterClrMapping/>
+  </p:clrMapOvr>
+  <p:timing>
+    <p:tnLst>
+      <p:par>
+        <p:cTn id="1" dur="indefinite" restart="never" nodeType="tmRoot"/>
+      </p:par>
+    </p:tnLst>
+  </p:timing>
+</p:sld>
+</file>
+
+<file path=ppt/slides/slide7.xml><?xml version="1.0" encoding="utf-8"?>
+<p:sld xmlns:a="http://schemas.openxmlformats.org/drawingml/2006/main" xmlns:r="http://schemas.openxmlformats.org/officeDocument/2006/relationships" xmlns:p="http://schemas.openxmlformats.org/presentationml/2006/main">
+  <p:cSld>
+    <p:bg>
+      <p:bgPr>
+        <a:solidFill>
+          <a:schemeClr val="accent5">
+            <a:lumMod val="60000"/>
+            <a:lumOff val="40000"/>
+          </a:schemeClr>
+        </a:solidFill>
+        <a:effectLst/>
+      </p:bgPr>
+    </p:bg>
+    <p:spTree>
+      <p:nvGrpSpPr>
+        <p:cNvPr id="1" name=""/>
+        <p:cNvGrpSpPr/>
+        <p:nvPr/>
+      </p:nvGrpSpPr>
+      <p:grpSpPr>
+        <a:xfrm>
+          <a:off x="0" y="0"/>
+          <a:ext cx="0" cy="0"/>
+          <a:chOff x="0" y="0"/>
+          <a:chExt cx="0" cy="0"/>
+        </a:xfrm>
+      </p:grpSpPr>
+      <p:sp>
+        <p:nvSpPr>
+          <p:cNvPr id="3" name="Rectangle 2"/>
+          <p:cNvSpPr/>
+          <p:nvPr/>
+        </p:nvSpPr>
+        <p:spPr>
+          <a:xfrm>
+            <a:off x="0" y="0"/>
+            <a:ext cx="9144000" cy="2015936"/>
+          </a:xfrm>
+          <a:prstGeom prst="rect">
+            <a:avLst/>
+          </a:prstGeom>
+        </p:spPr>
+        <p:txBody>
+          <a:bodyPr wrap="square">
+            <a:spAutoFit/>
+          </a:bodyPr>
+          <a:lstStyle/>
+          <a:p>
+            <a:pPr algn="ctr"/>
+            <a:endParaRPr lang="en-US" sz="4000" b="1" dirty="0"/>
+          </a:p>
+          <a:p>
+            <a:pPr lvl="1"/>
+            <a:r>
+              <a:rPr lang="en-NZ" sz="3500" b="1" dirty="0" smtClean="0"/>
+              <a:t>Practical</a:t>
+            </a:r>
+            <a:endParaRPr lang="en-US" sz="3500" b="1" dirty="0" smtClean="0"/>
+          </a:p>
+          <a:p>
+            <a:pPr marL="1657350" lvl="2" indent="-742950">
+              <a:buFont typeface="Arial" panose="020B0604020202020204" pitchFamily="34" charset="0"/>
+              <a:buChar char="•"/>
+            </a:pPr>
+            <a:endParaRPr lang="en-US" sz="2500" dirty="0" smtClean="0"/>
+          </a:p>
+          <a:p>
+            <a:pPr marL="1657350" lvl="2" indent="-742950">
+              <a:buFont typeface="Arial" panose="020B0604020202020204" pitchFamily="34" charset="0"/>
+              <a:buChar char="•"/>
+            </a:pPr>
+            <a:r>
+              <a:rPr lang="en-NZ" sz="2500" dirty="0" smtClean="0"/>
+              <a:t>Approach-avoid</a:t>
+            </a:r>
+            <a:endParaRPr lang="en-NZ" sz="2500" dirty="0"/>
+          </a:p>
+        </p:txBody>
+      </p:sp>
+      <p:pic>
+        <p:nvPicPr>
+          <p:cNvPr id="4" name="Picture 3"/>
+          <p:cNvPicPr>
+            <a:picLocks noChangeAspect="1" noChangeArrowheads="1"/>
+          </p:cNvPicPr>
+          <p:nvPr/>
+        </p:nvPicPr>
+        <p:blipFill rotWithShape="1">
+          <a:blip r:embed="rId3" cstate="print"/>
+          <a:srcRect l="1117" t="5895" r="1048" b="3401"/>
+          <a:stretch/>
+        </p:blipFill>
+        <p:spPr bwMode="auto">
+          <a:xfrm>
+            <a:off x="952500" y="2209800"/>
+            <a:ext cx="7239000" cy="3657600"/>
+          </a:xfrm>
+          <a:prstGeom prst="rect">
+            <a:avLst/>
+          </a:prstGeom>
+          <a:noFill/>
+          <a:ln w="9525">
+            <a:noFill/>
+            <a:miter lim="800000"/>
+            <a:headEnd/>
+            <a:tailEnd/>
+          </a:ln>
+        </p:spPr>
+      </p:pic>
+    </p:spTree>
+    <p:extLst>
+      <p:ext uri="{BB962C8B-B14F-4D97-AF65-F5344CB8AC3E}">
+        <p14:creationId xmlns:p14="http://schemas.microsoft.com/office/powerpoint/2010/main" val="2683406272"/>
+      </p:ext>
+    </p:extLst>
+  </p:cSld>
+  <p:clrMapOvr>
+    <a:masterClrMapping/>
+  </p:clrMapOvr>
+  <p:timing>
+    <p:tnLst>
+      <p:par>
+        <p:cTn id="1" dur="indefinite" restart="never" nodeType="tmRoot"/>
+      </p:par>
+    </p:tnLst>
+  </p:timing>
+</p:sld>
+</file>
+
+<file path=ppt/slides/slide8.xml><?xml version="1.0" encoding="utf-8"?>
+<p:sld xmlns:a="http://schemas.openxmlformats.org/drawingml/2006/main" xmlns:r="http://schemas.openxmlformats.org/officeDocument/2006/relationships" xmlns:p="http://schemas.openxmlformats.org/presentationml/2006/main">
+  <p:cSld>
+    <p:bg>
+      <p:bgPr>
+        <a:solidFill>
+          <a:schemeClr val="accent5">
+            <a:lumMod val="60000"/>
+            <a:lumOff val="40000"/>
+          </a:schemeClr>
+        </a:solidFill>
+        <a:effectLst/>
+      </p:bgPr>
+    </p:bg>
+    <p:spTree>
+      <p:nvGrpSpPr>
+        <p:cNvPr id="1" name=""/>
+        <p:cNvGrpSpPr/>
+        <p:nvPr/>
+      </p:nvGrpSpPr>
+      <p:grpSpPr>
+        <a:xfrm>
+          <a:off x="0" y="0"/>
+          <a:ext cx="0" cy="0"/>
+          <a:chOff x="0" y="0"/>
+          <a:chExt cx="0" cy="0"/>
+        </a:xfrm>
+      </p:grpSpPr>
+      <p:sp>
+        <p:nvSpPr>
+          <p:cNvPr id="3" name="Rectangle 2"/>
+          <p:cNvSpPr/>
+          <p:nvPr/>
+        </p:nvSpPr>
+        <p:spPr>
+          <a:xfrm>
+            <a:off x="0" y="0"/>
+            <a:ext cx="9144000" cy="6478697"/>
+          </a:xfrm>
+          <a:prstGeom prst="rect">
+            <a:avLst/>
+          </a:prstGeom>
+        </p:spPr>
+        <p:txBody>
+          <a:bodyPr wrap="square">
+            <a:spAutoFit/>
+          </a:bodyPr>
+          <a:lstStyle/>
+          <a:p>
+            <a:pPr algn="ctr"/>
+            <a:endParaRPr lang="en-US" sz="4000" b="1" dirty="0"/>
+          </a:p>
+          <a:p>
+            <a:pPr lvl="1"/>
+            <a:r>
+              <a:rPr lang="en-NZ" sz="3500" b="1" dirty="0" smtClean="0"/>
+              <a:t>Practical</a:t>
+            </a:r>
+            <a:endParaRPr lang="en-US" sz="3500" b="1" dirty="0" smtClean="0"/>
+          </a:p>
+          <a:p>
+            <a:pPr marL="1657350" lvl="2" indent="-742950">
+              <a:buFont typeface="Arial" panose="020B0604020202020204" pitchFamily="34" charset="0"/>
+              <a:buChar char="•"/>
+            </a:pPr>
+            <a:endParaRPr lang="en-US" sz="2500" dirty="0" smtClean="0"/>
+          </a:p>
+          <a:p>
+            <a:pPr marL="1657350" lvl="2" indent="-742950">
+              <a:buFont typeface="Arial" panose="020B0604020202020204" pitchFamily="34" charset="0"/>
+              <a:buChar char="•"/>
+            </a:pPr>
+            <a:r>
+              <a:rPr lang="en-NZ" sz="2500" dirty="0"/>
+              <a:t>Use Inheritance </a:t>
+            </a:r>
+            <a:r>
+              <a:rPr lang="en-NZ" sz="2500" b="1" dirty="0" err="1" smtClean="0"/>
+              <a:t>InheritanceApproachAvoid</a:t>
+            </a:r>
+            <a:r>
+              <a:rPr lang="en-NZ" sz="2500" b="1" dirty="0" smtClean="0"/>
+              <a:t> </a:t>
+            </a:r>
+            <a:r>
+              <a:rPr lang="en-NZ" sz="2500" b="1" dirty="0"/>
+              <a:t>Skeleton</a:t>
+            </a:r>
+          </a:p>
+          <a:p>
+            <a:pPr marL="1657350" lvl="2" indent="-742950">
+              <a:buFont typeface="Arial" panose="020B0604020202020204" pitchFamily="34" charset="0"/>
+              <a:buChar char="•"/>
+            </a:pPr>
+            <a:r>
+              <a:rPr lang="en-NZ" sz="2500" dirty="0"/>
+              <a:t>Carefully study the existing classes, </a:t>
+            </a:r>
+            <a:r>
+              <a:rPr lang="en-NZ" sz="2500" b="1" dirty="0"/>
+              <a:t>SimpleSprite</a:t>
+            </a:r>
+            <a:r>
+              <a:rPr lang="en-NZ" sz="2500" dirty="0"/>
+              <a:t>, </a:t>
+            </a:r>
+            <a:r>
+              <a:rPr lang="en-NZ" sz="2500" b="1" dirty="0" err="1"/>
+              <a:t>SpriteList</a:t>
+            </a:r>
+            <a:r>
+              <a:rPr lang="en-NZ" sz="2500" dirty="0"/>
+              <a:t> and </a:t>
+            </a:r>
+            <a:r>
+              <a:rPr lang="en-NZ" sz="2500" b="1" dirty="0"/>
+              <a:t>Form1</a:t>
+            </a:r>
+            <a:r>
+              <a:rPr lang="en-NZ" sz="2500" dirty="0"/>
+              <a:t>. Read the comments in </a:t>
+            </a:r>
+            <a:r>
+              <a:rPr lang="en-NZ" sz="2500" b="1" dirty="0"/>
+              <a:t>Form1.h</a:t>
+            </a:r>
+          </a:p>
+          <a:p>
+            <a:pPr marL="1657350" lvl="2" indent="-742950">
+              <a:buFont typeface="Arial" panose="020B0604020202020204" pitchFamily="34" charset="0"/>
+              <a:buChar char="•"/>
+            </a:pPr>
+            <a:r>
+              <a:rPr lang="en-NZ" sz="2500" dirty="0"/>
+              <a:t>Add two new classes </a:t>
+            </a:r>
+            <a:r>
+              <a:rPr lang="en-NZ" sz="2500" b="1" dirty="0"/>
+              <a:t>Approacher</a:t>
+            </a:r>
+            <a:r>
+              <a:rPr lang="en-NZ" sz="2500" dirty="0"/>
+              <a:t> and </a:t>
+            </a:r>
+            <a:r>
+              <a:rPr lang="en-NZ" sz="2500" b="1" dirty="0"/>
+              <a:t>Avoider</a:t>
+            </a:r>
+            <a:r>
+              <a:rPr lang="en-NZ" sz="2500" dirty="0"/>
+              <a:t>, both </a:t>
+            </a:r>
+            <a:r>
+              <a:rPr lang="en-NZ" sz="2500" dirty="0" smtClean="0"/>
+              <a:t>	descended from </a:t>
+            </a:r>
+            <a:r>
+              <a:rPr lang="en-NZ" sz="2500" b="1" dirty="0" smtClean="0"/>
+              <a:t>SimpleSprite</a:t>
+            </a:r>
+            <a:r>
+              <a:rPr lang="en-NZ" sz="2500" dirty="0" smtClean="0"/>
+              <a:t>, so that your </a:t>
+            </a:r>
+          </a:p>
+          <a:p>
+            <a:pPr lvl="2"/>
+            <a:r>
+              <a:rPr lang="en-NZ" sz="2500" dirty="0"/>
+              <a:t>	</a:t>
+            </a:r>
+            <a:r>
+              <a:rPr lang="en-NZ" sz="2500" dirty="0" smtClean="0"/>
+              <a:t>application runs as in the demo</a:t>
+            </a:r>
+            <a:endParaRPr lang="en-NZ" sz="2500" dirty="0"/>
+          </a:p>
+          <a:p>
+            <a:pPr marL="1657350" lvl="2" indent="-742950">
+              <a:buFont typeface="Arial" panose="020B0604020202020204" pitchFamily="34" charset="0"/>
+              <a:buChar char="•"/>
+            </a:pPr>
+            <a:r>
+              <a:rPr lang="en-NZ" sz="2500" dirty="0"/>
+              <a:t>Before creating your new child classes, decide:</a:t>
+            </a:r>
+          </a:p>
+          <a:p>
+            <a:pPr marL="2114550" lvl="3" indent="-742950">
+              <a:buFont typeface="Arial" panose="020B0604020202020204" pitchFamily="34" charset="0"/>
+              <a:buChar char="•"/>
+            </a:pPr>
+            <a:r>
+              <a:rPr lang="en-NZ" sz="2000" dirty="0"/>
+              <a:t>What data members and methods do they inherit from their parent?</a:t>
+            </a:r>
+          </a:p>
+          <a:p>
+            <a:pPr marL="2114550" lvl="3" indent="-742950">
+              <a:buFont typeface="Arial" panose="020B0604020202020204" pitchFamily="34" charset="0"/>
+              <a:buChar char="•"/>
+            </a:pPr>
+            <a:r>
+              <a:rPr lang="en-NZ" sz="2000" dirty="0"/>
+              <a:t>What additional data members (if any) do they each need?</a:t>
+            </a:r>
+          </a:p>
+          <a:p>
+            <a:pPr marL="2114550" lvl="3" indent="-742950">
+              <a:buFont typeface="Arial" panose="020B0604020202020204" pitchFamily="34" charset="0"/>
+              <a:buChar char="•"/>
+            </a:pPr>
+            <a:r>
+              <a:rPr lang="en-NZ" sz="2000" dirty="0"/>
+              <a:t>What additional methods (if any) do they each need?</a:t>
+            </a:r>
+          </a:p>
+          <a:p>
+            <a:pPr marL="2114550" lvl="3" indent="-742950">
+              <a:buFont typeface="Arial" panose="020B0604020202020204" pitchFamily="34" charset="0"/>
+              <a:buChar char="•"/>
+            </a:pPr>
+            <a:r>
+              <a:rPr lang="en-NZ" sz="2000" dirty="0"/>
+              <a:t>What inherited methods (if any) do they each need to override?</a:t>
+            </a:r>
+          </a:p>
+          <a:p>
+            <a:pPr marL="2114550" lvl="3" indent="-742950">
+              <a:buFont typeface="Arial" panose="020B0604020202020204" pitchFamily="34" charset="0"/>
+              <a:buChar char="•"/>
+            </a:pPr>
+            <a:r>
+              <a:rPr lang="en-NZ" sz="2000" dirty="0"/>
+              <a:t>If you are going to add methods or override inherited methods, what is the logic for each one?</a:t>
+            </a:r>
+          </a:p>
+        </p:txBody>
+      </p:sp>
+    </p:spTree>
+    <p:extLst>
+      <p:ext uri="{BB962C8B-B14F-4D97-AF65-F5344CB8AC3E}">
+        <p14:creationId xmlns:p14="http://schemas.microsoft.com/office/powerpoint/2010/main" val="242115439"/>
+      </p:ext>
+    </p:extLst>
+  </p:cSld>
+  <p:clrMapOvr>
+    <a:masterClrMapping/>
+  </p:clrMapOvr>
+  <p:timing>
+    <p:tnLst>
+      <p:par>
+        <p:cTn id="1" dur="indefinite" restart="never" nodeType="tmRoot"/>
+      </p:par>
+    </p:tnLst>
+  </p:timing>
 </p:sld>
 </file>
 
@@ -3524,4 +5932,265 @@
   <a:objectDefaults/>
   <a:extraClrSchemeLst/>
 </a:theme>
+</file>
+
+<file path=ppt/theme/theme2.xml><?xml version="1.0" encoding="utf-8"?>
+<a:theme xmlns:a="http://schemas.openxmlformats.org/drawingml/2006/main" name="Office Theme">
+  <a:themeElements>
+    <a:clrScheme name="Office">
+      <a:dk1>
+        <a:sysClr val="windowText" lastClr="000000"/>
+      </a:dk1>
+      <a:lt1>
+        <a:sysClr val="window" lastClr="FFFFFF"/>
+      </a:lt1>
+      <a:dk2>
+        <a:srgbClr val="44546A"/>
+      </a:dk2>
+      <a:lt2>
+        <a:srgbClr val="E7E6E6"/>
+      </a:lt2>
+      <a:accent1>
+        <a:srgbClr val="5B9BD5"/>
+      </a:accent1>
+      <a:accent2>
+        <a:srgbClr val="ED7D31"/>
+      </a:accent2>
+      <a:accent3>
+        <a:srgbClr val="A5A5A5"/>
+      </a:accent3>
+      <a:accent4>
+        <a:srgbClr val="FFC000"/>
+      </a:accent4>
+      <a:accent5>
+        <a:srgbClr val="4472C4"/>
+      </a:accent5>
+      <a:accent6>
+        <a:srgbClr val="70AD47"/>
+      </a:accent6>
+      <a:hlink>
+        <a:srgbClr val="0563C1"/>
+      </a:hlink>
+      <a:folHlink>
+        <a:srgbClr val="954F72"/>
+      </a:folHlink>
+    </a:clrScheme>
+    <a:fontScheme name="Office">
+      <a:majorFont>
+        <a:latin typeface="Calibri Light" panose="020F0302020204030204"/>
+        <a:ea typeface=""/>
+        <a:cs typeface=""/>
+        <a:font script="Jpan" typeface="游ゴシック Light"/>
+        <a:font script="Hang" typeface="맑은 고딕"/>
+        <a:font script="Hans" typeface="等线 Light"/>
+        <a:font script="Hant" typeface="新細明體"/>
+        <a:font script="Arab" typeface="Times New Roman"/>
+        <a:font script="Hebr" typeface="Times New Roman"/>
+        <a:font script="Thai" typeface="Angsana New"/>
+        <a:font script="Ethi" typeface="Nyala"/>
+        <a:font script="Beng" typeface="Vrinda"/>
+        <a:font script="Gujr" typeface="Shruti"/>
+        <a:font script="Khmr" typeface="MoolBoran"/>
+        <a:font script="Knda" typeface="Tunga"/>
+        <a:font script="Guru" typeface="Raavi"/>
+        <a:font script="Cans" typeface="Euphemia"/>
+        <a:font script="Cher" typeface="Plantagenet Cherokee"/>
+        <a:font script="Yiii" typeface="Microsoft Yi Baiti"/>
+        <a:font script="Tibt" typeface="Microsoft Himalaya"/>
+        <a:font script="Thaa" typeface="MV Boli"/>
+        <a:font script="Deva" typeface="Mangal"/>
+        <a:font script="Telu" typeface="Gautami"/>
+        <a:font script="Taml" typeface="Latha"/>
+        <a:font script="Syrc" typeface="Estrangelo Edessa"/>
+        <a:font script="Orya" typeface="Kalinga"/>
+        <a:font script="Mlym" typeface="Kartika"/>
+        <a:font script="Laoo" typeface="DokChampa"/>
+        <a:font script="Sinh" typeface="Iskoola Pota"/>
+        <a:font script="Mong" typeface="Mongolian Baiti"/>
+        <a:font script="Viet" typeface="Times New Roman"/>
+        <a:font script="Uigh" typeface="Microsoft Uighur"/>
+        <a:font script="Geor" typeface="Sylfaen"/>
+      </a:majorFont>
+      <a:minorFont>
+        <a:latin typeface="Calibri" panose="020F0502020204030204"/>
+        <a:ea typeface=""/>
+        <a:cs typeface=""/>
+        <a:font script="Jpan" typeface="游ゴシック"/>
+        <a:font script="Hang" typeface="맑은 고딕"/>
+        <a:font script="Hans" typeface="等线"/>
+        <a:font script="Hant" typeface="新細明體"/>
+        <a:font script="Arab" typeface="Arial"/>
+        <a:font script="Hebr" typeface="Arial"/>
+        <a:font script="Thai" typeface="Cordia New"/>
+        <a:font script="Ethi" typeface="Nyala"/>
+        <a:font script="Beng" typeface="Vrinda"/>
+        <a:font script="Gujr" typeface="Shruti"/>
+        <a:font script="Khmr" typeface="DaunPenh"/>
+        <a:font script="Knda" typeface="Tunga"/>
+        <a:font script="Guru" typeface="Raavi"/>
+        <a:font script="Cans" typeface="Euphemia"/>
+        <a:font script="Cher" typeface="Plantagenet Cherokee"/>
+        <a:font script="Yiii" typeface="Microsoft Yi Baiti"/>
+        <a:font script="Tibt" typeface="Microsoft Himalaya"/>
+        <a:font script="Thaa" typeface="MV Boli"/>
+        <a:font script="Deva" typeface="Mangal"/>
+        <a:font script="Telu" typeface="Gautami"/>
+        <a:font script="Taml" typeface="Latha"/>
+        <a:font script="Syrc" typeface="Estrangelo Edessa"/>
+        <a:font script="Orya" typeface="Kalinga"/>
+        <a:font script="Mlym" typeface="Kartika"/>
+        <a:font script="Laoo" typeface="DokChampa"/>
+        <a:font script="Sinh" typeface="Iskoola Pota"/>
+        <a:font script="Mong" typeface="Mongolian Baiti"/>
+        <a:font script="Viet" typeface="Arial"/>
+        <a:font script="Uigh" typeface="Microsoft Uighur"/>
+        <a:font script="Geor" typeface="Sylfaen"/>
+      </a:minorFont>
+    </a:fontScheme>
+    <a:fmtScheme name="Office">
+      <a:fillStyleLst>
+        <a:solidFill>
+          <a:schemeClr val="phClr"/>
+        </a:solidFill>
+        <a:gradFill rotWithShape="1">
+          <a:gsLst>
+            <a:gs pos="0">
+              <a:schemeClr val="phClr">
+                <a:lumMod val="110000"/>
+                <a:satMod val="105000"/>
+                <a:tint val="67000"/>
+              </a:schemeClr>
+            </a:gs>
+            <a:gs pos="50000">
+              <a:schemeClr val="phClr">
+                <a:lumMod val="105000"/>
+                <a:satMod val="103000"/>
+                <a:tint val="73000"/>
+              </a:schemeClr>
+            </a:gs>
+            <a:gs pos="100000">
+              <a:schemeClr val="phClr">
+                <a:lumMod val="105000"/>
+                <a:satMod val="109000"/>
+                <a:tint val="81000"/>
+              </a:schemeClr>
+            </a:gs>
+          </a:gsLst>
+          <a:lin ang="5400000" scaled="0"/>
+        </a:gradFill>
+        <a:gradFill rotWithShape="1">
+          <a:gsLst>
+            <a:gs pos="0">
+              <a:schemeClr val="phClr">
+                <a:satMod val="103000"/>
+                <a:lumMod val="102000"/>
+                <a:tint val="94000"/>
+              </a:schemeClr>
+            </a:gs>
+            <a:gs pos="50000">
+              <a:schemeClr val="phClr">
+                <a:satMod val="110000"/>
+                <a:lumMod val="100000"/>
+                <a:shade val="100000"/>
+              </a:schemeClr>
+            </a:gs>
+            <a:gs pos="100000">
+              <a:schemeClr val="phClr">
+                <a:lumMod val="99000"/>
+                <a:satMod val="120000"/>
+                <a:shade val="78000"/>
+              </a:schemeClr>
+            </a:gs>
+          </a:gsLst>
+          <a:lin ang="5400000" scaled="0"/>
+        </a:gradFill>
+      </a:fillStyleLst>
+      <a:lnStyleLst>
+        <a:ln w="6350" cap="flat" cmpd="sng" algn="ctr">
+          <a:solidFill>
+            <a:schemeClr val="phClr"/>
+          </a:solidFill>
+          <a:prstDash val="solid"/>
+          <a:miter lim="800000"/>
+        </a:ln>
+        <a:ln w="12700" cap="flat" cmpd="sng" algn="ctr">
+          <a:solidFill>
+            <a:schemeClr val="phClr"/>
+          </a:solidFill>
+          <a:prstDash val="solid"/>
+          <a:miter lim="800000"/>
+        </a:ln>
+        <a:ln w="19050" cap="flat" cmpd="sng" algn="ctr">
+          <a:solidFill>
+            <a:schemeClr val="phClr"/>
+          </a:solidFill>
+          <a:prstDash val="solid"/>
+          <a:miter lim="800000"/>
+        </a:ln>
+      </a:lnStyleLst>
+      <a:effectStyleLst>
+        <a:effectStyle>
+          <a:effectLst/>
+        </a:effectStyle>
+        <a:effectStyle>
+          <a:effectLst/>
+        </a:effectStyle>
+        <a:effectStyle>
+          <a:effectLst>
+            <a:outerShdw blurRad="57150" dist="19050" dir="5400000" algn="ctr" rotWithShape="0">
+              <a:srgbClr val="000000">
+                <a:alpha val="63000"/>
+              </a:srgbClr>
+            </a:outerShdw>
+          </a:effectLst>
+        </a:effectStyle>
+      </a:effectStyleLst>
+      <a:bgFillStyleLst>
+        <a:solidFill>
+          <a:schemeClr val="phClr"/>
+        </a:solidFill>
+        <a:solidFill>
+          <a:schemeClr val="phClr">
+            <a:tint val="95000"/>
+            <a:satMod val="170000"/>
+          </a:schemeClr>
+        </a:solidFill>
+        <a:gradFill rotWithShape="1">
+          <a:gsLst>
+            <a:gs pos="0">
+              <a:schemeClr val="phClr">
+                <a:tint val="93000"/>
+                <a:satMod val="150000"/>
+                <a:shade val="98000"/>
+                <a:lumMod val="102000"/>
+              </a:schemeClr>
+            </a:gs>
+            <a:gs pos="50000">
+              <a:schemeClr val="phClr">
+                <a:tint val="98000"/>
+                <a:satMod val="130000"/>
+                <a:shade val="90000"/>
+                <a:lumMod val="103000"/>
+              </a:schemeClr>
+            </a:gs>
+            <a:gs pos="100000">
+              <a:schemeClr val="phClr">
+                <a:shade val="63000"/>
+                <a:satMod val="120000"/>
+              </a:schemeClr>
+            </a:gs>
+          </a:gsLst>
+          <a:lin ang="5400000" scaled="0"/>
+        </a:gradFill>
+      </a:bgFillStyleLst>
+    </a:fmtScheme>
+  </a:themeElements>
+  <a:objectDefaults/>
+  <a:extraClrSchemeLst/>
+  <a:extLst>
+    <a:ext uri="{05A4C25C-085E-4340-85A3-A5531E510DB2}">
+      <thm15:themeFamily xmlns:thm15="http://schemas.microsoft.com/office/thememl/2012/main" name="Office Theme" id="{62F939B6-93AF-4DB8-9C6B-D6C7DFDC589F}" vid="{4A3C46E8-61CC-4603-A589-7422A47A8E4A}"/>
+    </a:ext>
+  </a:extLst>
+</a:theme>
 </file>
--- a/Programming 4/10.1 Inheritance Approach & Avoid/10.1 Inheritance Approach and Avoid.pptx
+++ b/Programming 4/10.1 Inheritance Approach & Avoid/10.1 Inheritance Approach and Avoid.pptx
@@ -5,7 +5,7 @@
     <p:sldMasterId id="2147483648" r:id="rId1"/>
   </p:sldMasterIdLst>
   <p:notesMasterIdLst>
-    <p:notesMasterId r:id="rId10"/>
+    <p:notesMasterId r:id="rId20"/>
   </p:notesMasterIdLst>
   <p:sldIdLst>
     <p:sldId id="257" r:id="rId2"/>
@@ -14,8 +14,18 @@
     <p:sldId id="260" r:id="rId5"/>
     <p:sldId id="261" r:id="rId6"/>
     <p:sldId id="262" r:id="rId7"/>
-    <p:sldId id="263" r:id="rId8"/>
-    <p:sldId id="264" r:id="rId9"/>
+    <p:sldId id="265" r:id="rId8"/>
+    <p:sldId id="266" r:id="rId9"/>
+    <p:sldId id="267" r:id="rId10"/>
+    <p:sldId id="268" r:id="rId11"/>
+    <p:sldId id="269" r:id="rId12"/>
+    <p:sldId id="270" r:id="rId13"/>
+    <p:sldId id="271" r:id="rId14"/>
+    <p:sldId id="272" r:id="rId15"/>
+    <p:sldId id="273" r:id="rId16"/>
+    <p:sldId id="263" r:id="rId17"/>
+    <p:sldId id="264" r:id="rId18"/>
+    <p:sldId id="274" r:id="rId19"/>
   </p:sldIdLst>
   <p:sldSz cx="9144000" cy="6858000" type="screen4x3"/>
   <p:notesSz cx="6858000" cy="9144000"/>
@@ -215,7 +225,7 @@
           <a:p>
             <a:fld id="{BA032E96-AFB4-4342-B128-80BEFC0A9F75}" type="datetimeFigureOut">
               <a:rPr lang="en-NZ" smtClean="0"/>
-              <a:t>24/09/2019</a:t>
+              <a:t>25/09/2019</a:t>
             </a:fld>
             <a:endParaRPr lang="en-NZ"/>
           </a:p>
@@ -531,6 +541,24 @@
               <a:buFont typeface="Arial" charset="0"/>
               <a:buChar char="•"/>
             </a:pPr>
+            <a:r>
+              <a:rPr lang="en-NZ" sz="1200" kern="1200" dirty="0" smtClean="0">
+                <a:solidFill>
+                  <a:schemeClr val="tx1"/>
+                </a:solidFill>
+                <a:effectLst/>
+                <a:latin typeface="+mn-lt"/>
+                <a:ea typeface="+mn-ea"/>
+                <a:cs typeface="+mn-cs"/>
+              </a:rPr>
+              <a:t>You already know this so we’ll whip through it quickly</a:t>
+            </a:r>
+          </a:p>
+          <a:p>
+            <a:pPr marL="171450" indent="-171450">
+              <a:buFont typeface="Arial" charset="0"/>
+              <a:buChar char="•"/>
+            </a:pPr>
             <a:endParaRPr lang="en-NZ" sz="1200" kern="1200" dirty="0" smtClean="0">
               <a:solidFill>
                 <a:schemeClr val="tx1"/>
@@ -541,6 +569,72 @@
               <a:cs typeface="+mn-cs"/>
             </a:endParaRPr>
           </a:p>
+          <a:p>
+            <a:pPr marL="171450" indent="-171450">
+              <a:buFont typeface="Arial" charset="0"/>
+              <a:buChar char="•"/>
+            </a:pPr>
+            <a:r>
+              <a:rPr lang="en-NZ" sz="1200" kern="1200" dirty="0" smtClean="0">
+                <a:solidFill>
+                  <a:schemeClr val="tx1"/>
+                </a:solidFill>
+                <a:effectLst/>
+                <a:latin typeface="+mn-lt"/>
+                <a:ea typeface="+mn-ea"/>
+                <a:cs typeface="+mn-cs"/>
+              </a:rPr>
+              <a:t>We’ll look at the difference between “additional” and “polymorphic in a moment</a:t>
+            </a:r>
+          </a:p>
+          <a:p>
+            <a:pPr marL="171450" indent="-171450">
+              <a:buFont typeface="Arial" charset="0"/>
+              <a:buChar char="•"/>
+            </a:pPr>
+            <a:endParaRPr lang="en-NZ" sz="1200" kern="1200" dirty="0" smtClean="0">
+              <a:solidFill>
+                <a:schemeClr val="tx1"/>
+              </a:solidFill>
+              <a:effectLst/>
+              <a:latin typeface="+mn-lt"/>
+              <a:ea typeface="+mn-ea"/>
+              <a:cs typeface="+mn-cs"/>
+            </a:endParaRPr>
+          </a:p>
+          <a:p>
+            <a:pPr marL="171450" indent="-171450">
+              <a:buFont typeface="Arial" charset="0"/>
+              <a:buChar char="•"/>
+            </a:pPr>
+            <a:r>
+              <a:rPr lang="en-NZ" sz="1200" kern="1200" dirty="0" smtClean="0">
+                <a:solidFill>
+                  <a:schemeClr val="tx1"/>
+                </a:solidFill>
+                <a:effectLst/>
+                <a:latin typeface="+mn-lt"/>
+                <a:ea typeface="+mn-ea"/>
+                <a:cs typeface="+mn-cs"/>
+              </a:rPr>
+              <a:t>We’ll talk about is-a and has-a as well</a:t>
+            </a:r>
+          </a:p>
+          <a:p>
+            <a:pPr marL="171450" indent="-171450">
+              <a:buFont typeface="Arial" charset="0"/>
+              <a:buChar char="•"/>
+            </a:pPr>
+            <a:endParaRPr lang="en-NZ" sz="1200" kern="1200" dirty="0" smtClean="0">
+              <a:solidFill>
+                <a:schemeClr val="tx1"/>
+              </a:solidFill>
+              <a:effectLst/>
+              <a:latin typeface="+mn-lt"/>
+              <a:ea typeface="+mn-ea"/>
+              <a:cs typeface="+mn-cs"/>
+            </a:endParaRPr>
+          </a:p>
         </p:txBody>
       </p:sp>
       <p:sp>
@@ -570,6 +664,1053 @@
     <p:extLst>
       <p:ext uri="{BB962C8B-B14F-4D97-AF65-F5344CB8AC3E}">
         <p14:creationId xmlns:p14="http://schemas.microsoft.com/office/powerpoint/2010/main" val="197159079"/>
+      </p:ext>
+    </p:extLst>
+  </p:cSld>
+  <p:clrMapOvr>
+    <a:masterClrMapping/>
+  </p:clrMapOvr>
+</p:notes>
+</file>
+
+<file path=ppt/notesSlides/notesSlide10.xml><?xml version="1.0" encoding="utf-8"?>
+<p:notes xmlns:a="http://schemas.openxmlformats.org/drawingml/2006/main" xmlns:r="http://schemas.openxmlformats.org/officeDocument/2006/relationships" xmlns:p="http://schemas.openxmlformats.org/presentationml/2006/main">
+  <p:cSld>
+    <p:spTree>
+      <p:nvGrpSpPr>
+        <p:cNvPr id="1" name=""/>
+        <p:cNvGrpSpPr/>
+        <p:nvPr/>
+      </p:nvGrpSpPr>
+      <p:grpSpPr>
+        <a:xfrm>
+          <a:off x="0" y="0"/>
+          <a:ext cx="0" cy="0"/>
+          <a:chOff x="0" y="0"/>
+          <a:chExt cx="0" cy="0"/>
+        </a:xfrm>
+      </p:grpSpPr>
+      <p:sp>
+        <p:nvSpPr>
+          <p:cNvPr id="2" name="Slide Image Placeholder 1"/>
+          <p:cNvSpPr>
+            <a:spLocks noGrp="1" noRot="1" noChangeAspect="1"/>
+          </p:cNvSpPr>
+          <p:nvPr>
+            <p:ph type="sldImg"/>
+          </p:nvPr>
+        </p:nvSpPr>
+        <p:spPr/>
+      </p:sp>
+      <p:sp>
+        <p:nvSpPr>
+          <p:cNvPr id="3" name="Notes Placeholder 2"/>
+          <p:cNvSpPr>
+            <a:spLocks noGrp="1"/>
+          </p:cNvSpPr>
+          <p:nvPr>
+            <p:ph type="body" idx="1"/>
+          </p:nvPr>
+        </p:nvSpPr>
+        <p:spPr/>
+        <p:txBody>
+          <a:bodyPr/>
+          <a:lstStyle/>
+          <a:p>
+            <a:pPr marL="171450" indent="-171450">
+              <a:buFont typeface="Arial" panose="020B0604020202020204" pitchFamily="34" charset="0"/>
+              <a:buChar char="•"/>
+            </a:pPr>
+            <a:r>
+              <a:rPr lang="en-NZ" dirty="0" smtClean="0"/>
+              <a:t>Note the syntax for the call to the parent</a:t>
+            </a:r>
+          </a:p>
+          <a:p>
+            <a:pPr marL="171450" indent="-171450">
+              <a:buFont typeface="Arial" panose="020B0604020202020204" pitchFamily="34" charset="0"/>
+              <a:buChar char="•"/>
+            </a:pPr>
+            <a:endParaRPr lang="en-NZ" dirty="0" smtClean="0"/>
+          </a:p>
+          <a:p>
+            <a:pPr marL="171450" indent="-171450">
+              <a:buFont typeface="Arial" panose="020B0604020202020204" pitchFamily="34" charset="0"/>
+              <a:buChar char="•"/>
+            </a:pPr>
+            <a:r>
+              <a:rPr lang="en-NZ" dirty="0" smtClean="0"/>
+              <a:t>: after the child </a:t>
+            </a:r>
+            <a:r>
+              <a:rPr lang="en-NZ" dirty="0" err="1" smtClean="0"/>
+              <a:t>arg</a:t>
+            </a:r>
+            <a:r>
+              <a:rPr lang="en-NZ" dirty="0" smtClean="0"/>
+              <a:t> list</a:t>
+            </a:r>
+          </a:p>
+          <a:p>
+            <a:pPr marL="171450" indent="-171450">
+              <a:buFont typeface="Arial" panose="020B0604020202020204" pitchFamily="34" charset="0"/>
+              <a:buChar char="•"/>
+            </a:pPr>
+            <a:endParaRPr lang="en-NZ" dirty="0" smtClean="0"/>
+          </a:p>
+          <a:p>
+            <a:pPr marL="171450" indent="-171450">
+              <a:buFont typeface="Arial" panose="020B0604020202020204" pitchFamily="34" charset="0"/>
+              <a:buChar char="•"/>
+            </a:pPr>
+            <a:r>
+              <a:rPr lang="en-NZ" dirty="0" smtClean="0"/>
+              <a:t>Give the parent class’s name. Some languages just say “base”. This is not one of them</a:t>
+            </a:r>
+          </a:p>
+          <a:p>
+            <a:pPr marL="171450" indent="-171450">
+              <a:buFont typeface="Arial" panose="020B0604020202020204" pitchFamily="34" charset="0"/>
+              <a:buChar char="•"/>
+            </a:pPr>
+            <a:endParaRPr lang="en-NZ" dirty="0" smtClean="0"/>
+          </a:p>
+          <a:p>
+            <a:pPr marL="171450" indent="-171450">
+              <a:buFont typeface="Arial" panose="020B0604020202020204" pitchFamily="34" charset="0"/>
+              <a:buChar char="•"/>
+            </a:pPr>
+            <a:r>
+              <a:rPr lang="en-NZ" dirty="0" smtClean="0"/>
+              <a:t>This is a function call. It needs arguments. In this case, just pass the input </a:t>
+            </a:r>
+            <a:r>
+              <a:rPr lang="en-NZ" dirty="0" err="1" smtClean="0"/>
+              <a:t>arg</a:t>
+            </a:r>
+            <a:r>
+              <a:rPr lang="en-NZ" dirty="0" smtClean="0"/>
+              <a:t> to the child along. NO DATA TYPE</a:t>
+            </a:r>
+          </a:p>
+          <a:p>
+            <a:pPr marL="171450" indent="-171450">
+              <a:buFont typeface="Arial" panose="020B0604020202020204" pitchFamily="34" charset="0"/>
+              <a:buChar char="•"/>
+            </a:pPr>
+            <a:endParaRPr lang="en-NZ" dirty="0" smtClean="0"/>
+          </a:p>
+          <a:p>
+            <a:pPr marL="171450" indent="-171450">
+              <a:buFont typeface="Arial" panose="020B0604020202020204" pitchFamily="34" charset="0"/>
+              <a:buChar char="•"/>
+            </a:pPr>
+            <a:r>
+              <a:rPr lang="en-NZ" dirty="0" smtClean="0"/>
+              <a:t>Don’t become confused. Even though this call is in the prototype line, it is not a prototype or part of the prototype. IT IS A FUNCTION CALL.</a:t>
+            </a:r>
+          </a:p>
+          <a:p>
+            <a:pPr marL="171450" indent="-171450">
+              <a:buFont typeface="Arial" panose="020B0604020202020204" pitchFamily="34" charset="0"/>
+              <a:buChar char="•"/>
+            </a:pPr>
+            <a:endParaRPr lang="en-NZ" dirty="0" smtClean="0"/>
+          </a:p>
+          <a:p>
+            <a:pPr marL="171450" indent="-171450">
+              <a:buFont typeface="Arial" panose="020B0604020202020204" pitchFamily="34" charset="0"/>
+              <a:buChar char="•"/>
+            </a:pPr>
+            <a:r>
+              <a:rPr lang="en-NZ" dirty="0" smtClean="0"/>
+              <a:t>In the code body, do whatever you want.</a:t>
+            </a:r>
+          </a:p>
+          <a:p>
+            <a:pPr marL="171450" indent="-171450">
+              <a:buFont typeface="Arial" panose="020B0604020202020204" pitchFamily="34" charset="0"/>
+              <a:buChar char="•"/>
+            </a:pPr>
+            <a:endParaRPr lang="en-NZ" dirty="0" smtClean="0"/>
+          </a:p>
+          <a:p>
+            <a:pPr marL="171450" indent="-171450">
+              <a:buFont typeface="Arial" panose="020B0604020202020204" pitchFamily="34" charset="0"/>
+              <a:buChar char="•"/>
+            </a:pPr>
+            <a:r>
+              <a:rPr lang="en-NZ" dirty="0" smtClean="0"/>
+              <a:t>What is the state of the instance after this constructor? =&gt; both </a:t>
+            </a:r>
+            <a:r>
+              <a:rPr lang="en-NZ" dirty="0" err="1" smtClean="0"/>
+              <a:t>specialCihldDataString</a:t>
+            </a:r>
+            <a:r>
+              <a:rPr lang="en-NZ" dirty="0" smtClean="0"/>
+              <a:t> and </a:t>
+            </a:r>
+            <a:r>
+              <a:rPr lang="en-NZ" dirty="0" err="1" smtClean="0"/>
+              <a:t>idNumber</a:t>
+            </a:r>
+            <a:r>
+              <a:rPr lang="en-NZ" dirty="0" smtClean="0"/>
+              <a:t> are initialised.</a:t>
+            </a:r>
+          </a:p>
+        </p:txBody>
+      </p:sp>
+      <p:sp>
+        <p:nvSpPr>
+          <p:cNvPr id="4" name="Slide Number Placeholder 3"/>
+          <p:cNvSpPr>
+            <a:spLocks noGrp="1"/>
+          </p:cNvSpPr>
+          <p:nvPr>
+            <p:ph type="sldNum" sz="quarter" idx="10"/>
+          </p:nvPr>
+        </p:nvSpPr>
+        <p:spPr/>
+        <p:txBody>
+          <a:bodyPr/>
+          <a:lstStyle/>
+          <a:p>
+            <a:fld id="{BBC1DE02-C006-4F38-873D-E62701AB1734}" type="slidenum">
+              <a:rPr lang="en-NZ" smtClean="0"/>
+              <a:t>11</a:t>
+            </a:fld>
+            <a:endParaRPr lang="en-NZ"/>
+          </a:p>
+        </p:txBody>
+      </p:sp>
+    </p:spTree>
+    <p:extLst>
+      <p:ext uri="{BB962C8B-B14F-4D97-AF65-F5344CB8AC3E}">
+        <p14:creationId xmlns:p14="http://schemas.microsoft.com/office/powerpoint/2010/main" val="2886675256"/>
+      </p:ext>
+    </p:extLst>
+  </p:cSld>
+  <p:clrMapOvr>
+    <a:masterClrMapping/>
+  </p:clrMapOvr>
+</p:notes>
+</file>
+
+<file path=ppt/notesSlides/notesSlide11.xml><?xml version="1.0" encoding="utf-8"?>
+<p:notes xmlns:a="http://schemas.openxmlformats.org/drawingml/2006/main" xmlns:r="http://schemas.openxmlformats.org/officeDocument/2006/relationships" xmlns:p="http://schemas.openxmlformats.org/presentationml/2006/main">
+  <p:cSld>
+    <p:spTree>
+      <p:nvGrpSpPr>
+        <p:cNvPr id="1" name=""/>
+        <p:cNvGrpSpPr/>
+        <p:nvPr/>
+      </p:nvGrpSpPr>
+      <p:grpSpPr>
+        <a:xfrm>
+          <a:off x="0" y="0"/>
+          <a:ext cx="0" cy="0"/>
+          <a:chOff x="0" y="0"/>
+          <a:chExt cx="0" cy="0"/>
+        </a:xfrm>
+      </p:grpSpPr>
+      <p:sp>
+        <p:nvSpPr>
+          <p:cNvPr id="2" name="Slide Image Placeholder 1"/>
+          <p:cNvSpPr>
+            <a:spLocks noGrp="1" noRot="1" noChangeAspect="1"/>
+          </p:cNvSpPr>
+          <p:nvPr>
+            <p:ph type="sldImg"/>
+          </p:nvPr>
+        </p:nvSpPr>
+        <p:spPr/>
+      </p:sp>
+      <p:sp>
+        <p:nvSpPr>
+          <p:cNvPr id="3" name="Notes Placeholder 2"/>
+          <p:cNvSpPr>
+            <a:spLocks noGrp="1"/>
+          </p:cNvSpPr>
+          <p:nvPr>
+            <p:ph type="body" idx="1"/>
+          </p:nvPr>
+        </p:nvSpPr>
+        <p:spPr/>
+        <p:txBody>
+          <a:bodyPr/>
+          <a:lstStyle/>
+          <a:p>
+            <a:pPr marL="171450" indent="-171450">
+              <a:buFont typeface="Arial" charset="0"/>
+              <a:buChar char="•"/>
+            </a:pPr>
+            <a:r>
+              <a:rPr lang="en-NZ" sz="1200" kern="1200" dirty="0" smtClean="0">
+                <a:solidFill>
+                  <a:schemeClr val="tx1"/>
+                </a:solidFill>
+                <a:effectLst/>
+                <a:latin typeface="+mn-lt"/>
+                <a:ea typeface="+mn-ea"/>
+                <a:cs typeface="+mn-cs"/>
+              </a:rPr>
+              <a:t>The second inheritance use case – polymorphism</a:t>
+            </a:r>
+          </a:p>
+          <a:p>
+            <a:pPr marL="171450" indent="-171450">
+              <a:buFont typeface="Arial" charset="0"/>
+              <a:buChar char="•"/>
+            </a:pPr>
+            <a:endParaRPr lang="en-NZ" sz="1200" kern="1200" dirty="0" smtClean="0">
+              <a:solidFill>
+                <a:schemeClr val="tx1"/>
+              </a:solidFill>
+              <a:effectLst/>
+              <a:latin typeface="+mn-lt"/>
+              <a:ea typeface="+mn-ea"/>
+              <a:cs typeface="+mn-cs"/>
+            </a:endParaRPr>
+          </a:p>
+          <a:p>
+            <a:pPr marL="171450" indent="-171450">
+              <a:buFont typeface="Arial" charset="0"/>
+              <a:buChar char="•"/>
+            </a:pPr>
+            <a:r>
+              <a:rPr lang="en-NZ" sz="1200" kern="1200" dirty="0" smtClean="0">
+                <a:solidFill>
+                  <a:schemeClr val="tx1"/>
+                </a:solidFill>
+                <a:effectLst/>
+                <a:latin typeface="+mn-lt"/>
+                <a:ea typeface="+mn-ea"/>
+                <a:cs typeface="+mn-cs"/>
+              </a:rPr>
+              <a:t>The parent provides a method (with or without default code body) and children can (or must) override the method, providing their own code</a:t>
+            </a:r>
+          </a:p>
+          <a:p>
+            <a:pPr marL="0" indent="0">
+              <a:buFont typeface="Arial" charset="0"/>
+              <a:buNone/>
+            </a:pPr>
+            <a:endParaRPr lang="en-NZ" sz="1200" kern="1200" dirty="0" smtClean="0">
+              <a:solidFill>
+                <a:schemeClr val="tx1"/>
+              </a:solidFill>
+              <a:effectLst/>
+              <a:latin typeface="+mn-lt"/>
+              <a:ea typeface="+mn-ea"/>
+              <a:cs typeface="+mn-cs"/>
+            </a:endParaRPr>
+          </a:p>
+          <a:p>
+            <a:pPr marL="171450" indent="-171450">
+              <a:buFont typeface="Arial" charset="0"/>
+              <a:buChar char="•"/>
+            </a:pPr>
+            <a:r>
+              <a:rPr lang="en-NZ" sz="1200" kern="1200" dirty="0" smtClean="0">
+                <a:solidFill>
+                  <a:schemeClr val="tx1"/>
+                </a:solidFill>
+                <a:effectLst/>
+                <a:latin typeface="+mn-lt"/>
+                <a:ea typeface="+mn-ea"/>
+                <a:cs typeface="+mn-cs"/>
+              </a:rPr>
+              <a:t>Abstract is safer (each class guaranteed to have the right logic), virtual is more convenient (you can provide a default method)</a:t>
+            </a:r>
+          </a:p>
+          <a:p>
+            <a:pPr marL="171450" indent="-171450">
+              <a:buFont typeface="Arial" charset="0"/>
+              <a:buChar char="•"/>
+            </a:pPr>
+            <a:endParaRPr lang="en-NZ" sz="1200" kern="1200" dirty="0" smtClean="0">
+              <a:solidFill>
+                <a:schemeClr val="tx1"/>
+              </a:solidFill>
+              <a:effectLst/>
+              <a:latin typeface="+mn-lt"/>
+              <a:ea typeface="+mn-ea"/>
+              <a:cs typeface="+mn-cs"/>
+            </a:endParaRPr>
+          </a:p>
+          <a:p>
+            <a:pPr marL="171450" indent="-171450">
+              <a:buFont typeface="Arial" charset="0"/>
+              <a:buChar char="•"/>
+            </a:pPr>
+            <a:r>
+              <a:rPr lang="en-NZ" sz="1200" kern="1200" dirty="0" smtClean="0">
+                <a:solidFill>
+                  <a:schemeClr val="tx1"/>
+                </a:solidFill>
+                <a:effectLst/>
+                <a:latin typeface="+mn-lt"/>
+                <a:ea typeface="+mn-ea"/>
+                <a:cs typeface="+mn-cs"/>
+              </a:rPr>
+              <a:t>If there is any sensible default, one tends to go virtual, especially because there is an alternative to abstract classes (interfaces; cf. OOSD)</a:t>
+            </a:r>
+          </a:p>
+          <a:p>
+            <a:pPr marL="171450" indent="-171450">
+              <a:buFont typeface="Arial" charset="0"/>
+              <a:buChar char="•"/>
+            </a:pPr>
+            <a:endParaRPr lang="en-NZ" sz="1200" kern="1200" dirty="0" smtClean="0">
+              <a:solidFill>
+                <a:schemeClr val="tx1"/>
+              </a:solidFill>
+              <a:effectLst/>
+              <a:latin typeface="+mn-lt"/>
+              <a:ea typeface="+mn-ea"/>
+              <a:cs typeface="+mn-cs"/>
+            </a:endParaRPr>
+          </a:p>
+        </p:txBody>
+      </p:sp>
+      <p:sp>
+        <p:nvSpPr>
+          <p:cNvPr id="4" name="Slide Number Placeholder 3"/>
+          <p:cNvSpPr>
+            <a:spLocks noGrp="1"/>
+          </p:cNvSpPr>
+          <p:nvPr>
+            <p:ph type="sldNum" sz="quarter" idx="10"/>
+          </p:nvPr>
+        </p:nvSpPr>
+        <p:spPr/>
+        <p:txBody>
+          <a:bodyPr/>
+          <a:lstStyle/>
+          <a:p>
+            <a:fld id="{BBC1DE02-C006-4F38-873D-E62701AB1734}" type="slidenum">
+              <a:rPr lang="en-NZ" smtClean="0"/>
+              <a:t>12</a:t>
+            </a:fld>
+            <a:endParaRPr lang="en-NZ"/>
+          </a:p>
+        </p:txBody>
+      </p:sp>
+    </p:spTree>
+    <p:extLst>
+      <p:ext uri="{BB962C8B-B14F-4D97-AF65-F5344CB8AC3E}">
+        <p14:creationId xmlns:p14="http://schemas.microsoft.com/office/powerpoint/2010/main" val="3084717565"/>
+      </p:ext>
+    </p:extLst>
+  </p:cSld>
+  <p:clrMapOvr>
+    <a:masterClrMapping/>
+  </p:clrMapOvr>
+</p:notes>
+</file>
+
+<file path=ppt/notesSlides/notesSlide12.xml><?xml version="1.0" encoding="utf-8"?>
+<p:notes xmlns:a="http://schemas.openxmlformats.org/drawingml/2006/main" xmlns:r="http://schemas.openxmlformats.org/officeDocument/2006/relationships" xmlns:p="http://schemas.openxmlformats.org/presentationml/2006/main">
+  <p:cSld>
+    <p:spTree>
+      <p:nvGrpSpPr>
+        <p:cNvPr id="1" name=""/>
+        <p:cNvGrpSpPr/>
+        <p:nvPr/>
+      </p:nvGrpSpPr>
+      <p:grpSpPr>
+        <a:xfrm>
+          <a:off x="0" y="0"/>
+          <a:ext cx="0" cy="0"/>
+          <a:chOff x="0" y="0"/>
+          <a:chExt cx="0" cy="0"/>
+        </a:xfrm>
+      </p:grpSpPr>
+      <p:sp>
+        <p:nvSpPr>
+          <p:cNvPr id="2" name="Slide Image Placeholder 1"/>
+          <p:cNvSpPr>
+            <a:spLocks noGrp="1" noRot="1" noChangeAspect="1"/>
+          </p:cNvSpPr>
+          <p:nvPr>
+            <p:ph type="sldImg"/>
+          </p:nvPr>
+        </p:nvSpPr>
+        <p:spPr/>
+      </p:sp>
+      <p:sp>
+        <p:nvSpPr>
+          <p:cNvPr id="3" name="Notes Placeholder 2"/>
+          <p:cNvSpPr>
+            <a:spLocks noGrp="1"/>
+          </p:cNvSpPr>
+          <p:nvPr>
+            <p:ph type="body" idx="1"/>
+          </p:nvPr>
+        </p:nvSpPr>
+        <p:spPr/>
+        <p:txBody>
+          <a:bodyPr/>
+          <a:lstStyle/>
+          <a:p>
+            <a:pPr marL="171450" indent="-171450">
+              <a:buFont typeface="Arial" charset="0"/>
+              <a:buChar char="•"/>
+            </a:pPr>
+            <a:r>
+              <a:rPr lang="en-NZ" sz="1200" kern="1200" dirty="0" smtClean="0">
+                <a:solidFill>
+                  <a:schemeClr val="tx1"/>
+                </a:solidFill>
+                <a:effectLst/>
+                <a:latin typeface="+mn-lt"/>
+                <a:ea typeface="+mn-ea"/>
+                <a:cs typeface="+mn-cs"/>
+              </a:rPr>
+              <a:t>The syntax is a little odd. Just go with it</a:t>
+            </a:r>
+          </a:p>
+          <a:p>
+            <a:pPr marL="171450" indent="-171450">
+              <a:buFont typeface="Arial" charset="0"/>
+              <a:buChar char="•"/>
+            </a:pPr>
+            <a:endParaRPr lang="en-NZ" sz="1200" kern="1200" dirty="0" smtClean="0">
+              <a:solidFill>
+                <a:schemeClr val="tx1"/>
+              </a:solidFill>
+              <a:effectLst/>
+              <a:latin typeface="+mn-lt"/>
+              <a:ea typeface="+mn-ea"/>
+              <a:cs typeface="+mn-cs"/>
+            </a:endParaRPr>
+          </a:p>
+        </p:txBody>
+      </p:sp>
+      <p:sp>
+        <p:nvSpPr>
+          <p:cNvPr id="4" name="Slide Number Placeholder 3"/>
+          <p:cNvSpPr>
+            <a:spLocks noGrp="1"/>
+          </p:cNvSpPr>
+          <p:nvPr>
+            <p:ph type="sldNum" sz="quarter" idx="10"/>
+          </p:nvPr>
+        </p:nvSpPr>
+        <p:spPr/>
+        <p:txBody>
+          <a:bodyPr/>
+          <a:lstStyle/>
+          <a:p>
+            <a:fld id="{BBC1DE02-C006-4F38-873D-E62701AB1734}" type="slidenum">
+              <a:rPr lang="en-NZ" smtClean="0"/>
+              <a:t>13</a:t>
+            </a:fld>
+            <a:endParaRPr lang="en-NZ"/>
+          </a:p>
+        </p:txBody>
+      </p:sp>
+    </p:spTree>
+    <p:extLst>
+      <p:ext uri="{BB962C8B-B14F-4D97-AF65-F5344CB8AC3E}">
+        <p14:creationId xmlns:p14="http://schemas.microsoft.com/office/powerpoint/2010/main" val="3353723402"/>
+      </p:ext>
+    </p:extLst>
+  </p:cSld>
+  <p:clrMapOvr>
+    <a:masterClrMapping/>
+  </p:clrMapOvr>
+</p:notes>
+</file>
+
+<file path=ppt/notesSlides/notesSlide13.xml><?xml version="1.0" encoding="utf-8"?>
+<p:notes xmlns:a="http://schemas.openxmlformats.org/drawingml/2006/main" xmlns:r="http://schemas.openxmlformats.org/officeDocument/2006/relationships" xmlns:p="http://schemas.openxmlformats.org/presentationml/2006/main">
+  <p:cSld>
+    <p:spTree>
+      <p:nvGrpSpPr>
+        <p:cNvPr id="1" name=""/>
+        <p:cNvGrpSpPr/>
+        <p:nvPr/>
+      </p:nvGrpSpPr>
+      <p:grpSpPr>
+        <a:xfrm>
+          <a:off x="0" y="0"/>
+          <a:ext cx="0" cy="0"/>
+          <a:chOff x="0" y="0"/>
+          <a:chExt cx="0" cy="0"/>
+        </a:xfrm>
+      </p:grpSpPr>
+      <p:sp>
+        <p:nvSpPr>
+          <p:cNvPr id="2" name="Slide Image Placeholder 1"/>
+          <p:cNvSpPr>
+            <a:spLocks noGrp="1" noRot="1" noChangeAspect="1"/>
+          </p:cNvSpPr>
+          <p:nvPr>
+            <p:ph type="sldImg"/>
+          </p:nvPr>
+        </p:nvSpPr>
+        <p:spPr/>
+      </p:sp>
+      <p:sp>
+        <p:nvSpPr>
+          <p:cNvPr id="3" name="Notes Placeholder 2"/>
+          <p:cNvSpPr>
+            <a:spLocks noGrp="1"/>
+          </p:cNvSpPr>
+          <p:nvPr>
+            <p:ph type="body" idx="1"/>
+          </p:nvPr>
+        </p:nvSpPr>
+        <p:spPr/>
+        <p:txBody>
+          <a:bodyPr/>
+          <a:lstStyle/>
+          <a:p>
+            <a:pPr marL="171450" indent="-171450">
+              <a:buFont typeface="Arial" panose="020B0604020202020204" pitchFamily="34" charset="0"/>
+              <a:buChar char="•"/>
+            </a:pPr>
+            <a:r>
+              <a:rPr lang="en-NZ" dirty="0" smtClean="0"/>
+              <a:t>When the child overrides, they mark it in the .h. This just tells the compiler you really mean it</a:t>
+            </a:r>
+          </a:p>
+        </p:txBody>
+      </p:sp>
+      <p:sp>
+        <p:nvSpPr>
+          <p:cNvPr id="4" name="Slide Number Placeholder 3"/>
+          <p:cNvSpPr>
+            <a:spLocks noGrp="1"/>
+          </p:cNvSpPr>
+          <p:nvPr>
+            <p:ph type="sldNum" sz="quarter" idx="10"/>
+          </p:nvPr>
+        </p:nvSpPr>
+        <p:spPr/>
+        <p:txBody>
+          <a:bodyPr/>
+          <a:lstStyle/>
+          <a:p>
+            <a:fld id="{BBC1DE02-C006-4F38-873D-E62701AB1734}" type="slidenum">
+              <a:rPr lang="en-NZ" smtClean="0"/>
+              <a:t>14</a:t>
+            </a:fld>
+            <a:endParaRPr lang="en-NZ"/>
+          </a:p>
+        </p:txBody>
+      </p:sp>
+    </p:spTree>
+    <p:extLst>
+      <p:ext uri="{BB962C8B-B14F-4D97-AF65-F5344CB8AC3E}">
+        <p14:creationId xmlns:p14="http://schemas.microsoft.com/office/powerpoint/2010/main" val="2341591812"/>
+      </p:ext>
+    </p:extLst>
+  </p:cSld>
+  <p:clrMapOvr>
+    <a:masterClrMapping/>
+  </p:clrMapOvr>
+</p:notes>
+</file>
+
+<file path=ppt/notesSlides/notesSlide14.xml><?xml version="1.0" encoding="utf-8"?>
+<p:notes xmlns:a="http://schemas.openxmlformats.org/drawingml/2006/main" xmlns:r="http://schemas.openxmlformats.org/officeDocument/2006/relationships" xmlns:p="http://schemas.openxmlformats.org/presentationml/2006/main">
+  <p:cSld>
+    <p:spTree>
+      <p:nvGrpSpPr>
+        <p:cNvPr id="1" name=""/>
+        <p:cNvGrpSpPr/>
+        <p:nvPr/>
+      </p:nvGrpSpPr>
+      <p:grpSpPr>
+        <a:xfrm>
+          <a:off x="0" y="0"/>
+          <a:ext cx="0" cy="0"/>
+          <a:chOff x="0" y="0"/>
+          <a:chExt cx="0" cy="0"/>
+        </a:xfrm>
+      </p:grpSpPr>
+      <p:sp>
+        <p:nvSpPr>
+          <p:cNvPr id="2" name="Slide Image Placeholder 1"/>
+          <p:cNvSpPr>
+            <a:spLocks noGrp="1" noRot="1" noChangeAspect="1"/>
+          </p:cNvSpPr>
+          <p:nvPr>
+            <p:ph type="sldImg"/>
+          </p:nvPr>
+        </p:nvSpPr>
+        <p:spPr/>
+      </p:sp>
+      <p:sp>
+        <p:nvSpPr>
+          <p:cNvPr id="3" name="Notes Placeholder 2"/>
+          <p:cNvSpPr>
+            <a:spLocks noGrp="1"/>
+          </p:cNvSpPr>
+          <p:nvPr>
+            <p:ph type="body" idx="1"/>
+          </p:nvPr>
+        </p:nvSpPr>
+        <p:spPr/>
+        <p:txBody>
+          <a:bodyPr/>
+          <a:lstStyle/>
+          <a:p>
+            <a:pPr marL="171450" indent="-171450">
+              <a:buFont typeface="Arial" panose="020B0604020202020204" pitchFamily="34" charset="0"/>
+              <a:buChar char="•"/>
+            </a:pPr>
+            <a:r>
+              <a:rPr lang="en-NZ" dirty="0" smtClean="0"/>
+              <a:t>In the .</a:t>
+            </a:r>
+            <a:r>
+              <a:rPr lang="en-NZ" dirty="0" err="1" smtClean="0"/>
+              <a:t>cpp</a:t>
+            </a:r>
+            <a:r>
+              <a:rPr lang="en-NZ" dirty="0" smtClean="0"/>
+              <a:t>, it just looks normal. No virtual or override keywords</a:t>
+            </a:r>
+          </a:p>
+          <a:p>
+            <a:pPr marL="171450" indent="-171450">
+              <a:buFont typeface="Arial" panose="020B0604020202020204" pitchFamily="34" charset="0"/>
+              <a:buChar char="•"/>
+            </a:pPr>
+            <a:endParaRPr lang="en-NZ" dirty="0" smtClean="0"/>
+          </a:p>
+          <a:p>
+            <a:pPr marL="171450" indent="-171450">
+              <a:buFont typeface="Arial" panose="020B0604020202020204" pitchFamily="34" charset="0"/>
+              <a:buChar char="•"/>
+            </a:pPr>
+            <a:r>
+              <a:rPr lang="en-NZ" dirty="0" smtClean="0"/>
+              <a:t>Other languages have different rules for how virtual, abstract and override are marked. You really have to look it up every time you switch languages. But the logic is always the same</a:t>
+            </a:r>
+          </a:p>
+        </p:txBody>
+      </p:sp>
+      <p:sp>
+        <p:nvSpPr>
+          <p:cNvPr id="4" name="Slide Number Placeholder 3"/>
+          <p:cNvSpPr>
+            <a:spLocks noGrp="1"/>
+          </p:cNvSpPr>
+          <p:nvPr>
+            <p:ph type="sldNum" sz="quarter" idx="10"/>
+          </p:nvPr>
+        </p:nvSpPr>
+        <p:spPr/>
+        <p:txBody>
+          <a:bodyPr/>
+          <a:lstStyle/>
+          <a:p>
+            <a:fld id="{BBC1DE02-C006-4F38-873D-E62701AB1734}" type="slidenum">
+              <a:rPr lang="en-NZ" smtClean="0"/>
+              <a:t>15</a:t>
+            </a:fld>
+            <a:endParaRPr lang="en-NZ"/>
+          </a:p>
+        </p:txBody>
+      </p:sp>
+    </p:spTree>
+    <p:extLst>
+      <p:ext uri="{BB962C8B-B14F-4D97-AF65-F5344CB8AC3E}">
+        <p14:creationId xmlns:p14="http://schemas.microsoft.com/office/powerpoint/2010/main" val="4040494410"/>
+      </p:ext>
+    </p:extLst>
+  </p:cSld>
+  <p:clrMapOvr>
+    <a:masterClrMapping/>
+  </p:clrMapOvr>
+</p:notes>
+</file>
+
+<file path=ppt/notesSlides/notesSlide15.xml><?xml version="1.0" encoding="utf-8"?>
+<p:notes xmlns:a="http://schemas.openxmlformats.org/drawingml/2006/main" xmlns:r="http://schemas.openxmlformats.org/officeDocument/2006/relationships" xmlns:p="http://schemas.openxmlformats.org/presentationml/2006/main">
+  <p:cSld>
+    <p:spTree>
+      <p:nvGrpSpPr>
+        <p:cNvPr id="1" name=""/>
+        <p:cNvGrpSpPr/>
+        <p:nvPr/>
+      </p:nvGrpSpPr>
+      <p:grpSpPr>
+        <a:xfrm>
+          <a:off x="0" y="0"/>
+          <a:ext cx="0" cy="0"/>
+          <a:chOff x="0" y="0"/>
+          <a:chExt cx="0" cy="0"/>
+        </a:xfrm>
+      </p:grpSpPr>
+      <p:sp>
+        <p:nvSpPr>
+          <p:cNvPr id="2" name="Slide Image Placeholder 1"/>
+          <p:cNvSpPr>
+            <a:spLocks noGrp="1" noRot="1" noChangeAspect="1"/>
+          </p:cNvSpPr>
+          <p:nvPr>
+            <p:ph type="sldImg"/>
+          </p:nvPr>
+        </p:nvSpPr>
+        <p:spPr/>
+      </p:sp>
+      <p:sp>
+        <p:nvSpPr>
+          <p:cNvPr id="3" name="Notes Placeholder 2"/>
+          <p:cNvSpPr>
+            <a:spLocks noGrp="1"/>
+          </p:cNvSpPr>
+          <p:nvPr>
+            <p:ph type="body" idx="1"/>
+          </p:nvPr>
+        </p:nvSpPr>
+        <p:spPr/>
+        <p:txBody>
+          <a:bodyPr/>
+          <a:lstStyle/>
+          <a:p>
+            <a:pPr marL="171450" indent="-171450">
+              <a:buFont typeface="Arial" charset="0"/>
+              <a:buChar char="•"/>
+            </a:pPr>
+            <a:endParaRPr lang="en-NZ" sz="1200" kern="1200" dirty="0" smtClean="0">
+              <a:solidFill>
+                <a:schemeClr val="tx1"/>
+              </a:solidFill>
+              <a:effectLst/>
+              <a:latin typeface="+mn-lt"/>
+              <a:ea typeface="+mn-ea"/>
+              <a:cs typeface="+mn-cs"/>
+            </a:endParaRPr>
+          </a:p>
+        </p:txBody>
+      </p:sp>
+      <p:sp>
+        <p:nvSpPr>
+          <p:cNvPr id="4" name="Slide Number Placeholder 3"/>
+          <p:cNvSpPr>
+            <a:spLocks noGrp="1"/>
+          </p:cNvSpPr>
+          <p:nvPr>
+            <p:ph type="sldNum" sz="quarter" idx="10"/>
+          </p:nvPr>
+        </p:nvSpPr>
+        <p:spPr/>
+        <p:txBody>
+          <a:bodyPr/>
+          <a:lstStyle/>
+          <a:p>
+            <a:fld id="{BBC1DE02-C006-4F38-873D-E62701AB1734}" type="slidenum">
+              <a:rPr lang="en-NZ" smtClean="0"/>
+              <a:t>16</a:t>
+            </a:fld>
+            <a:endParaRPr lang="en-NZ"/>
+          </a:p>
+        </p:txBody>
+      </p:sp>
+    </p:spTree>
+    <p:extLst>
+      <p:ext uri="{BB962C8B-B14F-4D97-AF65-F5344CB8AC3E}">
+        <p14:creationId xmlns:p14="http://schemas.microsoft.com/office/powerpoint/2010/main" val="3085798134"/>
+      </p:ext>
+    </p:extLst>
+  </p:cSld>
+  <p:clrMapOvr>
+    <a:masterClrMapping/>
+  </p:clrMapOvr>
+</p:notes>
+</file>
+
+<file path=ppt/notesSlides/notesSlide16.xml><?xml version="1.0" encoding="utf-8"?>
+<p:notes xmlns:a="http://schemas.openxmlformats.org/drawingml/2006/main" xmlns:r="http://schemas.openxmlformats.org/officeDocument/2006/relationships" xmlns:p="http://schemas.openxmlformats.org/presentationml/2006/main">
+  <p:cSld>
+    <p:spTree>
+      <p:nvGrpSpPr>
+        <p:cNvPr id="1" name=""/>
+        <p:cNvGrpSpPr/>
+        <p:nvPr/>
+      </p:nvGrpSpPr>
+      <p:grpSpPr>
+        <a:xfrm>
+          <a:off x="0" y="0"/>
+          <a:ext cx="0" cy="0"/>
+          <a:chOff x="0" y="0"/>
+          <a:chExt cx="0" cy="0"/>
+        </a:xfrm>
+      </p:grpSpPr>
+      <p:sp>
+        <p:nvSpPr>
+          <p:cNvPr id="2" name="Slide Image Placeholder 1"/>
+          <p:cNvSpPr>
+            <a:spLocks noGrp="1" noRot="1" noChangeAspect="1"/>
+          </p:cNvSpPr>
+          <p:nvPr>
+            <p:ph type="sldImg"/>
+          </p:nvPr>
+        </p:nvSpPr>
+        <p:spPr/>
+      </p:sp>
+      <p:sp>
+        <p:nvSpPr>
+          <p:cNvPr id="3" name="Notes Placeholder 2"/>
+          <p:cNvSpPr>
+            <a:spLocks noGrp="1"/>
+          </p:cNvSpPr>
+          <p:nvPr>
+            <p:ph type="body" idx="1"/>
+          </p:nvPr>
+        </p:nvSpPr>
+        <p:spPr/>
+        <p:txBody>
+          <a:bodyPr/>
+          <a:lstStyle/>
+          <a:p>
+            <a:pPr marL="171450" indent="-171450">
+              <a:buFont typeface="Arial" charset="0"/>
+              <a:buChar char="•"/>
+            </a:pPr>
+            <a:endParaRPr lang="en-NZ" sz="1200" kern="1200" dirty="0" smtClean="0">
+              <a:solidFill>
+                <a:schemeClr val="tx1"/>
+              </a:solidFill>
+              <a:effectLst/>
+              <a:latin typeface="+mn-lt"/>
+              <a:ea typeface="+mn-ea"/>
+              <a:cs typeface="+mn-cs"/>
+            </a:endParaRPr>
+          </a:p>
+        </p:txBody>
+      </p:sp>
+      <p:sp>
+        <p:nvSpPr>
+          <p:cNvPr id="4" name="Slide Number Placeholder 3"/>
+          <p:cNvSpPr>
+            <a:spLocks noGrp="1"/>
+          </p:cNvSpPr>
+          <p:nvPr>
+            <p:ph type="sldNum" sz="quarter" idx="10"/>
+          </p:nvPr>
+        </p:nvSpPr>
+        <p:spPr/>
+        <p:txBody>
+          <a:bodyPr/>
+          <a:lstStyle/>
+          <a:p>
+            <a:fld id="{BBC1DE02-C006-4F38-873D-E62701AB1734}" type="slidenum">
+              <a:rPr lang="en-NZ" smtClean="0"/>
+              <a:t>17</a:t>
+            </a:fld>
+            <a:endParaRPr lang="en-NZ"/>
+          </a:p>
+        </p:txBody>
+      </p:sp>
+    </p:spTree>
+    <p:extLst>
+      <p:ext uri="{BB962C8B-B14F-4D97-AF65-F5344CB8AC3E}">
+        <p14:creationId xmlns:p14="http://schemas.microsoft.com/office/powerpoint/2010/main" val="481793236"/>
+      </p:ext>
+    </p:extLst>
+  </p:cSld>
+  <p:clrMapOvr>
+    <a:masterClrMapping/>
+  </p:clrMapOvr>
+</p:notes>
+</file>
+
+<file path=ppt/notesSlides/notesSlide17.xml><?xml version="1.0" encoding="utf-8"?>
+<p:notes xmlns:a="http://schemas.openxmlformats.org/drawingml/2006/main" xmlns:r="http://schemas.openxmlformats.org/officeDocument/2006/relationships" xmlns:p="http://schemas.openxmlformats.org/presentationml/2006/main">
+  <p:cSld>
+    <p:spTree>
+      <p:nvGrpSpPr>
+        <p:cNvPr id="1" name=""/>
+        <p:cNvGrpSpPr/>
+        <p:nvPr/>
+      </p:nvGrpSpPr>
+      <p:grpSpPr>
+        <a:xfrm>
+          <a:off x="0" y="0"/>
+          <a:ext cx="0" cy="0"/>
+          <a:chOff x="0" y="0"/>
+          <a:chExt cx="0" cy="0"/>
+        </a:xfrm>
+      </p:grpSpPr>
+      <p:sp>
+        <p:nvSpPr>
+          <p:cNvPr id="2" name="Slide Image Placeholder 1"/>
+          <p:cNvSpPr>
+            <a:spLocks noGrp="1" noRot="1" noChangeAspect="1"/>
+          </p:cNvSpPr>
+          <p:nvPr>
+            <p:ph type="sldImg"/>
+          </p:nvPr>
+        </p:nvSpPr>
+        <p:spPr/>
+      </p:sp>
+      <p:sp>
+        <p:nvSpPr>
+          <p:cNvPr id="3" name="Notes Placeholder 2"/>
+          <p:cNvSpPr>
+            <a:spLocks noGrp="1"/>
+          </p:cNvSpPr>
+          <p:nvPr>
+            <p:ph type="body" idx="1"/>
+          </p:nvPr>
+        </p:nvSpPr>
+        <p:spPr/>
+        <p:txBody>
+          <a:bodyPr/>
+          <a:lstStyle/>
+          <a:p>
+            <a:pPr marL="171450" indent="-171450">
+              <a:buFont typeface="Arial" charset="0"/>
+              <a:buChar char="•"/>
+            </a:pPr>
+            <a:endParaRPr lang="en-NZ" sz="1200" kern="1200" dirty="0" smtClean="0">
+              <a:solidFill>
+                <a:schemeClr val="tx1"/>
+              </a:solidFill>
+              <a:effectLst/>
+              <a:latin typeface="+mn-lt"/>
+              <a:ea typeface="+mn-ea"/>
+              <a:cs typeface="+mn-cs"/>
+            </a:endParaRPr>
+          </a:p>
+        </p:txBody>
+      </p:sp>
+      <p:sp>
+        <p:nvSpPr>
+          <p:cNvPr id="4" name="Slide Number Placeholder 3"/>
+          <p:cNvSpPr>
+            <a:spLocks noGrp="1"/>
+          </p:cNvSpPr>
+          <p:nvPr>
+            <p:ph type="sldNum" sz="quarter" idx="10"/>
+          </p:nvPr>
+        </p:nvSpPr>
+        <p:spPr/>
+        <p:txBody>
+          <a:bodyPr/>
+          <a:lstStyle/>
+          <a:p>
+            <a:fld id="{BBC1DE02-C006-4F38-873D-E62701AB1734}" type="slidenum">
+              <a:rPr lang="en-NZ" smtClean="0"/>
+              <a:t>18</a:t>
+            </a:fld>
+            <a:endParaRPr lang="en-NZ"/>
+          </a:p>
+        </p:txBody>
+      </p:sp>
+    </p:spTree>
+    <p:extLst>
+      <p:ext uri="{BB962C8B-B14F-4D97-AF65-F5344CB8AC3E}">
+        <p14:creationId xmlns:p14="http://schemas.microsoft.com/office/powerpoint/2010/main" val="1083464815"/>
       </p:ext>
     </p:extLst>
   </p:cSld>
@@ -622,6 +1763,204 @@
         <p:txBody>
           <a:bodyPr/>
           <a:lstStyle/>
+          <a:p>
+            <a:pPr marL="171450" indent="-171450">
+              <a:buFont typeface="Arial" charset="0"/>
+              <a:buChar char="•"/>
+            </a:pPr>
+            <a:r>
+              <a:rPr lang="en-NZ" sz="1200" kern="1200" dirty="0" smtClean="0">
+                <a:solidFill>
+                  <a:schemeClr val="tx1"/>
+                </a:solidFill>
+                <a:effectLst/>
+                <a:latin typeface="+mn-lt"/>
+                <a:ea typeface="+mn-ea"/>
+                <a:cs typeface="+mn-cs"/>
+              </a:rPr>
+              <a:t>One time we inherit</a:t>
+            </a:r>
+          </a:p>
+          <a:p>
+            <a:pPr marL="171450" indent="-171450">
+              <a:buFont typeface="Arial" charset="0"/>
+              <a:buChar char="•"/>
+            </a:pPr>
+            <a:endParaRPr lang="en-NZ" sz="1200" kern="1200" dirty="0" smtClean="0">
+              <a:solidFill>
+                <a:schemeClr val="tx1"/>
+              </a:solidFill>
+              <a:effectLst/>
+              <a:latin typeface="+mn-lt"/>
+              <a:ea typeface="+mn-ea"/>
+              <a:cs typeface="+mn-cs"/>
+            </a:endParaRPr>
+          </a:p>
+          <a:p>
+            <a:pPr marL="171450" indent="-171450">
+              <a:buFont typeface="Arial" charset="0"/>
+              <a:buChar char="•"/>
+            </a:pPr>
+            <a:r>
+              <a:rPr lang="en-NZ" sz="1200" kern="1200" dirty="0" smtClean="0">
+                <a:solidFill>
+                  <a:schemeClr val="tx1"/>
+                </a:solidFill>
+                <a:effectLst/>
+                <a:latin typeface="+mn-lt"/>
+                <a:ea typeface="+mn-ea"/>
+                <a:cs typeface="+mn-cs"/>
+              </a:rPr>
+              <a:t>The base class is something useful</a:t>
+            </a:r>
+          </a:p>
+          <a:p>
+            <a:pPr marL="171450" indent="-171450">
+              <a:buFont typeface="Arial" charset="0"/>
+              <a:buChar char="•"/>
+            </a:pPr>
+            <a:endParaRPr lang="en-NZ" sz="1200" kern="1200" dirty="0" smtClean="0">
+              <a:solidFill>
+                <a:schemeClr val="tx1"/>
+              </a:solidFill>
+              <a:effectLst/>
+              <a:latin typeface="+mn-lt"/>
+              <a:ea typeface="+mn-ea"/>
+              <a:cs typeface="+mn-cs"/>
+            </a:endParaRPr>
+          </a:p>
+          <a:p>
+            <a:pPr marL="171450" indent="-171450">
+              <a:buFont typeface="Arial" charset="0"/>
+              <a:buChar char="•"/>
+            </a:pPr>
+            <a:r>
+              <a:rPr lang="en-NZ" sz="1200" kern="1200" dirty="0" smtClean="0">
+                <a:solidFill>
+                  <a:schemeClr val="tx1"/>
+                </a:solidFill>
+                <a:effectLst/>
+                <a:latin typeface="+mn-lt"/>
+                <a:ea typeface="+mn-ea"/>
+                <a:cs typeface="+mn-cs"/>
+              </a:rPr>
+              <a:t>But then there is a version of it that adds something specialised</a:t>
+            </a:r>
+          </a:p>
+          <a:p>
+            <a:pPr marL="171450" indent="-171450">
+              <a:buFont typeface="Arial" charset="0"/>
+              <a:buChar char="•"/>
+            </a:pPr>
+            <a:endParaRPr lang="en-NZ" sz="1200" kern="1200" dirty="0" smtClean="0">
+              <a:solidFill>
+                <a:schemeClr val="tx1"/>
+              </a:solidFill>
+              <a:effectLst/>
+              <a:latin typeface="+mn-lt"/>
+              <a:ea typeface="+mn-ea"/>
+              <a:cs typeface="+mn-cs"/>
+            </a:endParaRPr>
+          </a:p>
+          <a:p>
+            <a:pPr marL="171450" indent="-171450">
+              <a:buFont typeface="Arial" charset="0"/>
+              <a:buChar char="•"/>
+            </a:pPr>
+            <a:r>
+              <a:rPr lang="en-NZ" sz="1200" kern="1200" dirty="0" smtClean="0">
+                <a:solidFill>
+                  <a:schemeClr val="tx1"/>
+                </a:solidFill>
+                <a:effectLst/>
+                <a:latin typeface="+mn-lt"/>
+                <a:ea typeface="+mn-ea"/>
+                <a:cs typeface="+mn-cs"/>
+              </a:rPr>
+              <a:t>So our sprite class is an animated character. But our player character has, for example, an inventory and inventory management methods, that no other animated character needs</a:t>
+            </a:r>
+          </a:p>
+          <a:p>
+            <a:pPr marL="171450" indent="-171450">
+              <a:buFont typeface="Arial" charset="0"/>
+              <a:buChar char="•"/>
+            </a:pPr>
+            <a:endParaRPr lang="en-NZ" sz="1200" kern="1200" dirty="0" smtClean="0">
+              <a:solidFill>
+                <a:schemeClr val="tx1"/>
+              </a:solidFill>
+              <a:effectLst/>
+              <a:latin typeface="+mn-lt"/>
+              <a:ea typeface="+mn-ea"/>
+              <a:cs typeface="+mn-cs"/>
+            </a:endParaRPr>
+          </a:p>
+          <a:p>
+            <a:pPr marL="171450" indent="-171450">
+              <a:buFont typeface="Arial" charset="0"/>
+              <a:buChar char="•"/>
+            </a:pPr>
+            <a:r>
+              <a:rPr lang="en-NZ" sz="1200" kern="1200" dirty="0" smtClean="0">
+                <a:solidFill>
+                  <a:schemeClr val="tx1"/>
+                </a:solidFill>
+                <a:effectLst/>
+                <a:latin typeface="+mn-lt"/>
+                <a:ea typeface="+mn-ea"/>
+                <a:cs typeface="+mn-cs"/>
+              </a:rPr>
+              <a:t>We might descend “</a:t>
+            </a:r>
+            <a:r>
+              <a:rPr lang="en-NZ" sz="1200" kern="1200" dirty="0" err="1" smtClean="0">
+                <a:solidFill>
+                  <a:schemeClr val="tx1"/>
+                </a:solidFill>
+                <a:effectLst/>
+                <a:latin typeface="+mn-lt"/>
+                <a:ea typeface="+mn-ea"/>
+                <a:cs typeface="+mn-cs"/>
+              </a:rPr>
+              <a:t>PlayerSprite</a:t>
+            </a:r>
+            <a:r>
+              <a:rPr lang="en-NZ" sz="1200" kern="1200" dirty="0" smtClean="0">
+                <a:solidFill>
+                  <a:schemeClr val="tx1"/>
+                </a:solidFill>
+                <a:effectLst/>
+                <a:latin typeface="+mn-lt"/>
+                <a:ea typeface="+mn-ea"/>
+                <a:cs typeface="+mn-cs"/>
+              </a:rPr>
+              <a:t>”, or if we are really planning ahead, “</a:t>
+            </a:r>
+            <a:r>
+              <a:rPr lang="en-NZ" sz="1200" kern="1200" dirty="0" err="1" smtClean="0">
+                <a:solidFill>
+                  <a:schemeClr val="tx1"/>
+                </a:solidFill>
+                <a:effectLst/>
+                <a:latin typeface="+mn-lt"/>
+                <a:ea typeface="+mn-ea"/>
+                <a:cs typeface="+mn-cs"/>
+              </a:rPr>
+              <a:t>InventorySprite</a:t>
+            </a:r>
+            <a:r>
+              <a:rPr lang="en-NZ" sz="1200" kern="1200" dirty="0" smtClean="0">
+                <a:solidFill>
+                  <a:schemeClr val="tx1"/>
+                </a:solidFill>
+                <a:effectLst/>
+                <a:latin typeface="+mn-lt"/>
+                <a:ea typeface="+mn-ea"/>
+                <a:cs typeface="+mn-cs"/>
+              </a:rPr>
+              <a:t>”</a:t>
+            </a:r>
+          </a:p>
           <a:p>
             <a:pPr marL="171450" indent="-171450">
               <a:buFont typeface="Arial" charset="0"/>
@@ -723,6 +2062,447 @@
               <a:buFont typeface="Arial" charset="0"/>
               <a:buChar char="•"/>
             </a:pPr>
+            <a:r>
+              <a:rPr lang="en-NZ" sz="1200" kern="1200" dirty="0" smtClean="0">
+                <a:solidFill>
+                  <a:schemeClr val="tx1"/>
+                </a:solidFill>
+                <a:effectLst/>
+                <a:latin typeface="+mn-lt"/>
+                <a:ea typeface="+mn-ea"/>
+                <a:cs typeface="+mn-cs"/>
+              </a:rPr>
+              <a:t>One time we inherit.</a:t>
+            </a:r>
+          </a:p>
+          <a:p>
+            <a:pPr marL="171450" indent="-171450">
+              <a:buFont typeface="Arial" charset="0"/>
+              <a:buChar char="•"/>
+            </a:pPr>
+            <a:r>
+              <a:rPr lang="en-NZ" sz="1200" kern="1200" dirty="0" smtClean="0">
+                <a:solidFill>
+                  <a:schemeClr val="tx1"/>
+                </a:solidFill>
+                <a:effectLst/>
+                <a:latin typeface="+mn-lt"/>
+                <a:ea typeface="+mn-ea"/>
+                <a:cs typeface="+mn-cs"/>
+              </a:rPr>
+              <a:t>The base class is something useful</a:t>
+            </a:r>
+          </a:p>
+          <a:p>
+            <a:pPr marL="171450" indent="-171450">
+              <a:buFont typeface="Arial" charset="0"/>
+              <a:buChar char="•"/>
+            </a:pPr>
+            <a:endParaRPr lang="en-NZ" sz="1200" kern="1200" dirty="0" smtClean="0">
+              <a:solidFill>
+                <a:schemeClr val="tx1"/>
+              </a:solidFill>
+              <a:effectLst/>
+              <a:latin typeface="+mn-lt"/>
+              <a:ea typeface="+mn-ea"/>
+              <a:cs typeface="+mn-cs"/>
+            </a:endParaRPr>
+          </a:p>
+          <a:p>
+            <a:pPr marL="171450" indent="-171450">
+              <a:buFont typeface="Arial" charset="0"/>
+              <a:buChar char="•"/>
+            </a:pPr>
+            <a:r>
+              <a:rPr lang="en-NZ" sz="1200" kern="1200" dirty="0" smtClean="0">
+                <a:solidFill>
+                  <a:schemeClr val="tx1"/>
+                </a:solidFill>
+                <a:effectLst/>
+                <a:latin typeface="+mn-lt"/>
+                <a:ea typeface="+mn-ea"/>
+                <a:cs typeface="+mn-cs"/>
+              </a:rPr>
+              <a:t>All elements of this class must do important job</a:t>
+            </a:r>
+          </a:p>
+          <a:p>
+            <a:pPr marL="171450" indent="-171450">
+              <a:buFont typeface="Arial" charset="0"/>
+              <a:buChar char="•"/>
+            </a:pPr>
+            <a:endParaRPr lang="en-NZ" sz="1200" kern="1200" dirty="0" smtClean="0">
+              <a:solidFill>
+                <a:schemeClr val="tx1"/>
+              </a:solidFill>
+              <a:effectLst/>
+              <a:latin typeface="+mn-lt"/>
+              <a:ea typeface="+mn-ea"/>
+              <a:cs typeface="+mn-cs"/>
+            </a:endParaRPr>
+          </a:p>
+          <a:p>
+            <a:pPr marL="171450" indent="-171450">
+              <a:buFont typeface="Arial" charset="0"/>
+              <a:buChar char="•"/>
+            </a:pPr>
+            <a:r>
+              <a:rPr lang="en-NZ" sz="1200" kern="1200" dirty="0" smtClean="0">
+                <a:solidFill>
+                  <a:schemeClr val="tx1"/>
+                </a:solidFill>
+                <a:effectLst/>
+                <a:latin typeface="+mn-lt"/>
+                <a:ea typeface="+mn-ea"/>
+                <a:cs typeface="+mn-cs"/>
+              </a:rPr>
+              <a:t>But there are multiple logically distinct ways to do this important job</a:t>
+            </a:r>
+          </a:p>
+          <a:p>
+            <a:pPr marL="171450" indent="-171450">
+              <a:buFont typeface="Arial" charset="0"/>
+              <a:buChar char="•"/>
+            </a:pPr>
+            <a:endParaRPr lang="en-NZ" sz="1200" kern="1200" dirty="0" smtClean="0">
+              <a:solidFill>
+                <a:schemeClr val="tx1"/>
+              </a:solidFill>
+              <a:effectLst/>
+              <a:latin typeface="+mn-lt"/>
+              <a:ea typeface="+mn-ea"/>
+              <a:cs typeface="+mn-cs"/>
+            </a:endParaRPr>
+          </a:p>
+          <a:p>
+            <a:pPr marL="171450" indent="-171450">
+              <a:buFont typeface="Arial" charset="0"/>
+              <a:buChar char="•"/>
+            </a:pPr>
+            <a:r>
+              <a:rPr lang="en-NZ" sz="1200" kern="1200" dirty="0" smtClean="0">
+                <a:solidFill>
+                  <a:schemeClr val="tx1"/>
+                </a:solidFill>
+                <a:effectLst/>
+                <a:latin typeface="+mn-lt"/>
+                <a:ea typeface="+mn-ea"/>
+                <a:cs typeface="+mn-cs"/>
+              </a:rPr>
+              <a:t>So you descend multiple children. Each exposes the identical function prototype, but the code bodies are different</a:t>
+            </a:r>
+          </a:p>
+          <a:p>
+            <a:pPr marL="171450" indent="-171450">
+              <a:buFont typeface="Arial" charset="0"/>
+              <a:buChar char="•"/>
+            </a:pPr>
+            <a:endParaRPr lang="en-NZ" sz="1200" kern="1200" dirty="0" smtClean="0">
+              <a:solidFill>
+                <a:schemeClr val="tx1"/>
+              </a:solidFill>
+              <a:effectLst/>
+              <a:latin typeface="+mn-lt"/>
+              <a:ea typeface="+mn-ea"/>
+              <a:cs typeface="+mn-cs"/>
+            </a:endParaRPr>
+          </a:p>
+          <a:p>
+            <a:pPr marL="171450" indent="-171450">
+              <a:buFont typeface="Arial" charset="0"/>
+              <a:buChar char="•"/>
+            </a:pPr>
+            <a:r>
+              <a:rPr lang="en-NZ" sz="1200" kern="1200" dirty="0" smtClean="0">
+                <a:solidFill>
+                  <a:schemeClr val="tx1"/>
+                </a:solidFill>
+                <a:effectLst/>
+                <a:latin typeface="+mn-lt"/>
+                <a:ea typeface="+mn-ea"/>
+                <a:cs typeface="+mn-cs"/>
+              </a:rPr>
+              <a:t>At runtime, you create an instance of the child class. When </a:t>
+            </a:r>
+            <a:r>
+              <a:rPr lang="en-NZ" sz="1200" kern="1200" dirty="0" err="1" smtClean="0">
+                <a:solidFill>
+                  <a:schemeClr val="tx1"/>
+                </a:solidFill>
+                <a:effectLst/>
+                <a:latin typeface="+mn-lt"/>
+                <a:ea typeface="+mn-ea"/>
+                <a:cs typeface="+mn-cs"/>
+              </a:rPr>
+              <a:t>ImportantJob</a:t>
+            </a:r>
+            <a:r>
+              <a:rPr lang="en-NZ" sz="1200" kern="1200" dirty="0" smtClean="0">
+                <a:solidFill>
+                  <a:schemeClr val="tx1"/>
+                </a:solidFill>
+                <a:effectLst/>
+                <a:latin typeface="+mn-lt"/>
+                <a:ea typeface="+mn-ea"/>
+                <a:cs typeface="+mn-cs"/>
+              </a:rPr>
+              <a:t> is called, the system executes the corresponding code version</a:t>
+            </a:r>
+          </a:p>
+          <a:p>
+            <a:pPr marL="171450" indent="-171450">
+              <a:buFont typeface="Arial" charset="0"/>
+              <a:buChar char="•"/>
+            </a:pPr>
+            <a:endParaRPr lang="en-NZ" sz="1200" kern="1200" dirty="0" smtClean="0">
+              <a:solidFill>
+                <a:schemeClr val="tx1"/>
+              </a:solidFill>
+              <a:effectLst/>
+              <a:latin typeface="+mn-lt"/>
+              <a:ea typeface="+mn-ea"/>
+              <a:cs typeface="+mn-cs"/>
+            </a:endParaRPr>
+          </a:p>
+          <a:p>
+            <a:pPr marL="171450" indent="-171450">
+              <a:buFont typeface="Arial" charset="0"/>
+              <a:buChar char="•"/>
+            </a:pPr>
+            <a:r>
+              <a:rPr lang="en-NZ" sz="1200" kern="1200" dirty="0" smtClean="0">
+                <a:solidFill>
+                  <a:schemeClr val="tx1"/>
+                </a:solidFill>
+                <a:effectLst/>
+                <a:latin typeface="+mn-lt"/>
+                <a:ea typeface="+mn-ea"/>
+                <a:cs typeface="+mn-cs"/>
+              </a:rPr>
+              <a:t>So we started our sprite class with simple vectorised movement. Then we saw that some sprites need directional movement (players, NPCS) and other sprites need trajectory-based movement (projectiles). So we might choose to descend two classes from sprite. Directional and Trajectory</a:t>
+            </a:r>
+          </a:p>
+          <a:p>
+            <a:pPr marL="171450" indent="-171450">
+              <a:buFont typeface="Arial" charset="0"/>
+              <a:buChar char="•"/>
+            </a:pPr>
+            <a:endParaRPr lang="en-NZ" sz="1200" kern="1200" dirty="0" smtClean="0">
+              <a:solidFill>
+                <a:schemeClr val="tx1"/>
+              </a:solidFill>
+              <a:effectLst/>
+              <a:latin typeface="+mn-lt"/>
+              <a:ea typeface="+mn-ea"/>
+              <a:cs typeface="+mn-cs"/>
+            </a:endParaRPr>
+          </a:p>
+          <a:p>
+            <a:pPr marL="171450" indent="-171450">
+              <a:buFont typeface="Arial" charset="0"/>
+              <a:buChar char="•"/>
+            </a:pPr>
+            <a:r>
+              <a:rPr lang="en-NZ" sz="1200" kern="1200" dirty="0" smtClean="0">
+                <a:solidFill>
+                  <a:schemeClr val="tx1"/>
+                </a:solidFill>
+                <a:effectLst/>
+                <a:latin typeface="+mn-lt"/>
+                <a:ea typeface="+mn-ea"/>
+                <a:cs typeface="+mn-cs"/>
+              </a:rPr>
+              <a:t>Then </a:t>
+            </a:r>
+            <a:r>
+              <a:rPr lang="en-NZ" sz="1200" kern="1200" dirty="0" err="1" smtClean="0">
+                <a:solidFill>
+                  <a:schemeClr val="tx1"/>
+                </a:solidFill>
+                <a:effectLst/>
+                <a:latin typeface="+mn-lt"/>
+                <a:ea typeface="+mn-ea"/>
+                <a:cs typeface="+mn-cs"/>
+              </a:rPr>
+              <a:t>PlayerSprite</a:t>
+            </a:r>
+            <a:r>
+              <a:rPr lang="en-NZ" sz="1200" kern="1200" dirty="0" smtClean="0">
+                <a:solidFill>
+                  <a:schemeClr val="tx1"/>
+                </a:solidFill>
+                <a:effectLst/>
+                <a:latin typeface="+mn-lt"/>
+                <a:ea typeface="+mn-ea"/>
+                <a:cs typeface="+mn-cs"/>
+              </a:rPr>
+              <a:t>/</a:t>
+            </a:r>
+            <a:r>
+              <a:rPr lang="en-NZ" sz="1200" kern="1200" dirty="0" err="1" smtClean="0">
+                <a:solidFill>
+                  <a:schemeClr val="tx1"/>
+                </a:solidFill>
+                <a:effectLst/>
+                <a:latin typeface="+mn-lt"/>
+                <a:ea typeface="+mn-ea"/>
+                <a:cs typeface="+mn-cs"/>
+              </a:rPr>
+              <a:t>InventorySprite</a:t>
+            </a:r>
+            <a:r>
+              <a:rPr lang="en-NZ" sz="1200" kern="1200" dirty="0" smtClean="0">
+                <a:solidFill>
+                  <a:schemeClr val="tx1"/>
+                </a:solidFill>
+                <a:effectLst/>
+                <a:latin typeface="+mn-lt"/>
+                <a:ea typeface="+mn-ea"/>
+                <a:cs typeface="+mn-cs"/>
+              </a:rPr>
+              <a:t> would descend from Directional. Or you might go Sprite-&gt;Inventory-&gt;Player</a:t>
+            </a:r>
+          </a:p>
+          <a:p>
+            <a:pPr marL="171450" indent="-171450">
+              <a:buFont typeface="Arial" charset="0"/>
+              <a:buChar char="•"/>
+            </a:pPr>
+            <a:endParaRPr lang="en-NZ" sz="1200" kern="1200" dirty="0" smtClean="0">
+              <a:solidFill>
+                <a:schemeClr val="tx1"/>
+              </a:solidFill>
+              <a:effectLst/>
+              <a:latin typeface="+mn-lt"/>
+              <a:ea typeface="+mn-ea"/>
+              <a:cs typeface="+mn-cs"/>
+            </a:endParaRPr>
+          </a:p>
+          <a:p>
+            <a:pPr marL="171450" indent="-171450">
+              <a:buFont typeface="Arial" charset="0"/>
+              <a:buChar char="•"/>
+            </a:pPr>
+            <a:r>
+              <a:rPr lang="en-NZ" sz="1200" kern="1200" dirty="0" smtClean="0">
+                <a:solidFill>
+                  <a:schemeClr val="tx1"/>
+                </a:solidFill>
+                <a:effectLst/>
+                <a:latin typeface="+mn-lt"/>
+                <a:ea typeface="+mn-ea"/>
+                <a:cs typeface="+mn-cs"/>
+              </a:rPr>
+              <a:t>At this point you can see one of the risks associated with inheritance – cumbersome </a:t>
+            </a:r>
+            <a:r>
+              <a:rPr lang="en-NZ" sz="1200" kern="1200" dirty="0" err="1" smtClean="0">
+                <a:solidFill>
+                  <a:schemeClr val="tx1"/>
+                </a:solidFill>
+                <a:effectLst/>
+                <a:latin typeface="+mn-lt"/>
+                <a:ea typeface="+mn-ea"/>
+                <a:cs typeface="+mn-cs"/>
+              </a:rPr>
+              <a:t>heirarchies</a:t>
+            </a:r>
+            <a:endParaRPr lang="en-NZ" sz="1200" kern="1200" dirty="0" smtClean="0">
+              <a:solidFill>
+                <a:schemeClr val="tx1"/>
+              </a:solidFill>
+              <a:effectLst/>
+              <a:latin typeface="+mn-lt"/>
+              <a:ea typeface="+mn-ea"/>
+              <a:cs typeface="+mn-cs"/>
+            </a:endParaRPr>
+          </a:p>
+          <a:p>
+            <a:pPr marL="171450" indent="-171450">
+              <a:buFont typeface="Arial" charset="0"/>
+              <a:buChar char="•"/>
+            </a:pPr>
+            <a:endParaRPr lang="en-NZ" sz="1200" kern="1200" dirty="0" smtClean="0">
+              <a:solidFill>
+                <a:schemeClr val="tx1"/>
+              </a:solidFill>
+              <a:effectLst/>
+              <a:latin typeface="+mn-lt"/>
+              <a:ea typeface="+mn-ea"/>
+              <a:cs typeface="+mn-cs"/>
+            </a:endParaRPr>
+          </a:p>
+          <a:p>
+            <a:pPr marL="171450" indent="-171450">
+              <a:buFont typeface="Arial" charset="0"/>
+              <a:buChar char="•"/>
+            </a:pPr>
+            <a:r>
+              <a:rPr lang="en-NZ" sz="1200" kern="1200" dirty="0" smtClean="0">
+                <a:solidFill>
+                  <a:schemeClr val="tx1"/>
+                </a:solidFill>
+                <a:effectLst/>
+                <a:latin typeface="+mn-lt"/>
+                <a:ea typeface="+mn-ea"/>
+                <a:cs typeface="+mn-cs"/>
+              </a:rPr>
+              <a:t>Can you think of a way to implement this directional/trajectory distinction without inheritance? </a:t>
+            </a:r>
+          </a:p>
+          <a:p>
+            <a:pPr marL="628650" lvl="1" indent="-171450">
+              <a:buFont typeface="Arial" charset="0"/>
+              <a:buChar char="•"/>
+            </a:pPr>
+            <a:r>
+              <a:rPr lang="en-NZ" sz="1200" kern="1200" dirty="0" smtClean="0">
+                <a:solidFill>
+                  <a:schemeClr val="tx1"/>
+                </a:solidFill>
+                <a:effectLst/>
+                <a:latin typeface="+mn-lt"/>
+                <a:ea typeface="+mn-ea"/>
+                <a:cs typeface="+mn-cs"/>
+              </a:rPr>
+              <a:t>State variables and a switch in the move method</a:t>
+            </a:r>
+          </a:p>
+          <a:p>
+            <a:pPr marL="628650" lvl="1" indent="-171450">
+              <a:buFont typeface="Arial" charset="0"/>
+              <a:buChar char="•"/>
+            </a:pPr>
+            <a:r>
+              <a:rPr lang="en-NZ" sz="1200" kern="1200" dirty="0" smtClean="0">
+                <a:solidFill>
+                  <a:schemeClr val="tx1"/>
+                </a:solidFill>
+                <a:effectLst/>
+                <a:latin typeface="+mn-lt"/>
+                <a:ea typeface="+mn-ea"/>
+                <a:cs typeface="+mn-cs"/>
+              </a:rPr>
+              <a:t>This would allow you to have a player character who could also jump</a:t>
+            </a:r>
+          </a:p>
+          <a:p>
+            <a:pPr marL="628650" lvl="1" indent="-171450">
+              <a:buFont typeface="Arial" charset="0"/>
+              <a:buChar char="•"/>
+            </a:pPr>
+            <a:r>
+              <a:rPr lang="en-NZ" sz="1200" kern="1200" dirty="0" smtClean="0">
+                <a:solidFill>
+                  <a:schemeClr val="tx1"/>
+                </a:solidFill>
+                <a:effectLst/>
+                <a:latin typeface="+mn-lt"/>
+                <a:ea typeface="+mn-ea"/>
+                <a:cs typeface="+mn-cs"/>
+              </a:rPr>
+              <a:t>Some might mention interfaces. Also a possibility</a:t>
+            </a:r>
             <a:endParaRPr lang="en-NZ" sz="1200" kern="1200" dirty="0" smtClean="0">
               <a:solidFill>
                 <a:schemeClr val="tx1"/>
@@ -819,6 +2599,237 @@
               <a:buFont typeface="Arial" charset="0"/>
               <a:buChar char="•"/>
             </a:pPr>
+            <a:r>
+              <a:rPr lang="en-NZ" sz="1200" kern="1200" dirty="0" smtClean="0">
+                <a:solidFill>
+                  <a:schemeClr val="tx1"/>
+                </a:solidFill>
+                <a:effectLst/>
+                <a:latin typeface="+mn-lt"/>
+                <a:ea typeface="+mn-ea"/>
+                <a:cs typeface="+mn-cs"/>
+              </a:rPr>
+              <a:t>You can very quickly find yourself needing 100s of classes to make all the feature sets you need. Dependency injection (strategy pattern) is a better solution here (cf. OOSD)</a:t>
+            </a:r>
+          </a:p>
+          <a:p>
+            <a:pPr marL="171450" indent="-171450">
+              <a:buFont typeface="Arial" charset="0"/>
+              <a:buChar char="•"/>
+            </a:pPr>
+            <a:endParaRPr lang="en-NZ" sz="1200" kern="1200" dirty="0" smtClean="0">
+              <a:solidFill>
+                <a:schemeClr val="tx1"/>
+              </a:solidFill>
+              <a:effectLst/>
+              <a:latin typeface="+mn-lt"/>
+              <a:ea typeface="+mn-ea"/>
+              <a:cs typeface="+mn-cs"/>
+            </a:endParaRPr>
+          </a:p>
+          <a:p>
+            <a:pPr marL="171450" indent="-171450">
+              <a:buFont typeface="Arial" charset="0"/>
+              <a:buChar char="•"/>
+            </a:pPr>
+            <a:r>
+              <a:rPr lang="en-NZ" sz="1200" kern="1200" dirty="0" smtClean="0">
+                <a:solidFill>
+                  <a:schemeClr val="tx1"/>
+                </a:solidFill>
+                <a:effectLst/>
+                <a:latin typeface="+mn-lt"/>
+                <a:ea typeface="+mn-ea"/>
+                <a:cs typeface="+mn-cs"/>
+              </a:rPr>
+              <a:t>Especially in the absence of multiple inheritance it can get awkward</a:t>
+            </a:r>
+          </a:p>
+          <a:p>
+            <a:pPr marL="171450" indent="-171450">
+              <a:buFont typeface="Arial" charset="0"/>
+              <a:buChar char="•"/>
+            </a:pPr>
+            <a:endParaRPr lang="en-NZ" sz="1200" kern="1200" dirty="0" smtClean="0">
+              <a:solidFill>
+                <a:schemeClr val="tx1"/>
+              </a:solidFill>
+              <a:effectLst/>
+              <a:latin typeface="+mn-lt"/>
+              <a:ea typeface="+mn-ea"/>
+              <a:cs typeface="+mn-cs"/>
+            </a:endParaRPr>
+          </a:p>
+          <a:p>
+            <a:pPr marL="171450" indent="-171450">
+              <a:buFont typeface="Arial" charset="0"/>
+              <a:buChar char="•"/>
+            </a:pPr>
+            <a:r>
+              <a:rPr lang="en-NZ" sz="1200" kern="1200" dirty="0" smtClean="0">
+                <a:solidFill>
+                  <a:schemeClr val="tx1"/>
+                </a:solidFill>
+                <a:effectLst/>
+                <a:latin typeface="+mn-lt"/>
+                <a:ea typeface="+mn-ea"/>
+                <a:cs typeface="+mn-cs"/>
+              </a:rPr>
+              <a:t>E.G. We really want our player character to descend from </a:t>
+            </a:r>
+            <a:r>
+              <a:rPr lang="en-NZ" sz="1200" kern="1200" dirty="0" err="1" smtClean="0">
+                <a:solidFill>
+                  <a:schemeClr val="tx1"/>
+                </a:solidFill>
+                <a:effectLst/>
+                <a:latin typeface="+mn-lt"/>
+                <a:ea typeface="+mn-ea"/>
+                <a:cs typeface="+mn-cs"/>
+              </a:rPr>
+              <a:t>DirectionalSprite</a:t>
+            </a:r>
+            <a:r>
+              <a:rPr lang="en-NZ" sz="1200" kern="1200" dirty="0" smtClean="0">
+                <a:solidFill>
+                  <a:schemeClr val="tx1"/>
+                </a:solidFill>
+                <a:effectLst/>
+                <a:latin typeface="+mn-lt"/>
+                <a:ea typeface="+mn-ea"/>
+                <a:cs typeface="+mn-cs"/>
+              </a:rPr>
+              <a:t> and </a:t>
+            </a:r>
+            <a:r>
+              <a:rPr lang="en-NZ" sz="1200" kern="1200" dirty="0" err="1" smtClean="0">
+                <a:solidFill>
+                  <a:schemeClr val="tx1"/>
+                </a:solidFill>
+                <a:effectLst/>
+                <a:latin typeface="+mn-lt"/>
+                <a:ea typeface="+mn-ea"/>
+                <a:cs typeface="+mn-cs"/>
+              </a:rPr>
+              <a:t>InventorySprite</a:t>
+            </a:r>
+            <a:r>
+              <a:rPr lang="en-NZ" sz="1200" kern="1200" dirty="0" smtClean="0">
+                <a:solidFill>
+                  <a:schemeClr val="tx1"/>
+                </a:solidFill>
+                <a:effectLst/>
+                <a:latin typeface="+mn-lt"/>
+                <a:ea typeface="+mn-ea"/>
+                <a:cs typeface="+mn-cs"/>
+              </a:rPr>
+              <a:t> to combine the features of the two</a:t>
+            </a:r>
+          </a:p>
+          <a:p>
+            <a:pPr marL="171450" indent="-171450">
+              <a:buFont typeface="Arial" charset="0"/>
+              <a:buChar char="•"/>
+            </a:pPr>
+            <a:endParaRPr lang="en-NZ" sz="1200" kern="1200" dirty="0" smtClean="0">
+              <a:solidFill>
+                <a:schemeClr val="tx1"/>
+              </a:solidFill>
+              <a:effectLst/>
+              <a:latin typeface="+mn-lt"/>
+              <a:ea typeface="+mn-ea"/>
+              <a:cs typeface="+mn-cs"/>
+            </a:endParaRPr>
+          </a:p>
+          <a:p>
+            <a:pPr marL="171450" indent="-171450">
+              <a:buFont typeface="Arial" charset="0"/>
+              <a:buChar char="•"/>
+            </a:pPr>
+            <a:r>
+              <a:rPr lang="en-NZ" sz="1200" kern="1200" dirty="0" smtClean="0">
+                <a:solidFill>
+                  <a:schemeClr val="tx1"/>
+                </a:solidFill>
+                <a:effectLst/>
+                <a:latin typeface="+mn-lt"/>
+                <a:ea typeface="+mn-ea"/>
+                <a:cs typeface="+mn-cs"/>
+              </a:rPr>
+              <a:t>For linguistic reasons (specifically, potential ambiguity) most modern languages don’t allow this</a:t>
+            </a:r>
+          </a:p>
+          <a:p>
+            <a:pPr marL="171450" indent="-171450">
+              <a:buFont typeface="Arial" charset="0"/>
+              <a:buChar char="•"/>
+            </a:pPr>
+            <a:endParaRPr lang="en-NZ" sz="1200" kern="1200" dirty="0" smtClean="0">
+              <a:solidFill>
+                <a:schemeClr val="tx1"/>
+              </a:solidFill>
+              <a:effectLst/>
+              <a:latin typeface="+mn-lt"/>
+              <a:ea typeface="+mn-ea"/>
+              <a:cs typeface="+mn-cs"/>
+            </a:endParaRPr>
+          </a:p>
+          <a:p>
+            <a:pPr marL="171450" indent="-171450">
+              <a:buFont typeface="Arial" charset="0"/>
+              <a:buChar char="•"/>
+            </a:pPr>
+            <a:r>
+              <a:rPr lang="en-NZ" sz="1200" kern="1200" dirty="0" smtClean="0">
+                <a:solidFill>
+                  <a:schemeClr val="tx1"/>
+                </a:solidFill>
+                <a:effectLst/>
+                <a:latin typeface="+mn-lt"/>
+                <a:ea typeface="+mn-ea"/>
+                <a:cs typeface="+mn-cs"/>
+              </a:rPr>
+              <a:t>Interfaces are your friend here (cf. OOSD)</a:t>
+            </a:r>
+          </a:p>
+          <a:p>
+            <a:pPr marL="171450" indent="-171450">
+              <a:buFont typeface="Arial" charset="0"/>
+              <a:buChar char="•"/>
+            </a:pPr>
+            <a:endParaRPr lang="en-NZ" sz="1200" kern="1200" dirty="0" smtClean="0">
+              <a:solidFill>
+                <a:schemeClr val="tx1"/>
+              </a:solidFill>
+              <a:effectLst/>
+              <a:latin typeface="+mn-lt"/>
+              <a:ea typeface="+mn-ea"/>
+              <a:cs typeface="+mn-cs"/>
+            </a:endParaRPr>
+          </a:p>
+          <a:p>
+            <a:pPr marL="171450" indent="-171450">
+              <a:buFont typeface="Arial" charset="0"/>
+              <a:buChar char="•"/>
+            </a:pPr>
+            <a:r>
+              <a:rPr lang="en-NZ" sz="1200" kern="1200" dirty="0" smtClean="0">
+                <a:solidFill>
+                  <a:schemeClr val="tx1"/>
+                </a:solidFill>
+                <a:effectLst/>
+                <a:latin typeface="+mn-lt"/>
+                <a:ea typeface="+mn-ea"/>
+                <a:cs typeface="+mn-cs"/>
+              </a:rPr>
+              <a:t>Hidden functionality is the worst one. You can’t see what the child can do just by looking at its .h file. The deeper your hierarchy, the worse it gets</a:t>
+            </a:r>
+          </a:p>
+          <a:p>
+            <a:pPr marL="171450" indent="-171450">
+              <a:buFont typeface="Arial" charset="0"/>
+              <a:buChar char="•"/>
+            </a:pPr>
             <a:endParaRPr lang="en-NZ" sz="1200" kern="1200" dirty="0" smtClean="0">
               <a:solidFill>
                 <a:schemeClr val="tx1"/>
@@ -915,6 +2926,51 @@
               <a:buFont typeface="Arial" charset="0"/>
               <a:buChar char="•"/>
             </a:pPr>
+            <a:r>
+              <a:rPr lang="en-NZ" sz="1200" kern="1200" dirty="0" smtClean="0">
+                <a:solidFill>
+                  <a:schemeClr val="tx1"/>
+                </a:solidFill>
+                <a:effectLst/>
+                <a:latin typeface="+mn-lt"/>
+                <a:ea typeface="+mn-ea"/>
+                <a:cs typeface="+mn-cs"/>
+              </a:rPr>
+              <a:t>Aggregation/Composition is the preferred technique here</a:t>
+            </a:r>
+          </a:p>
+          <a:p>
+            <a:pPr marL="171450" indent="-171450">
+              <a:buFont typeface="Arial" charset="0"/>
+              <a:buChar char="•"/>
+            </a:pPr>
+            <a:endParaRPr lang="en-NZ" sz="1200" kern="1200" dirty="0" smtClean="0">
+              <a:solidFill>
+                <a:schemeClr val="tx1"/>
+              </a:solidFill>
+              <a:effectLst/>
+              <a:latin typeface="+mn-lt"/>
+              <a:ea typeface="+mn-ea"/>
+              <a:cs typeface="+mn-cs"/>
+            </a:endParaRPr>
+          </a:p>
+          <a:p>
+            <a:pPr marL="171450" indent="-171450">
+              <a:buFont typeface="Arial" charset="0"/>
+              <a:buChar char="•"/>
+            </a:pPr>
+            <a:r>
+              <a:rPr lang="en-NZ" sz="1200" b="0" i="0" kern="1200" dirty="0" smtClean="0">
+                <a:solidFill>
+                  <a:schemeClr val="tx1"/>
+                </a:solidFill>
+                <a:effectLst/>
+                <a:latin typeface="+mn-lt"/>
+                <a:ea typeface="+mn-ea"/>
+                <a:cs typeface="+mn-cs"/>
+              </a:rPr>
+              <a:t>Using composition and interfaces to achieve code reuse and polymorphism</a:t>
+            </a:r>
             <a:endParaRPr lang="en-NZ" sz="1200" kern="1200" dirty="0" smtClean="0">
               <a:solidFill>
                 <a:schemeClr val="tx1"/>
@@ -1011,6 +3067,48 @@
               <a:buFont typeface="Arial" charset="0"/>
               <a:buChar char="•"/>
             </a:pPr>
+            <a:r>
+              <a:rPr lang="en-NZ" sz="1200" kern="1200" dirty="0" smtClean="0">
+                <a:solidFill>
+                  <a:schemeClr val="tx1"/>
+                </a:solidFill>
+                <a:effectLst/>
+                <a:latin typeface="+mn-lt"/>
+                <a:ea typeface="+mn-ea"/>
+                <a:cs typeface="+mn-cs"/>
+              </a:rPr>
+              <a:t>Assume this class, with .h on the left and .</a:t>
+            </a:r>
+            <a:r>
+              <a:rPr lang="en-NZ" sz="1200" kern="1200" dirty="0" err="1" smtClean="0">
+                <a:solidFill>
+                  <a:schemeClr val="tx1"/>
+                </a:solidFill>
+                <a:effectLst/>
+                <a:latin typeface="+mn-lt"/>
+                <a:ea typeface="+mn-ea"/>
+                <a:cs typeface="+mn-cs"/>
+              </a:rPr>
+              <a:t>cpp</a:t>
+            </a:r>
+            <a:r>
+              <a:rPr lang="en-NZ" sz="1200" kern="1200" dirty="0" smtClean="0">
+                <a:solidFill>
+                  <a:schemeClr val="tx1"/>
+                </a:solidFill>
+                <a:effectLst/>
+                <a:latin typeface="+mn-lt"/>
+                <a:ea typeface="+mn-ea"/>
+                <a:cs typeface="+mn-cs"/>
+              </a:rPr>
+              <a:t> on the right</a:t>
+            </a:r>
+          </a:p>
+          <a:p>
+            <a:pPr marL="171450" indent="-171450">
+              <a:buFont typeface="Arial" charset="0"/>
+              <a:buChar char="•"/>
+            </a:pPr>
             <a:endParaRPr lang="en-NZ" sz="1200" kern="1200" dirty="0" smtClean="0">
               <a:solidFill>
                 <a:schemeClr val="tx1"/>
@@ -1021,6 +3119,165 @@
               <a:cs typeface="+mn-cs"/>
             </a:endParaRPr>
           </a:p>
+          <a:p>
+            <a:pPr marL="171450" indent="-171450">
+              <a:buFont typeface="Arial" charset="0"/>
+              <a:buChar char="•"/>
+            </a:pPr>
+            <a:r>
+              <a:rPr lang="en-NZ" sz="1200" kern="1200" dirty="0" smtClean="0">
+                <a:solidFill>
+                  <a:schemeClr val="tx1"/>
+                </a:solidFill>
+                <a:effectLst/>
+                <a:latin typeface="+mn-lt"/>
+                <a:ea typeface="+mn-ea"/>
+                <a:cs typeface="+mn-cs"/>
+              </a:rPr>
+              <a:t>We are going to descend from it</a:t>
+            </a:r>
+          </a:p>
+          <a:p>
+            <a:pPr marL="171450" indent="-171450">
+              <a:buFont typeface="Arial" charset="0"/>
+              <a:buChar char="•"/>
+            </a:pPr>
+            <a:r>
+              <a:rPr lang="en-NZ" sz="1200" kern="1200" dirty="0" smtClean="0">
+                <a:solidFill>
+                  <a:schemeClr val="tx1"/>
+                </a:solidFill>
+                <a:effectLst/>
+                <a:latin typeface="+mn-lt"/>
+                <a:ea typeface="+mn-ea"/>
+                <a:cs typeface="+mn-cs"/>
+              </a:rPr>
+              <a:t>What will the children have?</a:t>
+            </a:r>
+          </a:p>
+          <a:p>
+            <a:pPr marL="628650" lvl="1" indent="-171450">
+              <a:buFont typeface="Arial" charset="0"/>
+              <a:buChar char="•"/>
+            </a:pPr>
+            <a:r>
+              <a:rPr lang="en-NZ" sz="1200" kern="1200" dirty="0" smtClean="0">
+                <a:solidFill>
+                  <a:schemeClr val="tx1"/>
+                </a:solidFill>
+                <a:effectLst/>
+                <a:latin typeface="+mn-lt"/>
+                <a:ea typeface="+mn-ea"/>
+                <a:cs typeface="+mn-cs"/>
+              </a:rPr>
+              <a:t>An </a:t>
+            </a:r>
+            <a:r>
+              <a:rPr lang="en-NZ" sz="1200" kern="1200" dirty="0" err="1" smtClean="0">
+                <a:solidFill>
+                  <a:schemeClr val="tx1"/>
+                </a:solidFill>
+                <a:effectLst/>
+                <a:latin typeface="+mn-lt"/>
+                <a:ea typeface="+mn-ea"/>
+                <a:cs typeface="+mn-cs"/>
+              </a:rPr>
+              <a:t>int</a:t>
+            </a:r>
+            <a:r>
+              <a:rPr lang="en-NZ" sz="1200" kern="1200" dirty="0" smtClean="0">
+                <a:solidFill>
+                  <a:schemeClr val="tx1"/>
+                </a:solidFill>
+                <a:effectLst/>
+                <a:latin typeface="+mn-lt"/>
+                <a:ea typeface="+mn-ea"/>
+                <a:cs typeface="+mn-cs"/>
+              </a:rPr>
+              <a:t> </a:t>
+            </a:r>
+            <a:r>
+              <a:rPr lang="en-NZ" sz="1200" kern="1200" dirty="0" err="1" smtClean="0">
+                <a:solidFill>
+                  <a:schemeClr val="tx1"/>
+                </a:solidFill>
+                <a:effectLst/>
+                <a:latin typeface="+mn-lt"/>
+                <a:ea typeface="+mn-ea"/>
+                <a:cs typeface="+mn-cs"/>
+              </a:rPr>
+              <a:t>idNumber</a:t>
+            </a:r>
+            <a:r>
+              <a:rPr lang="en-NZ" sz="1200" kern="1200" dirty="0" smtClean="0">
+                <a:solidFill>
+                  <a:schemeClr val="tx1"/>
+                </a:solidFill>
+                <a:effectLst/>
+                <a:latin typeface="+mn-lt"/>
+                <a:ea typeface="+mn-ea"/>
+                <a:cs typeface="+mn-cs"/>
+              </a:rPr>
+              <a:t> with set and get methods</a:t>
+            </a:r>
+          </a:p>
+          <a:p>
+            <a:pPr marL="628650" lvl="1" indent="-171450">
+              <a:buFont typeface="Arial" charset="0"/>
+              <a:buChar char="•"/>
+            </a:pPr>
+            <a:r>
+              <a:rPr lang="en-NZ" sz="1200" kern="1200" dirty="0" smtClean="0">
+                <a:solidFill>
+                  <a:schemeClr val="tx1"/>
+                </a:solidFill>
+                <a:effectLst/>
+                <a:latin typeface="+mn-lt"/>
+                <a:ea typeface="+mn-ea"/>
+                <a:cs typeface="+mn-cs"/>
+              </a:rPr>
+              <a:t>A method </a:t>
+            </a:r>
+            <a:r>
+              <a:rPr lang="en-NZ" sz="1200" kern="1200" dirty="0" err="1" smtClean="0">
+                <a:solidFill>
+                  <a:schemeClr val="tx1"/>
+                </a:solidFill>
+                <a:effectLst/>
+                <a:latin typeface="+mn-lt"/>
+                <a:ea typeface="+mn-ea"/>
+                <a:cs typeface="+mn-cs"/>
+              </a:rPr>
+              <a:t>commonMethod</a:t>
+            </a:r>
+            <a:r>
+              <a:rPr lang="en-NZ" sz="1200" kern="1200" dirty="0" smtClean="0">
+                <a:solidFill>
+                  <a:schemeClr val="tx1"/>
+                </a:solidFill>
+                <a:effectLst/>
+                <a:latin typeface="+mn-lt"/>
+                <a:ea typeface="+mn-ea"/>
+                <a:cs typeface="+mn-cs"/>
+              </a:rPr>
+              <a:t> as shown</a:t>
+            </a:r>
+          </a:p>
+          <a:p>
+            <a:pPr marL="171450" indent="-171450">
+              <a:buFont typeface="Arial" charset="0"/>
+              <a:buChar char="•"/>
+            </a:pPr>
+            <a:endParaRPr lang="en-NZ" sz="1200" kern="1200" dirty="0" smtClean="0">
+              <a:solidFill>
+                <a:schemeClr val="tx1"/>
+              </a:solidFill>
+              <a:effectLst/>
+              <a:latin typeface="+mn-lt"/>
+              <a:ea typeface="+mn-ea"/>
+              <a:cs typeface="+mn-cs"/>
+            </a:endParaRPr>
+          </a:p>
         </p:txBody>
       </p:sp>
       <p:sp>
@@ -1049,7 +3306,7 @@
     </p:spTree>
     <p:extLst>
       <p:ext uri="{BB962C8B-B14F-4D97-AF65-F5344CB8AC3E}">
-        <p14:creationId xmlns:p14="http://schemas.microsoft.com/office/powerpoint/2010/main" val="3085798134"/>
+        <p14:creationId xmlns:p14="http://schemas.microsoft.com/office/powerpoint/2010/main" val="2722892864"/>
       </p:ext>
     </p:extLst>
   </p:cSld>
@@ -1107,6 +3364,24 @@
               <a:buFont typeface="Arial" charset="0"/>
               <a:buChar char="•"/>
             </a:pPr>
+            <a:r>
+              <a:rPr lang="en-NZ" sz="1200" kern="1200" dirty="0" smtClean="0">
+                <a:solidFill>
+                  <a:schemeClr val="tx1"/>
+                </a:solidFill>
+                <a:effectLst/>
+                <a:latin typeface="+mn-lt"/>
+                <a:ea typeface="+mn-ea"/>
+                <a:cs typeface="+mn-cs"/>
+              </a:rPr>
+              <a:t>The first inheritance use case – a child needs additional functionality </a:t>
+            </a:r>
+          </a:p>
+          <a:p>
+            <a:pPr marL="171450" indent="-171450">
+              <a:buFont typeface="Arial" charset="0"/>
+              <a:buChar char="•"/>
+            </a:pPr>
             <a:endParaRPr lang="en-NZ" sz="1200" kern="1200" dirty="0" smtClean="0">
               <a:solidFill>
                 <a:schemeClr val="tx1"/>
@@ -1117,6 +3392,171 @@
               <a:cs typeface="+mn-cs"/>
             </a:endParaRPr>
           </a:p>
+          <a:p>
+            <a:pPr marL="171450" indent="-171450">
+              <a:buFont typeface="Arial" charset="0"/>
+              <a:buChar char="•"/>
+            </a:pPr>
+            <a:r>
+              <a:rPr lang="en-NZ" sz="1200" kern="1200" dirty="0" smtClean="0">
+                <a:solidFill>
+                  <a:schemeClr val="tx1"/>
+                </a:solidFill>
+                <a:effectLst/>
+                <a:latin typeface="+mn-lt"/>
+                <a:ea typeface="+mn-ea"/>
+                <a:cs typeface="+mn-cs"/>
+              </a:rPr>
+              <a:t>Descend with :public and the name of the base class</a:t>
+            </a:r>
+          </a:p>
+          <a:p>
+            <a:pPr marL="171450" indent="-171450">
+              <a:buFont typeface="Arial" charset="0"/>
+              <a:buChar char="•"/>
+            </a:pPr>
+            <a:endParaRPr lang="en-NZ" sz="1200" kern="1200" dirty="0" smtClean="0">
+              <a:solidFill>
+                <a:schemeClr val="tx1"/>
+              </a:solidFill>
+              <a:effectLst/>
+              <a:latin typeface="+mn-lt"/>
+              <a:ea typeface="+mn-ea"/>
+              <a:cs typeface="+mn-cs"/>
+            </a:endParaRPr>
+          </a:p>
+          <a:p>
+            <a:pPr marL="171450" indent="-171450">
+              <a:buFont typeface="Arial" charset="0"/>
+              <a:buChar char="•"/>
+            </a:pPr>
+            <a:r>
+              <a:rPr lang="en-NZ" sz="1200" kern="1200" dirty="0" smtClean="0">
+                <a:solidFill>
+                  <a:schemeClr val="tx1"/>
+                </a:solidFill>
+                <a:effectLst/>
+                <a:latin typeface="+mn-lt"/>
+                <a:ea typeface="+mn-ea"/>
+                <a:cs typeface="+mn-cs"/>
+              </a:rPr>
+              <a:t>This is equivalent to the extends keyword in Java</a:t>
+            </a:r>
+          </a:p>
+          <a:p>
+            <a:pPr marL="171450" indent="-171450">
+              <a:buFont typeface="Arial" charset="0"/>
+              <a:buChar char="•"/>
+            </a:pPr>
+            <a:endParaRPr lang="en-NZ" sz="1200" kern="1200" dirty="0" smtClean="0">
+              <a:solidFill>
+                <a:schemeClr val="tx1"/>
+              </a:solidFill>
+              <a:effectLst/>
+              <a:latin typeface="+mn-lt"/>
+              <a:ea typeface="+mn-ea"/>
+              <a:cs typeface="+mn-cs"/>
+            </a:endParaRPr>
+          </a:p>
+          <a:p>
+            <a:pPr marL="171450" indent="-171450">
+              <a:buFont typeface="Arial" charset="0"/>
+              <a:buChar char="•"/>
+            </a:pPr>
+            <a:r>
+              <a:rPr lang="en-NZ" sz="1200" kern="1200" dirty="0" smtClean="0">
+                <a:solidFill>
+                  <a:schemeClr val="tx1"/>
+                </a:solidFill>
+                <a:effectLst/>
+                <a:latin typeface="+mn-lt"/>
+                <a:ea typeface="+mn-ea"/>
+                <a:cs typeface="+mn-cs"/>
+              </a:rPr>
+              <a:t>There is private inheritance as well, but it is out of scope for us</a:t>
+            </a:r>
+          </a:p>
+          <a:p>
+            <a:pPr marL="171450" indent="-171450">
+              <a:buFont typeface="Arial" charset="0"/>
+              <a:buChar char="•"/>
+            </a:pPr>
+            <a:endParaRPr lang="en-NZ" sz="1200" kern="1200" dirty="0" smtClean="0">
+              <a:solidFill>
+                <a:schemeClr val="tx1"/>
+              </a:solidFill>
+              <a:effectLst/>
+              <a:latin typeface="+mn-lt"/>
+              <a:ea typeface="+mn-ea"/>
+              <a:cs typeface="+mn-cs"/>
+            </a:endParaRPr>
+          </a:p>
+          <a:p>
+            <a:pPr marL="171450" indent="-171450">
+              <a:buFont typeface="Arial" charset="0"/>
+              <a:buChar char="•"/>
+            </a:pPr>
+            <a:r>
+              <a:rPr lang="en-NZ" sz="1200" kern="1200" dirty="0" smtClean="0">
+                <a:solidFill>
+                  <a:schemeClr val="tx1"/>
+                </a:solidFill>
+                <a:effectLst/>
+                <a:latin typeface="+mn-lt"/>
+                <a:ea typeface="+mn-ea"/>
+                <a:cs typeface="+mn-cs"/>
+              </a:rPr>
+              <a:t>Make sure to include the parent’s .h file to put the parent type in scope</a:t>
+            </a:r>
+          </a:p>
+          <a:p>
+            <a:pPr marL="171450" indent="-171450">
+              <a:buFont typeface="Arial" charset="0"/>
+              <a:buChar char="•"/>
+            </a:pPr>
+            <a:endParaRPr lang="en-NZ" sz="1200" kern="1200" dirty="0" smtClean="0">
+              <a:solidFill>
+                <a:schemeClr val="tx1"/>
+              </a:solidFill>
+              <a:effectLst/>
+              <a:latin typeface="+mn-lt"/>
+              <a:ea typeface="+mn-ea"/>
+              <a:cs typeface="+mn-cs"/>
+            </a:endParaRPr>
+          </a:p>
+          <a:p>
+            <a:pPr marL="171450" indent="-171450">
+              <a:buFont typeface="Arial" charset="0"/>
+              <a:buChar char="•"/>
+            </a:pPr>
+            <a:r>
+              <a:rPr lang="en-NZ" sz="1200" kern="1200" dirty="0" smtClean="0">
+                <a:solidFill>
+                  <a:schemeClr val="tx1"/>
+                </a:solidFill>
+                <a:effectLst/>
+                <a:latin typeface="+mn-lt"/>
+                <a:ea typeface="+mn-ea"/>
+                <a:cs typeface="+mn-cs"/>
+              </a:rPr>
+              <a:t>If you fill in the base class box in the class creation wizard, it does this bit for you</a:t>
+            </a:r>
+          </a:p>
+          <a:p>
+            <a:pPr marL="171450" indent="-171450">
+              <a:buFont typeface="Arial" charset="0"/>
+              <a:buChar char="•"/>
+            </a:pPr>
+            <a:endParaRPr lang="en-NZ" sz="1200" kern="1200" dirty="0" smtClean="0">
+              <a:solidFill>
+                <a:schemeClr val="tx1"/>
+              </a:solidFill>
+              <a:effectLst/>
+              <a:latin typeface="+mn-lt"/>
+              <a:ea typeface="+mn-ea"/>
+              <a:cs typeface="+mn-cs"/>
+            </a:endParaRPr>
+          </a:p>
         </p:txBody>
       </p:sp>
       <p:sp>
@@ -1145,7 +3585,310 @@
     </p:spTree>
     <p:extLst>
       <p:ext uri="{BB962C8B-B14F-4D97-AF65-F5344CB8AC3E}">
-        <p14:creationId xmlns:p14="http://schemas.microsoft.com/office/powerpoint/2010/main" val="481793236"/>
+        <p14:creationId xmlns:p14="http://schemas.microsoft.com/office/powerpoint/2010/main" val="2550340432"/>
+      </p:ext>
+    </p:extLst>
+  </p:cSld>
+  <p:clrMapOvr>
+    <a:masterClrMapping/>
+  </p:clrMapOvr>
+</p:notes>
+</file>
+
+<file path=ppt/notesSlides/notesSlide8.xml><?xml version="1.0" encoding="utf-8"?>
+<p:notes xmlns:a="http://schemas.openxmlformats.org/drawingml/2006/main" xmlns:r="http://schemas.openxmlformats.org/officeDocument/2006/relationships" xmlns:p="http://schemas.openxmlformats.org/presentationml/2006/main">
+  <p:cSld>
+    <p:spTree>
+      <p:nvGrpSpPr>
+        <p:cNvPr id="1" name=""/>
+        <p:cNvGrpSpPr/>
+        <p:nvPr/>
+      </p:nvGrpSpPr>
+      <p:grpSpPr>
+        <a:xfrm>
+          <a:off x="0" y="0"/>
+          <a:ext cx="0" cy="0"/>
+          <a:chOff x="0" y="0"/>
+          <a:chExt cx="0" cy="0"/>
+        </a:xfrm>
+      </p:grpSpPr>
+      <p:sp>
+        <p:nvSpPr>
+          <p:cNvPr id="2" name="Slide Image Placeholder 1"/>
+          <p:cNvSpPr>
+            <a:spLocks noGrp="1" noRot="1" noChangeAspect="1"/>
+          </p:cNvSpPr>
+          <p:nvPr>
+            <p:ph type="sldImg"/>
+          </p:nvPr>
+        </p:nvSpPr>
+        <p:spPr/>
+      </p:sp>
+      <p:sp>
+        <p:nvSpPr>
+          <p:cNvPr id="3" name="Notes Placeholder 2"/>
+          <p:cNvSpPr>
+            <a:spLocks noGrp="1"/>
+          </p:cNvSpPr>
+          <p:nvPr>
+            <p:ph type="body" idx="1"/>
+          </p:nvPr>
+        </p:nvSpPr>
+        <p:spPr/>
+        <p:txBody>
+          <a:bodyPr/>
+          <a:lstStyle/>
+          <a:p>
+            <a:pPr marL="171450" indent="-171450">
+              <a:buFont typeface="Arial" charset="0"/>
+              <a:buChar char="•"/>
+            </a:pPr>
+            <a:r>
+              <a:rPr lang="en-NZ" sz="1200" kern="1200" dirty="0" smtClean="0">
+                <a:solidFill>
+                  <a:schemeClr val="tx1"/>
+                </a:solidFill>
+                <a:effectLst/>
+                <a:latin typeface="+mn-lt"/>
+                <a:ea typeface="+mn-ea"/>
+                <a:cs typeface="+mn-cs"/>
+              </a:rPr>
+              <a:t>In the parent constructor, we initialise the common data values and perform other common initialisation</a:t>
+            </a:r>
+          </a:p>
+          <a:p>
+            <a:pPr marL="171450" indent="-171450">
+              <a:buFont typeface="Arial" charset="0"/>
+              <a:buChar char="•"/>
+            </a:pPr>
+            <a:endParaRPr lang="en-NZ" sz="1200" kern="1200" dirty="0" smtClean="0">
+              <a:solidFill>
+                <a:schemeClr val="tx1"/>
+              </a:solidFill>
+              <a:effectLst/>
+              <a:latin typeface="+mn-lt"/>
+              <a:ea typeface="+mn-ea"/>
+              <a:cs typeface="+mn-cs"/>
+            </a:endParaRPr>
+          </a:p>
+          <a:p>
+            <a:pPr marL="171450" indent="-171450">
+              <a:buFont typeface="Arial" charset="0"/>
+              <a:buChar char="•"/>
+            </a:pPr>
+            <a:r>
+              <a:rPr lang="en-NZ" sz="1200" kern="1200" dirty="0" smtClean="0">
+                <a:solidFill>
+                  <a:schemeClr val="tx1"/>
+                </a:solidFill>
+                <a:effectLst/>
+                <a:latin typeface="+mn-lt"/>
+                <a:ea typeface="+mn-ea"/>
+                <a:cs typeface="+mn-cs"/>
+              </a:rPr>
+              <a:t>You only want to write this code once, so you put it in the parent class and let the child call the parent constructor</a:t>
+            </a:r>
+          </a:p>
+          <a:p>
+            <a:pPr marL="171450" indent="-171450">
+              <a:buFont typeface="Arial" charset="0"/>
+              <a:buChar char="•"/>
+            </a:pPr>
+            <a:endParaRPr lang="en-NZ" sz="1200" kern="1200" dirty="0" smtClean="0">
+              <a:solidFill>
+                <a:schemeClr val="tx1"/>
+              </a:solidFill>
+              <a:effectLst/>
+              <a:latin typeface="+mn-lt"/>
+              <a:ea typeface="+mn-ea"/>
+              <a:cs typeface="+mn-cs"/>
+            </a:endParaRPr>
+          </a:p>
+          <a:p>
+            <a:pPr marL="171450" indent="-171450">
+              <a:buFont typeface="Arial" charset="0"/>
+              <a:buChar char="•"/>
+            </a:pPr>
+            <a:r>
+              <a:rPr lang="en-NZ" sz="1200" kern="1200" dirty="0" smtClean="0">
+                <a:solidFill>
+                  <a:schemeClr val="tx1"/>
+                </a:solidFill>
+                <a:effectLst/>
+                <a:latin typeface="+mn-lt"/>
+                <a:ea typeface="+mn-ea"/>
+                <a:cs typeface="+mn-cs"/>
+              </a:rPr>
+              <a:t>This is just a normal function call, so you  must pass the required arguments to that call</a:t>
+            </a:r>
+          </a:p>
+        </p:txBody>
+      </p:sp>
+      <p:sp>
+        <p:nvSpPr>
+          <p:cNvPr id="4" name="Slide Number Placeholder 3"/>
+          <p:cNvSpPr>
+            <a:spLocks noGrp="1"/>
+          </p:cNvSpPr>
+          <p:nvPr>
+            <p:ph type="sldNum" sz="quarter" idx="10"/>
+          </p:nvPr>
+        </p:nvSpPr>
+        <p:spPr/>
+        <p:txBody>
+          <a:bodyPr/>
+          <a:lstStyle/>
+          <a:p>
+            <a:fld id="{BBC1DE02-C006-4F38-873D-E62701AB1734}" type="slidenum">
+              <a:rPr lang="en-NZ" smtClean="0"/>
+              <a:t>9</a:t>
+            </a:fld>
+            <a:endParaRPr lang="en-NZ"/>
+          </a:p>
+        </p:txBody>
+      </p:sp>
+    </p:spTree>
+    <p:extLst>
+      <p:ext uri="{BB962C8B-B14F-4D97-AF65-F5344CB8AC3E}">
+        <p14:creationId xmlns:p14="http://schemas.microsoft.com/office/powerpoint/2010/main" val="3813001240"/>
+      </p:ext>
+    </p:extLst>
+  </p:cSld>
+  <p:clrMapOvr>
+    <a:masterClrMapping/>
+  </p:clrMapOvr>
+</p:notes>
+</file>
+
+<file path=ppt/notesSlides/notesSlide9.xml><?xml version="1.0" encoding="utf-8"?>
+<p:notes xmlns:a="http://schemas.openxmlformats.org/drawingml/2006/main" xmlns:r="http://schemas.openxmlformats.org/officeDocument/2006/relationships" xmlns:p="http://schemas.openxmlformats.org/presentationml/2006/main">
+  <p:cSld>
+    <p:spTree>
+      <p:nvGrpSpPr>
+        <p:cNvPr id="1" name=""/>
+        <p:cNvGrpSpPr/>
+        <p:nvPr/>
+      </p:nvGrpSpPr>
+      <p:grpSpPr>
+        <a:xfrm>
+          <a:off x="0" y="0"/>
+          <a:ext cx="0" cy="0"/>
+          <a:chOff x="0" y="0"/>
+          <a:chExt cx="0" cy="0"/>
+        </a:xfrm>
+      </p:grpSpPr>
+      <p:sp>
+        <p:nvSpPr>
+          <p:cNvPr id="2" name="Slide Image Placeholder 1"/>
+          <p:cNvSpPr>
+            <a:spLocks noGrp="1" noRot="1" noChangeAspect="1"/>
+          </p:cNvSpPr>
+          <p:nvPr>
+            <p:ph type="sldImg"/>
+          </p:nvPr>
+        </p:nvSpPr>
+        <p:spPr/>
+      </p:sp>
+      <p:sp>
+        <p:nvSpPr>
+          <p:cNvPr id="3" name="Notes Placeholder 2"/>
+          <p:cNvSpPr>
+            <a:spLocks noGrp="1"/>
+          </p:cNvSpPr>
+          <p:nvPr>
+            <p:ph type="body" idx="1"/>
+          </p:nvPr>
+        </p:nvSpPr>
+        <p:spPr/>
+        <p:txBody>
+          <a:bodyPr/>
+          <a:lstStyle/>
+          <a:p>
+            <a:pPr marL="171450" indent="-171450">
+              <a:buFont typeface="Arial" panose="020B0604020202020204" pitchFamily="34" charset="0"/>
+              <a:buChar char="•"/>
+            </a:pPr>
+            <a:r>
+              <a:rPr lang="en-NZ" dirty="0" smtClean="0"/>
+              <a:t> Then child1 can</a:t>
+            </a:r>
+            <a:r>
+              <a:rPr lang="en-NZ" baseline="0" dirty="0" smtClean="0"/>
+              <a:t> have whatever additional data and methods it needs</a:t>
+            </a:r>
+          </a:p>
+          <a:p>
+            <a:pPr marL="171450" indent="-171450">
+              <a:buFont typeface="Arial" panose="020B0604020202020204" pitchFamily="34" charset="0"/>
+              <a:buChar char="•"/>
+            </a:pPr>
+            <a:endParaRPr lang="en-NZ" baseline="0" dirty="0" smtClean="0"/>
+          </a:p>
+          <a:p>
+            <a:pPr marL="171450" indent="-171450">
+              <a:buFont typeface="Arial" panose="020B0604020202020204" pitchFamily="34" charset="0"/>
+              <a:buChar char="•"/>
+            </a:pPr>
+            <a:r>
+              <a:rPr lang="en-NZ" baseline="0" dirty="0" smtClean="0"/>
+              <a:t>In the .</a:t>
+            </a:r>
+            <a:r>
+              <a:rPr lang="en-NZ" baseline="0" dirty="0" err="1" smtClean="0"/>
+              <a:t>cpp</a:t>
+            </a:r>
+            <a:r>
+              <a:rPr lang="en-NZ" baseline="0" dirty="0" smtClean="0"/>
+              <a:t> these work exactly as they do for any non-child class</a:t>
+            </a:r>
+          </a:p>
+          <a:p>
+            <a:pPr marL="171450" indent="-171450">
+              <a:buFont typeface="Arial" panose="020B0604020202020204" pitchFamily="34" charset="0"/>
+              <a:buChar char="•"/>
+            </a:pPr>
+            <a:endParaRPr lang="en-NZ" baseline="0" dirty="0" smtClean="0"/>
+          </a:p>
+          <a:p>
+            <a:pPr marL="171450" indent="-171450">
+              <a:buFont typeface="Arial" panose="020B0604020202020204" pitchFamily="34" charset="0"/>
+              <a:buChar char="•"/>
+            </a:pPr>
+            <a:r>
+              <a:rPr lang="en-NZ" baseline="0" dirty="0" smtClean="0"/>
+              <a:t>Only the constructor is different....</a:t>
+            </a:r>
+            <a:endParaRPr lang="en-NZ" baseline="0" dirty="0" smtClean="0"/>
+          </a:p>
+        </p:txBody>
+      </p:sp>
+      <p:sp>
+        <p:nvSpPr>
+          <p:cNvPr id="4" name="Slide Number Placeholder 3"/>
+          <p:cNvSpPr>
+            <a:spLocks noGrp="1"/>
+          </p:cNvSpPr>
+          <p:nvPr>
+            <p:ph type="sldNum" sz="quarter" idx="10"/>
+          </p:nvPr>
+        </p:nvSpPr>
+        <p:spPr/>
+        <p:txBody>
+          <a:bodyPr/>
+          <a:lstStyle/>
+          <a:p>
+            <a:fld id="{BBC1DE02-C006-4F38-873D-E62701AB1734}" type="slidenum">
+              <a:rPr lang="en-NZ" smtClean="0"/>
+              <a:t>10</a:t>
+            </a:fld>
+            <a:endParaRPr lang="en-NZ"/>
+          </a:p>
+        </p:txBody>
+      </p:sp>
+    </p:spTree>
+    <p:extLst>
+      <p:ext uri="{BB962C8B-B14F-4D97-AF65-F5344CB8AC3E}">
+        <p14:creationId xmlns:p14="http://schemas.microsoft.com/office/powerpoint/2010/main" val="1673108007"/>
       </p:ext>
     </p:extLst>
   </p:cSld>
@@ -1336,7 +4079,7 @@
           <a:p>
             <a:fld id="{F8166F1F-CE9B-4651-A6AA-CD717754106B}" type="datetimeFigureOut">
               <a:rPr lang="en-US" smtClean="0"/>
-              <a:t>9/24/2019</a:t>
+              <a:t>9/25/2019</a:t>
             </a:fld>
             <a:endParaRPr lang="en-US"/>
           </a:p>
@@ -1501,7 +4244,7 @@
           <a:p>
             <a:fld id="{A76116CE-C4A3-4A05-B2D7-7C2E9A889C0F}" type="datetimeFigureOut">
               <a:rPr lang="en-US" smtClean="0"/>
-              <a:t>9/24/2019</a:t>
+              <a:t>9/25/2019</a:t>
             </a:fld>
             <a:endParaRPr lang="en-US"/>
           </a:p>
@@ -1676,7 +4419,7 @@
           <a:p>
             <a:fld id="{A76116CE-C4A3-4A05-B2D7-7C2E9A889C0F}" type="datetimeFigureOut">
               <a:rPr lang="en-US" smtClean="0"/>
-              <a:t>9/24/2019</a:t>
+              <a:t>9/25/2019</a:t>
             </a:fld>
             <a:endParaRPr lang="en-US"/>
           </a:p>
@@ -1843,7 +4586,7 @@
           <a:p>
             <a:fld id="{A76116CE-C4A3-4A05-B2D7-7C2E9A889C0F}" type="datetimeFigureOut">
               <a:rPr lang="en-US" smtClean="0"/>
-              <a:t>9/24/2019</a:t>
+              <a:t>9/25/2019</a:t>
             </a:fld>
             <a:endParaRPr lang="en-US"/>
           </a:p>
@@ -2084,7 +4827,7 @@
           <a:p>
             <a:fld id="{A76116CE-C4A3-4A05-B2D7-7C2E9A889C0F}" type="datetimeFigureOut">
               <a:rPr lang="en-US" smtClean="0"/>
-              <a:t>9/24/2019</a:t>
+              <a:t>9/25/2019</a:t>
             </a:fld>
             <a:endParaRPr lang="en-US"/>
           </a:p>
@@ -2367,7 +5110,7 @@
           <a:p>
             <a:fld id="{A76116CE-C4A3-4A05-B2D7-7C2E9A889C0F}" type="datetimeFigureOut">
               <a:rPr lang="en-US" smtClean="0"/>
-              <a:t>9/24/2019</a:t>
+              <a:t>9/25/2019</a:t>
             </a:fld>
             <a:endParaRPr lang="en-US"/>
           </a:p>
@@ -2784,7 +5527,7 @@
           <a:p>
             <a:fld id="{A76116CE-C4A3-4A05-B2D7-7C2E9A889C0F}" type="datetimeFigureOut">
               <a:rPr lang="en-US" smtClean="0"/>
-              <a:t>9/24/2019</a:t>
+              <a:t>9/25/2019</a:t>
             </a:fld>
             <a:endParaRPr lang="en-US"/>
           </a:p>
@@ -2897,7 +5640,7 @@
           <a:p>
             <a:fld id="{A76116CE-C4A3-4A05-B2D7-7C2E9A889C0F}" type="datetimeFigureOut">
               <a:rPr lang="en-US" smtClean="0"/>
-              <a:t>9/24/2019</a:t>
+              <a:t>9/25/2019</a:t>
             </a:fld>
             <a:endParaRPr lang="en-US"/>
           </a:p>
@@ -2987,7 +5730,7 @@
           <a:p>
             <a:fld id="{A76116CE-C4A3-4A05-B2D7-7C2E9A889C0F}" type="datetimeFigureOut">
               <a:rPr lang="en-US" smtClean="0"/>
-              <a:t>9/24/2019</a:t>
+              <a:t>9/25/2019</a:t>
             </a:fld>
             <a:endParaRPr lang="en-US"/>
           </a:p>
@@ -3259,7 +6002,7 @@
           <a:p>
             <a:fld id="{A76116CE-C4A3-4A05-B2D7-7C2E9A889C0F}" type="datetimeFigureOut">
               <a:rPr lang="en-US" smtClean="0"/>
-              <a:t>9/24/2019</a:t>
+              <a:t>9/25/2019</a:t>
             </a:fld>
             <a:endParaRPr lang="en-US"/>
           </a:p>
@@ -3507,7 +6250,7 @@
           <a:p>
             <a:fld id="{A76116CE-C4A3-4A05-B2D7-7C2E9A889C0F}" type="datetimeFigureOut">
               <a:rPr lang="en-US" smtClean="0"/>
-              <a:t>9/24/2019</a:t>
+              <a:t>9/25/2019</a:t>
             </a:fld>
             <a:endParaRPr lang="en-US"/>
           </a:p>
@@ -3715,7 +6458,7 @@
           <a:p>
             <a:fld id="{F8166F1F-CE9B-4651-A6AA-CD717754106B}" type="datetimeFigureOut">
               <a:rPr lang="en-US" smtClean="0"/>
-              <a:t>9/24/2019</a:t>
+              <a:t>9/25/2019</a:t>
             </a:fld>
             <a:endParaRPr lang="en-US"/>
           </a:p>
@@ -4133,13 +6876,8 @@
             <a:pPr algn="ctr"/>
             <a:r>
               <a:rPr lang="en-US" sz="4000" b="1" dirty="0" smtClean="0"/>
-              <a:t>10</a:t>
-            </a:r>
-            <a:r>
-              <a:rPr lang="en-US" sz="4000" b="1" dirty="0" smtClean="0"/>
-              <a:t>.1 Inheritance Approach and Avoid</a:t>
-            </a:r>
-            <a:endParaRPr lang="en-US" sz="4000" b="1" dirty="0" smtClean="0"/>
+              <a:t>10.1 Inheritance Approach and Avoid</a:t>
+            </a:r>
           </a:p>
           <a:p>
             <a:pPr algn="ctr"/>
@@ -4166,6 +6904,1805 @@
     <p:extLst>
       <p:ext uri="{BB962C8B-B14F-4D97-AF65-F5344CB8AC3E}">
         <p14:creationId xmlns:p14="http://schemas.microsoft.com/office/powerpoint/2010/main" val="20356590"/>
+      </p:ext>
+    </p:extLst>
+  </p:cSld>
+  <p:clrMapOvr>
+    <a:masterClrMapping/>
+  </p:clrMapOvr>
+  <p:timing>
+    <p:tnLst>
+      <p:par>
+        <p:cTn id="1" dur="indefinite" restart="never" nodeType="tmRoot"/>
+      </p:par>
+    </p:tnLst>
+  </p:timing>
+</p:sld>
+</file>
+
+<file path=ppt/slides/slide10.xml><?xml version="1.0" encoding="utf-8"?>
+<p:sld xmlns:a="http://schemas.openxmlformats.org/drawingml/2006/main" xmlns:r="http://schemas.openxmlformats.org/officeDocument/2006/relationships" xmlns:p="http://schemas.openxmlformats.org/presentationml/2006/main">
+  <p:cSld>
+    <p:bg>
+      <p:bgPr>
+        <a:solidFill>
+          <a:schemeClr val="accent5">
+            <a:lumMod val="60000"/>
+            <a:lumOff val="40000"/>
+          </a:schemeClr>
+        </a:solidFill>
+        <a:effectLst/>
+      </p:bgPr>
+    </p:bg>
+    <p:spTree>
+      <p:nvGrpSpPr>
+        <p:cNvPr id="1" name=""/>
+        <p:cNvGrpSpPr/>
+        <p:nvPr/>
+      </p:nvGrpSpPr>
+      <p:grpSpPr>
+        <a:xfrm>
+          <a:off x="0" y="0"/>
+          <a:ext cx="0" cy="0"/>
+          <a:chOff x="0" y="0"/>
+          <a:chExt cx="0" cy="0"/>
+        </a:xfrm>
+      </p:grpSpPr>
+      <p:sp>
+        <p:nvSpPr>
+          <p:cNvPr id="3" name="Rectangle 2"/>
+          <p:cNvSpPr/>
+          <p:nvPr/>
+        </p:nvSpPr>
+        <p:spPr>
+          <a:xfrm>
+            <a:off x="0" y="0"/>
+            <a:ext cx="9144000" cy="2015936"/>
+          </a:xfrm>
+          <a:prstGeom prst="rect">
+            <a:avLst/>
+          </a:prstGeom>
+        </p:spPr>
+        <p:txBody>
+          <a:bodyPr wrap="square">
+            <a:spAutoFit/>
+          </a:bodyPr>
+          <a:lstStyle/>
+          <a:p>
+            <a:pPr algn="ctr"/>
+            <a:endParaRPr lang="en-US" sz="4000" b="1" dirty="0"/>
+          </a:p>
+          <a:p>
+            <a:pPr lvl="1"/>
+            <a:r>
+              <a:rPr lang="en-NZ" sz="3500" b="1" dirty="0"/>
+              <a:t>Inheritance syntax in C++</a:t>
+            </a:r>
+            <a:endParaRPr lang="en-US" sz="3500" b="1" dirty="0"/>
+          </a:p>
+          <a:p>
+            <a:pPr marL="1657350" lvl="2" indent="-742950">
+              <a:buFont typeface="Arial" panose="020B0604020202020204" pitchFamily="34" charset="0"/>
+              <a:buChar char="•"/>
+            </a:pPr>
+            <a:endParaRPr lang="en-US" sz="2500" dirty="0" smtClean="0"/>
+          </a:p>
+          <a:p>
+            <a:pPr marL="1657350" lvl="2" indent="-742950">
+              <a:buFont typeface="Arial" panose="020B0604020202020204" pitchFamily="34" charset="0"/>
+              <a:buChar char="•"/>
+            </a:pPr>
+            <a:r>
+              <a:rPr lang="en-NZ" sz="2500" dirty="0" smtClean="0"/>
+              <a:t>In Child1.h</a:t>
+            </a:r>
+          </a:p>
+        </p:txBody>
+      </p:sp>
+      <p:pic>
+        <p:nvPicPr>
+          <p:cNvPr id="4" name="Picture 3"/>
+          <p:cNvPicPr>
+            <a:picLocks noChangeAspect="1" noChangeArrowheads="1"/>
+          </p:cNvPicPr>
+          <p:nvPr/>
+        </p:nvPicPr>
+        <p:blipFill>
+          <a:blip r:embed="rId3" cstate="print"/>
+          <a:srcRect/>
+          <a:stretch>
+            <a:fillRect/>
+          </a:stretch>
+        </p:blipFill>
+        <p:spPr bwMode="auto">
+          <a:xfrm>
+            <a:off x="655423" y="2286000"/>
+            <a:ext cx="7833153" cy="2979415"/>
+          </a:xfrm>
+          <a:prstGeom prst="rect">
+            <a:avLst/>
+          </a:prstGeom>
+          <a:noFill/>
+          <a:ln w="9525">
+            <a:noFill/>
+            <a:miter lim="800000"/>
+            <a:headEnd/>
+            <a:tailEnd/>
+          </a:ln>
+        </p:spPr>
+      </p:pic>
+    </p:spTree>
+    <p:extLst>
+      <p:ext uri="{BB962C8B-B14F-4D97-AF65-F5344CB8AC3E}">
+        <p14:creationId xmlns:p14="http://schemas.microsoft.com/office/powerpoint/2010/main" val="1452893343"/>
+      </p:ext>
+    </p:extLst>
+  </p:cSld>
+  <p:clrMapOvr>
+    <a:masterClrMapping/>
+  </p:clrMapOvr>
+  <p:timing>
+    <p:tnLst>
+      <p:par>
+        <p:cTn id="1" dur="indefinite" restart="never" nodeType="tmRoot">
+          <p:childTnLst>
+            <p:seq concurrent="1" nextAc="seek">
+              <p:cTn id="2" dur="indefinite" nodeType="mainSeq">
+                <p:childTnLst>
+                  <p:par>
+                    <p:cTn id="3" fill="hold">
+                      <p:stCondLst>
+                        <p:cond delay="indefinite"/>
+                      </p:stCondLst>
+                      <p:childTnLst>
+                        <p:par>
+                          <p:cTn id="4" fill="hold">
+                            <p:stCondLst>
+                              <p:cond delay="0"/>
+                            </p:stCondLst>
+                            <p:childTnLst>
+                              <p:par>
+                                <p:cTn id="5" presetID="1" presetClass="entr" presetSubtype="0" fill="hold" nodeType="clickEffect">
+                                  <p:stCondLst>
+                                    <p:cond delay="0"/>
+                                  </p:stCondLst>
+                                  <p:childTnLst>
+                                    <p:set>
+                                      <p:cBhvr>
+                                        <p:cTn id="6" dur="1" fill="hold">
+                                          <p:stCondLst>
+                                            <p:cond delay="0"/>
+                                          </p:stCondLst>
+                                        </p:cTn>
+                                        <p:tgtEl>
+                                          <p:spTgt spid="4"/>
+                                        </p:tgtEl>
+                                        <p:attrNameLst>
+                                          <p:attrName>style.visibility</p:attrName>
+                                        </p:attrNameLst>
+                                      </p:cBhvr>
+                                      <p:to>
+                                        <p:strVal val="visible"/>
+                                      </p:to>
+                                    </p:set>
+                                  </p:childTnLst>
+                                </p:cTn>
+                              </p:par>
+                            </p:childTnLst>
+                          </p:cTn>
+                        </p:par>
+                      </p:childTnLst>
+                    </p:cTn>
+                  </p:par>
+                </p:childTnLst>
+              </p:cTn>
+              <p:prevCondLst>
+                <p:cond evt="onPrev" delay="0">
+                  <p:tgtEl>
+                    <p:sldTgt/>
+                  </p:tgtEl>
+                </p:cond>
+              </p:prevCondLst>
+              <p:nextCondLst>
+                <p:cond evt="onNext" delay="0">
+                  <p:tgtEl>
+                    <p:sldTgt/>
+                  </p:tgtEl>
+                </p:cond>
+              </p:nextCondLst>
+            </p:seq>
+          </p:childTnLst>
+        </p:cTn>
+      </p:par>
+    </p:tnLst>
+  </p:timing>
+</p:sld>
+</file>
+
+<file path=ppt/slides/slide11.xml><?xml version="1.0" encoding="utf-8"?>
+<p:sld xmlns:a="http://schemas.openxmlformats.org/drawingml/2006/main" xmlns:r="http://schemas.openxmlformats.org/officeDocument/2006/relationships" xmlns:p="http://schemas.openxmlformats.org/presentationml/2006/main">
+  <p:cSld>
+    <p:bg>
+      <p:bgPr>
+        <a:solidFill>
+          <a:schemeClr val="accent5">
+            <a:lumMod val="60000"/>
+            <a:lumOff val="40000"/>
+          </a:schemeClr>
+        </a:solidFill>
+        <a:effectLst/>
+      </p:bgPr>
+    </p:bg>
+    <p:spTree>
+      <p:nvGrpSpPr>
+        <p:cNvPr id="1" name=""/>
+        <p:cNvGrpSpPr/>
+        <p:nvPr/>
+      </p:nvGrpSpPr>
+      <p:grpSpPr>
+        <a:xfrm>
+          <a:off x="0" y="0"/>
+          <a:ext cx="0" cy="0"/>
+          <a:chOff x="0" y="0"/>
+          <a:chExt cx="0" cy="0"/>
+        </a:xfrm>
+      </p:grpSpPr>
+      <p:sp>
+        <p:nvSpPr>
+          <p:cNvPr id="3" name="Rectangle 2"/>
+          <p:cNvSpPr/>
+          <p:nvPr/>
+        </p:nvSpPr>
+        <p:spPr>
+          <a:xfrm>
+            <a:off x="0" y="0"/>
+            <a:ext cx="9144000" cy="2015936"/>
+          </a:xfrm>
+          <a:prstGeom prst="rect">
+            <a:avLst/>
+          </a:prstGeom>
+        </p:spPr>
+        <p:txBody>
+          <a:bodyPr wrap="square">
+            <a:spAutoFit/>
+          </a:bodyPr>
+          <a:lstStyle/>
+          <a:p>
+            <a:pPr algn="ctr"/>
+            <a:endParaRPr lang="en-US" sz="4000" b="1" dirty="0"/>
+          </a:p>
+          <a:p>
+            <a:pPr lvl="1"/>
+            <a:r>
+              <a:rPr lang="en-NZ" sz="3500" b="1" dirty="0"/>
+              <a:t>Inheritance syntax in C++</a:t>
+            </a:r>
+            <a:endParaRPr lang="en-US" sz="3500" b="1" dirty="0"/>
+          </a:p>
+          <a:p>
+            <a:pPr marL="1657350" lvl="2" indent="-742950">
+              <a:buFont typeface="Arial" panose="020B0604020202020204" pitchFamily="34" charset="0"/>
+              <a:buChar char="•"/>
+            </a:pPr>
+            <a:endParaRPr lang="en-US" sz="2500" dirty="0" smtClean="0"/>
+          </a:p>
+          <a:p>
+            <a:pPr marL="1657350" lvl="2" indent="-742950">
+              <a:buFont typeface="Arial" panose="020B0604020202020204" pitchFamily="34" charset="0"/>
+              <a:buChar char="•"/>
+            </a:pPr>
+            <a:r>
+              <a:rPr lang="en-NZ" sz="2500" dirty="0" smtClean="0"/>
+              <a:t>In Child1.cpp</a:t>
+            </a:r>
+          </a:p>
+        </p:txBody>
+      </p:sp>
+      <p:pic>
+        <p:nvPicPr>
+          <p:cNvPr id="5" name="Picture 2"/>
+          <p:cNvPicPr>
+            <a:picLocks noChangeAspect="1" noChangeArrowheads="1"/>
+          </p:cNvPicPr>
+          <p:nvPr/>
+        </p:nvPicPr>
+        <p:blipFill rotWithShape="1">
+          <a:blip r:embed="rId3" cstate="print"/>
+          <a:srcRect b="23103"/>
+          <a:stretch/>
+        </p:blipFill>
+        <p:spPr bwMode="auto">
+          <a:xfrm>
+            <a:off x="755575" y="2564904"/>
+            <a:ext cx="7326031" cy="2159496"/>
+          </a:xfrm>
+          <a:prstGeom prst="rect">
+            <a:avLst/>
+          </a:prstGeom>
+          <a:noFill/>
+          <a:ln w="9525">
+            <a:noFill/>
+            <a:miter lim="800000"/>
+            <a:headEnd/>
+            <a:tailEnd/>
+          </a:ln>
+        </p:spPr>
+      </p:pic>
+    </p:spTree>
+    <p:extLst>
+      <p:ext uri="{BB962C8B-B14F-4D97-AF65-F5344CB8AC3E}">
+        <p14:creationId xmlns:p14="http://schemas.microsoft.com/office/powerpoint/2010/main" val="1916298986"/>
+      </p:ext>
+    </p:extLst>
+  </p:cSld>
+  <p:clrMapOvr>
+    <a:masterClrMapping/>
+  </p:clrMapOvr>
+  <p:timing>
+    <p:tnLst>
+      <p:par>
+        <p:cTn id="1" dur="indefinite" restart="never" nodeType="tmRoot">
+          <p:childTnLst>
+            <p:seq concurrent="1" nextAc="seek">
+              <p:cTn id="2" dur="indefinite" nodeType="mainSeq">
+                <p:childTnLst>
+                  <p:par>
+                    <p:cTn id="3" fill="hold">
+                      <p:stCondLst>
+                        <p:cond delay="indefinite"/>
+                      </p:stCondLst>
+                      <p:childTnLst>
+                        <p:par>
+                          <p:cTn id="4" fill="hold">
+                            <p:stCondLst>
+                              <p:cond delay="0"/>
+                            </p:stCondLst>
+                            <p:childTnLst>
+                              <p:par>
+                                <p:cTn id="5" presetID="1" presetClass="entr" presetSubtype="0" fill="hold" nodeType="clickEffect">
+                                  <p:stCondLst>
+                                    <p:cond delay="0"/>
+                                  </p:stCondLst>
+                                  <p:childTnLst>
+                                    <p:set>
+                                      <p:cBhvr>
+                                        <p:cTn id="6" dur="1" fill="hold">
+                                          <p:stCondLst>
+                                            <p:cond delay="0"/>
+                                          </p:stCondLst>
+                                        </p:cTn>
+                                        <p:tgtEl>
+                                          <p:spTgt spid="5"/>
+                                        </p:tgtEl>
+                                        <p:attrNameLst>
+                                          <p:attrName>style.visibility</p:attrName>
+                                        </p:attrNameLst>
+                                      </p:cBhvr>
+                                      <p:to>
+                                        <p:strVal val="visible"/>
+                                      </p:to>
+                                    </p:set>
+                                  </p:childTnLst>
+                                </p:cTn>
+                              </p:par>
+                            </p:childTnLst>
+                          </p:cTn>
+                        </p:par>
+                      </p:childTnLst>
+                    </p:cTn>
+                  </p:par>
+                </p:childTnLst>
+              </p:cTn>
+              <p:prevCondLst>
+                <p:cond evt="onPrev" delay="0">
+                  <p:tgtEl>
+                    <p:sldTgt/>
+                  </p:tgtEl>
+                </p:cond>
+              </p:prevCondLst>
+              <p:nextCondLst>
+                <p:cond evt="onNext" delay="0">
+                  <p:tgtEl>
+                    <p:sldTgt/>
+                  </p:tgtEl>
+                </p:cond>
+              </p:nextCondLst>
+            </p:seq>
+          </p:childTnLst>
+        </p:cTn>
+      </p:par>
+    </p:tnLst>
+  </p:timing>
+</p:sld>
+</file>
+
+<file path=ppt/slides/slide12.xml><?xml version="1.0" encoding="utf-8"?>
+<p:sld xmlns:a="http://schemas.openxmlformats.org/drawingml/2006/main" xmlns:r="http://schemas.openxmlformats.org/officeDocument/2006/relationships" xmlns:p="http://schemas.openxmlformats.org/presentationml/2006/main">
+  <p:cSld>
+    <p:bg>
+      <p:bgPr>
+        <a:solidFill>
+          <a:schemeClr val="accent5">
+            <a:lumMod val="60000"/>
+            <a:lumOff val="40000"/>
+          </a:schemeClr>
+        </a:solidFill>
+        <a:effectLst/>
+      </p:bgPr>
+    </p:bg>
+    <p:spTree>
+      <p:nvGrpSpPr>
+        <p:cNvPr id="1" name=""/>
+        <p:cNvGrpSpPr/>
+        <p:nvPr/>
+      </p:nvGrpSpPr>
+      <p:grpSpPr>
+        <a:xfrm>
+          <a:off x="0" y="0"/>
+          <a:ext cx="0" cy="0"/>
+          <a:chOff x="0" y="0"/>
+          <a:chExt cx="0" cy="0"/>
+        </a:xfrm>
+      </p:grpSpPr>
+      <p:sp>
+        <p:nvSpPr>
+          <p:cNvPr id="3" name="Rectangle 2"/>
+          <p:cNvSpPr/>
+          <p:nvPr/>
+        </p:nvSpPr>
+        <p:spPr>
+          <a:xfrm>
+            <a:off x="0" y="0"/>
+            <a:ext cx="9144000" cy="4632037"/>
+          </a:xfrm>
+          <a:prstGeom prst="rect">
+            <a:avLst/>
+          </a:prstGeom>
+        </p:spPr>
+        <p:txBody>
+          <a:bodyPr wrap="square">
+            <a:spAutoFit/>
+          </a:bodyPr>
+          <a:lstStyle/>
+          <a:p>
+            <a:pPr algn="ctr"/>
+            <a:endParaRPr lang="en-US" sz="4000" b="1" dirty="0"/>
+          </a:p>
+          <a:p>
+            <a:pPr lvl="1"/>
+            <a:r>
+              <a:rPr lang="en-NZ" sz="3500" b="1" dirty="0"/>
+              <a:t>Inheritance syntax in C++</a:t>
+            </a:r>
+            <a:endParaRPr lang="en-US" sz="3500" b="1" dirty="0"/>
+          </a:p>
+          <a:p>
+            <a:pPr marL="1657350" lvl="2" indent="-742950">
+              <a:buFont typeface="Arial" panose="020B0604020202020204" pitchFamily="34" charset="0"/>
+              <a:buChar char="•"/>
+            </a:pPr>
+            <a:endParaRPr lang="en-US" sz="2500" dirty="0" smtClean="0"/>
+          </a:p>
+          <a:p>
+            <a:pPr marL="1657350" lvl="2" indent="-742950">
+              <a:buFont typeface="Arial" panose="020B0604020202020204" pitchFamily="34" charset="0"/>
+              <a:buChar char="•"/>
+            </a:pPr>
+            <a:r>
+              <a:rPr lang="en-NZ" sz="2500" dirty="0"/>
+              <a:t>Overriding</a:t>
+            </a:r>
+          </a:p>
+          <a:p>
+            <a:pPr marL="1657350" lvl="2" indent="-742950">
+              <a:buFont typeface="Arial" panose="020B0604020202020204" pitchFamily="34" charset="0"/>
+              <a:buChar char="•"/>
+            </a:pPr>
+            <a:r>
+              <a:rPr lang="en-NZ" sz="2500" dirty="0"/>
+              <a:t>virtual</a:t>
+            </a:r>
+          </a:p>
+          <a:p>
+            <a:pPr marL="2114550" lvl="3" indent="-742950">
+              <a:buFont typeface="Arial" panose="020B0604020202020204" pitchFamily="34" charset="0"/>
+              <a:buChar char="•"/>
+            </a:pPr>
+            <a:r>
+              <a:rPr lang="en-NZ" sz="2000" dirty="0"/>
+              <a:t>The parent provides a default code body (may be empty)</a:t>
+            </a:r>
+          </a:p>
+          <a:p>
+            <a:pPr marL="2114550" lvl="3" indent="-742950">
+              <a:buFont typeface="Arial" panose="020B0604020202020204" pitchFamily="34" charset="0"/>
+              <a:buChar char="•"/>
+            </a:pPr>
+            <a:r>
+              <a:rPr lang="en-NZ" sz="2000" dirty="0"/>
+              <a:t>Children have the option of overriding with their own code, or using the parent’s default </a:t>
+            </a:r>
+            <a:r>
+              <a:rPr lang="en-NZ" sz="2000" dirty="0" smtClean="0"/>
+              <a:t>version</a:t>
+            </a:r>
+            <a:endParaRPr lang="en-NZ" sz="2500" dirty="0"/>
+          </a:p>
+          <a:p>
+            <a:pPr marL="1657350" lvl="2" indent="-742950">
+              <a:buFont typeface="Arial" panose="020B0604020202020204" pitchFamily="34" charset="0"/>
+              <a:buChar char="•"/>
+            </a:pPr>
+            <a:r>
+              <a:rPr lang="en-NZ" sz="2500" dirty="0"/>
+              <a:t>abstract</a:t>
+            </a:r>
+          </a:p>
+          <a:p>
+            <a:pPr marL="2114550" lvl="3" indent="-742950">
+              <a:buFont typeface="Arial" panose="020B0604020202020204" pitchFamily="34" charset="0"/>
+              <a:buChar char="•"/>
+            </a:pPr>
+            <a:r>
+              <a:rPr lang="en-NZ" sz="2000" dirty="0"/>
+              <a:t>The parent provides no code body</a:t>
+            </a:r>
+          </a:p>
+          <a:p>
+            <a:pPr marL="2114550" lvl="3" indent="-742950">
+              <a:buFont typeface="Arial" panose="020B0604020202020204" pitchFamily="34" charset="0"/>
+              <a:buChar char="•"/>
+            </a:pPr>
+            <a:r>
+              <a:rPr lang="en-NZ" sz="2000" dirty="0"/>
+              <a:t>All children must provide their own code</a:t>
+            </a:r>
+          </a:p>
+          <a:p>
+            <a:pPr marL="2114550" lvl="3" indent="-742950">
+              <a:buFont typeface="Arial" panose="020B0604020202020204" pitchFamily="34" charset="0"/>
+              <a:buChar char="•"/>
+            </a:pPr>
+            <a:r>
+              <a:rPr lang="en-NZ" sz="2000" dirty="0"/>
+              <a:t>Instances of the parent class cannot be </a:t>
+            </a:r>
+            <a:r>
+              <a:rPr lang="en-NZ" sz="2000" dirty="0" smtClean="0"/>
+              <a:t>instantiated</a:t>
+            </a:r>
+            <a:endParaRPr lang="en-NZ" sz="2000" dirty="0"/>
+          </a:p>
+        </p:txBody>
+      </p:sp>
+    </p:spTree>
+    <p:extLst>
+      <p:ext uri="{BB962C8B-B14F-4D97-AF65-F5344CB8AC3E}">
+        <p14:creationId xmlns:p14="http://schemas.microsoft.com/office/powerpoint/2010/main" val="3679483926"/>
+      </p:ext>
+    </p:extLst>
+  </p:cSld>
+  <p:clrMapOvr>
+    <a:masterClrMapping/>
+  </p:clrMapOvr>
+  <p:timing>
+    <p:tnLst>
+      <p:par>
+        <p:cTn id="1" dur="indefinite" restart="never" nodeType="tmRoot"/>
+      </p:par>
+    </p:tnLst>
+  </p:timing>
+</p:sld>
+</file>
+
+<file path=ppt/slides/slide13.xml><?xml version="1.0" encoding="utf-8"?>
+<p:sld xmlns:a="http://schemas.openxmlformats.org/drawingml/2006/main" xmlns:r="http://schemas.openxmlformats.org/officeDocument/2006/relationships" xmlns:p="http://schemas.openxmlformats.org/presentationml/2006/main">
+  <p:cSld>
+    <p:bg>
+      <p:bgPr>
+        <a:solidFill>
+          <a:schemeClr val="accent5">
+            <a:lumMod val="60000"/>
+            <a:lumOff val="40000"/>
+          </a:schemeClr>
+        </a:solidFill>
+        <a:effectLst/>
+      </p:bgPr>
+    </p:bg>
+    <p:spTree>
+      <p:nvGrpSpPr>
+        <p:cNvPr id="1" name=""/>
+        <p:cNvGrpSpPr/>
+        <p:nvPr/>
+      </p:nvGrpSpPr>
+      <p:grpSpPr>
+        <a:xfrm>
+          <a:off x="0" y="0"/>
+          <a:ext cx="0" cy="0"/>
+          <a:chOff x="0" y="0"/>
+          <a:chExt cx="0" cy="0"/>
+        </a:xfrm>
+      </p:grpSpPr>
+      <p:sp>
+        <p:nvSpPr>
+          <p:cNvPr id="3" name="Rectangle 2"/>
+          <p:cNvSpPr/>
+          <p:nvPr/>
+        </p:nvSpPr>
+        <p:spPr>
+          <a:xfrm>
+            <a:off x="0" y="0"/>
+            <a:ext cx="9144000" cy="1631216"/>
+          </a:xfrm>
+          <a:prstGeom prst="rect">
+            <a:avLst/>
+          </a:prstGeom>
+        </p:spPr>
+        <p:txBody>
+          <a:bodyPr wrap="square">
+            <a:spAutoFit/>
+          </a:bodyPr>
+          <a:lstStyle/>
+          <a:p>
+            <a:pPr algn="ctr"/>
+            <a:endParaRPr lang="en-US" sz="4000" b="1" dirty="0"/>
+          </a:p>
+          <a:p>
+            <a:pPr lvl="1"/>
+            <a:r>
+              <a:rPr lang="en-NZ" sz="3500" b="1" dirty="0"/>
+              <a:t>Inheritance syntax in C++</a:t>
+            </a:r>
+            <a:endParaRPr lang="en-US" sz="3500" b="1" dirty="0"/>
+          </a:p>
+          <a:p>
+            <a:pPr marL="1657350" lvl="2" indent="-742950">
+              <a:buFont typeface="Arial" panose="020B0604020202020204" pitchFamily="34" charset="0"/>
+              <a:buChar char="•"/>
+            </a:pPr>
+            <a:endParaRPr lang="en-US" sz="2500" dirty="0" smtClean="0"/>
+          </a:p>
+        </p:txBody>
+      </p:sp>
+      <p:grpSp>
+        <p:nvGrpSpPr>
+          <p:cNvPr id="2" name="Group 1"/>
+          <p:cNvGrpSpPr/>
+          <p:nvPr/>
+        </p:nvGrpSpPr>
+        <p:grpSpPr>
+          <a:xfrm>
+            <a:off x="1223628" y="1524000"/>
+            <a:ext cx="6696744" cy="4903090"/>
+            <a:chOff x="1143000" y="1524000"/>
+            <a:chExt cx="6696744" cy="4903090"/>
+          </a:xfrm>
+        </p:grpSpPr>
+        <p:pic>
+          <p:nvPicPr>
+            <p:cNvPr id="4" name="Picture 2"/>
+            <p:cNvPicPr>
+              <a:picLocks noChangeAspect="1" noChangeArrowheads="1"/>
+            </p:cNvPicPr>
+            <p:nvPr/>
+          </p:nvPicPr>
+          <p:blipFill>
+            <a:blip r:embed="rId3" cstate="print"/>
+            <a:srcRect/>
+            <a:stretch>
+              <a:fillRect/>
+            </a:stretch>
+          </p:blipFill>
+          <p:spPr bwMode="auto">
+            <a:xfrm>
+              <a:off x="1143000" y="1524000"/>
+              <a:ext cx="6048672" cy="4903090"/>
+            </a:xfrm>
+            <a:prstGeom prst="rect">
+              <a:avLst/>
+            </a:prstGeom>
+            <a:noFill/>
+            <a:ln w="9525">
+              <a:noFill/>
+              <a:miter lim="800000"/>
+              <a:headEnd/>
+              <a:tailEnd/>
+            </a:ln>
+          </p:spPr>
+        </p:pic>
+        <p:cxnSp>
+          <p:nvCxnSpPr>
+            <p:cNvPr id="5" name="Straight Arrow Connector 4"/>
+            <p:cNvCxnSpPr/>
+            <p:nvPr/>
+          </p:nvCxnSpPr>
+          <p:spPr>
+            <a:xfrm flipH="1" flipV="1">
+              <a:off x="3591272" y="2964160"/>
+              <a:ext cx="936104" cy="648072"/>
+            </a:xfrm>
+            <a:prstGeom prst="straightConnector1">
+              <a:avLst/>
+            </a:prstGeom>
+            <a:ln w="38100">
+              <a:solidFill>
+                <a:srgbClr val="FF0000"/>
+              </a:solidFill>
+              <a:tailEnd type="arrow"/>
+            </a:ln>
+          </p:spPr>
+          <p:style>
+            <a:lnRef idx="1">
+              <a:schemeClr val="accent1"/>
+            </a:lnRef>
+            <a:fillRef idx="0">
+              <a:schemeClr val="accent1"/>
+            </a:fillRef>
+            <a:effectRef idx="0">
+              <a:schemeClr val="accent1"/>
+            </a:effectRef>
+            <a:fontRef idx="minor">
+              <a:schemeClr val="tx1"/>
+            </a:fontRef>
+          </p:style>
+        </p:cxnSp>
+        <p:cxnSp>
+          <p:nvCxnSpPr>
+            <p:cNvPr id="6" name="Straight Arrow Connector 5"/>
+            <p:cNvCxnSpPr/>
+            <p:nvPr/>
+          </p:nvCxnSpPr>
+          <p:spPr>
+            <a:xfrm flipH="1">
+              <a:off x="6615608" y="5196408"/>
+              <a:ext cx="1224136" cy="648072"/>
+            </a:xfrm>
+            <a:prstGeom prst="straightConnector1">
+              <a:avLst/>
+            </a:prstGeom>
+            <a:ln w="38100">
+              <a:solidFill>
+                <a:srgbClr val="FF0000"/>
+              </a:solidFill>
+              <a:tailEnd type="arrow"/>
+            </a:ln>
+          </p:spPr>
+          <p:style>
+            <a:lnRef idx="1">
+              <a:schemeClr val="accent1"/>
+            </a:lnRef>
+            <a:fillRef idx="0">
+              <a:schemeClr val="accent1"/>
+            </a:fillRef>
+            <a:effectRef idx="0">
+              <a:schemeClr val="accent1"/>
+            </a:effectRef>
+            <a:fontRef idx="minor">
+              <a:schemeClr val="tx1"/>
+            </a:fontRef>
+          </p:style>
+        </p:cxnSp>
+        <p:cxnSp>
+          <p:nvCxnSpPr>
+            <p:cNvPr id="7" name="Straight Arrow Connector 6"/>
+            <p:cNvCxnSpPr/>
+            <p:nvPr/>
+          </p:nvCxnSpPr>
+          <p:spPr>
+            <a:xfrm>
+              <a:off x="1287016" y="5484440"/>
+              <a:ext cx="288032" cy="216024"/>
+            </a:xfrm>
+            <a:prstGeom prst="straightConnector1">
+              <a:avLst/>
+            </a:prstGeom>
+            <a:ln w="38100">
+              <a:solidFill>
+                <a:srgbClr val="FF0000"/>
+              </a:solidFill>
+              <a:tailEnd type="arrow"/>
+            </a:ln>
+          </p:spPr>
+          <p:style>
+            <a:lnRef idx="1">
+              <a:schemeClr val="accent1"/>
+            </a:lnRef>
+            <a:fillRef idx="0">
+              <a:schemeClr val="accent1"/>
+            </a:fillRef>
+            <a:effectRef idx="0">
+              <a:schemeClr val="accent1"/>
+            </a:effectRef>
+            <a:fontRef idx="minor">
+              <a:schemeClr val="tx1"/>
+            </a:fontRef>
+          </p:style>
+        </p:cxnSp>
+        <p:cxnSp>
+          <p:nvCxnSpPr>
+            <p:cNvPr id="8" name="Straight Arrow Connector 7"/>
+            <p:cNvCxnSpPr/>
+            <p:nvPr/>
+          </p:nvCxnSpPr>
+          <p:spPr>
+            <a:xfrm>
+              <a:off x="1215008" y="5772472"/>
+              <a:ext cx="288032" cy="216024"/>
+            </a:xfrm>
+            <a:prstGeom prst="straightConnector1">
+              <a:avLst/>
+            </a:prstGeom>
+            <a:ln w="38100">
+              <a:solidFill>
+                <a:srgbClr val="FF0000"/>
+              </a:solidFill>
+              <a:tailEnd type="arrow"/>
+            </a:ln>
+          </p:spPr>
+          <p:style>
+            <a:lnRef idx="1">
+              <a:schemeClr val="accent1"/>
+            </a:lnRef>
+            <a:fillRef idx="0">
+              <a:schemeClr val="accent1"/>
+            </a:fillRef>
+            <a:effectRef idx="0">
+              <a:schemeClr val="accent1"/>
+            </a:effectRef>
+            <a:fontRef idx="minor">
+              <a:schemeClr val="tx1"/>
+            </a:fontRef>
+          </p:style>
+        </p:cxnSp>
+      </p:grpSp>
+    </p:spTree>
+    <p:extLst>
+      <p:ext uri="{BB962C8B-B14F-4D97-AF65-F5344CB8AC3E}">
+        <p14:creationId xmlns:p14="http://schemas.microsoft.com/office/powerpoint/2010/main" val="1416150606"/>
+      </p:ext>
+    </p:extLst>
+  </p:cSld>
+  <p:clrMapOvr>
+    <a:masterClrMapping/>
+  </p:clrMapOvr>
+  <p:timing>
+    <p:tnLst>
+      <p:par>
+        <p:cTn id="1" dur="indefinite" restart="never" nodeType="tmRoot"/>
+      </p:par>
+    </p:tnLst>
+  </p:timing>
+</p:sld>
+</file>
+
+<file path=ppt/slides/slide14.xml><?xml version="1.0" encoding="utf-8"?>
+<p:sld xmlns:a="http://schemas.openxmlformats.org/drawingml/2006/main" xmlns:r="http://schemas.openxmlformats.org/officeDocument/2006/relationships" xmlns:p="http://schemas.openxmlformats.org/presentationml/2006/main">
+  <p:cSld>
+    <p:bg>
+      <p:bgPr>
+        <a:solidFill>
+          <a:schemeClr val="accent5">
+            <a:lumMod val="60000"/>
+            <a:lumOff val="40000"/>
+          </a:schemeClr>
+        </a:solidFill>
+        <a:effectLst/>
+      </p:bgPr>
+    </p:bg>
+    <p:spTree>
+      <p:nvGrpSpPr>
+        <p:cNvPr id="1" name=""/>
+        <p:cNvGrpSpPr/>
+        <p:nvPr/>
+      </p:nvGrpSpPr>
+      <p:grpSpPr>
+        <a:xfrm>
+          <a:off x="0" y="0"/>
+          <a:ext cx="0" cy="0"/>
+          <a:chOff x="0" y="0"/>
+          <a:chExt cx="0" cy="0"/>
+        </a:xfrm>
+      </p:grpSpPr>
+      <p:sp>
+        <p:nvSpPr>
+          <p:cNvPr id="3" name="Rectangle 2"/>
+          <p:cNvSpPr/>
+          <p:nvPr/>
+        </p:nvSpPr>
+        <p:spPr>
+          <a:xfrm>
+            <a:off x="0" y="0"/>
+            <a:ext cx="9144000" cy="2015936"/>
+          </a:xfrm>
+          <a:prstGeom prst="rect">
+            <a:avLst/>
+          </a:prstGeom>
+        </p:spPr>
+        <p:txBody>
+          <a:bodyPr wrap="square">
+            <a:spAutoFit/>
+          </a:bodyPr>
+          <a:lstStyle/>
+          <a:p>
+            <a:pPr algn="ctr"/>
+            <a:endParaRPr lang="en-US" sz="4000" b="1" dirty="0"/>
+          </a:p>
+          <a:p>
+            <a:pPr lvl="1"/>
+            <a:r>
+              <a:rPr lang="en-NZ" sz="3500" b="1" dirty="0"/>
+              <a:t>Inheritance syntax in C++</a:t>
+            </a:r>
+            <a:endParaRPr lang="en-US" sz="3500" b="1" dirty="0"/>
+          </a:p>
+          <a:p>
+            <a:pPr marL="1657350" lvl="2" indent="-742950">
+              <a:buFont typeface="Arial" panose="020B0604020202020204" pitchFamily="34" charset="0"/>
+              <a:buChar char="•"/>
+            </a:pPr>
+            <a:endParaRPr lang="en-US" sz="2500" dirty="0" smtClean="0"/>
+          </a:p>
+          <a:p>
+            <a:pPr marL="1657350" lvl="2" indent="-742950">
+              <a:buFont typeface="Arial" panose="020B0604020202020204" pitchFamily="34" charset="0"/>
+              <a:buChar char="•"/>
+            </a:pPr>
+            <a:r>
+              <a:rPr lang="en-NZ" sz="2500" dirty="0" smtClean="0"/>
+              <a:t>In Child1.h</a:t>
+            </a:r>
+          </a:p>
+        </p:txBody>
+      </p:sp>
+      <p:pic>
+        <p:nvPicPr>
+          <p:cNvPr id="5" name="Picture 2"/>
+          <p:cNvPicPr>
+            <a:picLocks noChangeAspect="1" noChangeArrowheads="1"/>
+          </p:cNvPicPr>
+          <p:nvPr/>
+        </p:nvPicPr>
+        <p:blipFill>
+          <a:blip r:embed="rId3" cstate="print"/>
+          <a:srcRect/>
+          <a:stretch>
+            <a:fillRect/>
+          </a:stretch>
+        </p:blipFill>
+        <p:spPr bwMode="auto">
+          <a:xfrm>
+            <a:off x="413370" y="2438400"/>
+            <a:ext cx="8317260" cy="3672408"/>
+          </a:xfrm>
+          <a:prstGeom prst="rect">
+            <a:avLst/>
+          </a:prstGeom>
+          <a:noFill/>
+          <a:ln w="9525">
+            <a:noFill/>
+            <a:miter lim="800000"/>
+            <a:headEnd/>
+            <a:tailEnd/>
+          </a:ln>
+        </p:spPr>
+      </p:pic>
+    </p:spTree>
+    <p:extLst>
+      <p:ext uri="{BB962C8B-B14F-4D97-AF65-F5344CB8AC3E}">
+        <p14:creationId xmlns:p14="http://schemas.microsoft.com/office/powerpoint/2010/main" val="2183506415"/>
+      </p:ext>
+    </p:extLst>
+  </p:cSld>
+  <p:clrMapOvr>
+    <a:masterClrMapping/>
+  </p:clrMapOvr>
+  <p:timing>
+    <p:tnLst>
+      <p:par>
+        <p:cTn id="1" dur="indefinite" restart="never" nodeType="tmRoot">
+          <p:childTnLst>
+            <p:seq concurrent="1" nextAc="seek">
+              <p:cTn id="2" dur="indefinite" nodeType="mainSeq">
+                <p:childTnLst>
+                  <p:par>
+                    <p:cTn id="3" fill="hold">
+                      <p:stCondLst>
+                        <p:cond delay="indefinite"/>
+                      </p:stCondLst>
+                      <p:childTnLst>
+                        <p:par>
+                          <p:cTn id="4" fill="hold">
+                            <p:stCondLst>
+                              <p:cond delay="0"/>
+                            </p:stCondLst>
+                            <p:childTnLst>
+                              <p:par>
+                                <p:cTn id="5" presetID="1" presetClass="entr" presetSubtype="0" fill="hold" nodeType="clickEffect">
+                                  <p:stCondLst>
+                                    <p:cond delay="0"/>
+                                  </p:stCondLst>
+                                  <p:childTnLst>
+                                    <p:set>
+                                      <p:cBhvr>
+                                        <p:cTn id="6" dur="1" fill="hold">
+                                          <p:stCondLst>
+                                            <p:cond delay="0"/>
+                                          </p:stCondLst>
+                                        </p:cTn>
+                                        <p:tgtEl>
+                                          <p:spTgt spid="5"/>
+                                        </p:tgtEl>
+                                        <p:attrNameLst>
+                                          <p:attrName>style.visibility</p:attrName>
+                                        </p:attrNameLst>
+                                      </p:cBhvr>
+                                      <p:to>
+                                        <p:strVal val="visible"/>
+                                      </p:to>
+                                    </p:set>
+                                  </p:childTnLst>
+                                </p:cTn>
+                              </p:par>
+                            </p:childTnLst>
+                          </p:cTn>
+                        </p:par>
+                      </p:childTnLst>
+                    </p:cTn>
+                  </p:par>
+                </p:childTnLst>
+              </p:cTn>
+              <p:prevCondLst>
+                <p:cond evt="onPrev" delay="0">
+                  <p:tgtEl>
+                    <p:sldTgt/>
+                  </p:tgtEl>
+                </p:cond>
+              </p:prevCondLst>
+              <p:nextCondLst>
+                <p:cond evt="onNext" delay="0">
+                  <p:tgtEl>
+                    <p:sldTgt/>
+                  </p:tgtEl>
+                </p:cond>
+              </p:nextCondLst>
+            </p:seq>
+          </p:childTnLst>
+        </p:cTn>
+      </p:par>
+    </p:tnLst>
+  </p:timing>
+</p:sld>
+</file>
+
+<file path=ppt/slides/slide15.xml><?xml version="1.0" encoding="utf-8"?>
+<p:sld xmlns:a="http://schemas.openxmlformats.org/drawingml/2006/main" xmlns:r="http://schemas.openxmlformats.org/officeDocument/2006/relationships" xmlns:p="http://schemas.openxmlformats.org/presentationml/2006/main">
+  <p:cSld>
+    <p:bg>
+      <p:bgPr>
+        <a:solidFill>
+          <a:schemeClr val="accent5">
+            <a:lumMod val="60000"/>
+            <a:lumOff val="40000"/>
+          </a:schemeClr>
+        </a:solidFill>
+        <a:effectLst/>
+      </p:bgPr>
+    </p:bg>
+    <p:spTree>
+      <p:nvGrpSpPr>
+        <p:cNvPr id="1" name=""/>
+        <p:cNvGrpSpPr/>
+        <p:nvPr/>
+      </p:nvGrpSpPr>
+      <p:grpSpPr>
+        <a:xfrm>
+          <a:off x="0" y="0"/>
+          <a:ext cx="0" cy="0"/>
+          <a:chOff x="0" y="0"/>
+          <a:chExt cx="0" cy="0"/>
+        </a:xfrm>
+      </p:grpSpPr>
+      <p:sp>
+        <p:nvSpPr>
+          <p:cNvPr id="3" name="Rectangle 2"/>
+          <p:cNvSpPr/>
+          <p:nvPr/>
+        </p:nvSpPr>
+        <p:spPr>
+          <a:xfrm>
+            <a:off x="0" y="0"/>
+            <a:ext cx="9144000" cy="2015936"/>
+          </a:xfrm>
+          <a:prstGeom prst="rect">
+            <a:avLst/>
+          </a:prstGeom>
+        </p:spPr>
+        <p:txBody>
+          <a:bodyPr wrap="square">
+            <a:spAutoFit/>
+          </a:bodyPr>
+          <a:lstStyle/>
+          <a:p>
+            <a:pPr algn="ctr"/>
+            <a:endParaRPr lang="en-US" sz="4000" b="1" dirty="0"/>
+          </a:p>
+          <a:p>
+            <a:pPr lvl="1"/>
+            <a:r>
+              <a:rPr lang="en-NZ" sz="3500" b="1" dirty="0"/>
+              <a:t>Inheritance syntax in C++</a:t>
+            </a:r>
+            <a:endParaRPr lang="en-US" sz="3500" b="1" dirty="0"/>
+          </a:p>
+          <a:p>
+            <a:pPr marL="1657350" lvl="2" indent="-742950">
+              <a:buFont typeface="Arial" panose="020B0604020202020204" pitchFamily="34" charset="0"/>
+              <a:buChar char="•"/>
+            </a:pPr>
+            <a:endParaRPr lang="en-US" sz="2500" dirty="0" smtClean="0"/>
+          </a:p>
+          <a:p>
+            <a:pPr marL="1657350" lvl="2" indent="-742950">
+              <a:buFont typeface="Arial" panose="020B0604020202020204" pitchFamily="34" charset="0"/>
+              <a:buChar char="•"/>
+            </a:pPr>
+            <a:r>
+              <a:rPr lang="en-NZ" sz="2500" dirty="0" smtClean="0"/>
+              <a:t>In Child1.cpp</a:t>
+            </a:r>
+          </a:p>
+        </p:txBody>
+      </p:sp>
+      <p:pic>
+        <p:nvPicPr>
+          <p:cNvPr id="4" name="Picture 2"/>
+          <p:cNvPicPr>
+            <a:picLocks noChangeAspect="1" noChangeArrowheads="1"/>
+          </p:cNvPicPr>
+          <p:nvPr/>
+        </p:nvPicPr>
+        <p:blipFill>
+          <a:blip r:embed="rId3" cstate="print"/>
+          <a:srcRect/>
+          <a:stretch>
+            <a:fillRect/>
+          </a:stretch>
+        </p:blipFill>
+        <p:spPr bwMode="auto">
+          <a:xfrm>
+            <a:off x="1742661" y="2286000"/>
+            <a:ext cx="5658677" cy="4104456"/>
+          </a:xfrm>
+          <a:prstGeom prst="rect">
+            <a:avLst/>
+          </a:prstGeom>
+          <a:noFill/>
+          <a:ln w="9525">
+            <a:noFill/>
+            <a:miter lim="800000"/>
+            <a:headEnd/>
+            <a:tailEnd/>
+          </a:ln>
+        </p:spPr>
+      </p:pic>
+    </p:spTree>
+    <p:extLst>
+      <p:ext uri="{BB962C8B-B14F-4D97-AF65-F5344CB8AC3E}">
+        <p14:creationId xmlns:p14="http://schemas.microsoft.com/office/powerpoint/2010/main" val="1403981915"/>
+      </p:ext>
+    </p:extLst>
+  </p:cSld>
+  <p:clrMapOvr>
+    <a:masterClrMapping/>
+  </p:clrMapOvr>
+  <p:timing>
+    <p:tnLst>
+      <p:par>
+        <p:cTn id="1" dur="indefinite" restart="never" nodeType="tmRoot">
+          <p:childTnLst>
+            <p:seq concurrent="1" nextAc="seek">
+              <p:cTn id="2" dur="indefinite" nodeType="mainSeq">
+                <p:childTnLst>
+                  <p:par>
+                    <p:cTn id="3" fill="hold">
+                      <p:stCondLst>
+                        <p:cond delay="indefinite"/>
+                      </p:stCondLst>
+                      <p:childTnLst>
+                        <p:par>
+                          <p:cTn id="4" fill="hold">
+                            <p:stCondLst>
+                              <p:cond delay="0"/>
+                            </p:stCondLst>
+                            <p:childTnLst>
+                              <p:par>
+                                <p:cTn id="5" presetID="1" presetClass="entr" presetSubtype="0" fill="hold" nodeType="clickEffect">
+                                  <p:stCondLst>
+                                    <p:cond delay="0"/>
+                                  </p:stCondLst>
+                                  <p:childTnLst>
+                                    <p:set>
+                                      <p:cBhvr>
+                                        <p:cTn id="6" dur="1" fill="hold">
+                                          <p:stCondLst>
+                                            <p:cond delay="0"/>
+                                          </p:stCondLst>
+                                        </p:cTn>
+                                        <p:tgtEl>
+                                          <p:spTgt spid="4"/>
+                                        </p:tgtEl>
+                                        <p:attrNameLst>
+                                          <p:attrName>style.visibility</p:attrName>
+                                        </p:attrNameLst>
+                                      </p:cBhvr>
+                                      <p:to>
+                                        <p:strVal val="visible"/>
+                                      </p:to>
+                                    </p:set>
+                                  </p:childTnLst>
+                                </p:cTn>
+                              </p:par>
+                            </p:childTnLst>
+                          </p:cTn>
+                        </p:par>
+                      </p:childTnLst>
+                    </p:cTn>
+                  </p:par>
+                </p:childTnLst>
+              </p:cTn>
+              <p:prevCondLst>
+                <p:cond evt="onPrev" delay="0">
+                  <p:tgtEl>
+                    <p:sldTgt/>
+                  </p:tgtEl>
+                </p:cond>
+              </p:prevCondLst>
+              <p:nextCondLst>
+                <p:cond evt="onNext" delay="0">
+                  <p:tgtEl>
+                    <p:sldTgt/>
+                  </p:tgtEl>
+                </p:cond>
+              </p:nextCondLst>
+            </p:seq>
+          </p:childTnLst>
+        </p:cTn>
+      </p:par>
+    </p:tnLst>
+  </p:timing>
+</p:sld>
+</file>
+
+<file path=ppt/slides/slide16.xml><?xml version="1.0" encoding="utf-8"?>
+<p:sld xmlns:a="http://schemas.openxmlformats.org/drawingml/2006/main" xmlns:r="http://schemas.openxmlformats.org/officeDocument/2006/relationships" xmlns:p="http://schemas.openxmlformats.org/presentationml/2006/main">
+  <p:cSld>
+    <p:bg>
+      <p:bgPr>
+        <a:solidFill>
+          <a:schemeClr val="accent5">
+            <a:lumMod val="60000"/>
+            <a:lumOff val="40000"/>
+          </a:schemeClr>
+        </a:solidFill>
+        <a:effectLst/>
+      </p:bgPr>
+    </p:bg>
+    <p:spTree>
+      <p:nvGrpSpPr>
+        <p:cNvPr id="1" name=""/>
+        <p:cNvGrpSpPr/>
+        <p:nvPr/>
+      </p:nvGrpSpPr>
+      <p:grpSpPr>
+        <a:xfrm>
+          <a:off x="0" y="0"/>
+          <a:ext cx="0" cy="0"/>
+          <a:chOff x="0" y="0"/>
+          <a:chExt cx="0" cy="0"/>
+        </a:xfrm>
+      </p:grpSpPr>
+      <p:sp>
+        <p:nvSpPr>
+          <p:cNvPr id="3" name="Rectangle 2"/>
+          <p:cNvSpPr/>
+          <p:nvPr/>
+        </p:nvSpPr>
+        <p:spPr>
+          <a:xfrm>
+            <a:off x="0" y="0"/>
+            <a:ext cx="9144000" cy="2015936"/>
+          </a:xfrm>
+          <a:prstGeom prst="rect">
+            <a:avLst/>
+          </a:prstGeom>
+        </p:spPr>
+        <p:txBody>
+          <a:bodyPr wrap="square">
+            <a:spAutoFit/>
+          </a:bodyPr>
+          <a:lstStyle/>
+          <a:p>
+            <a:pPr algn="ctr"/>
+            <a:endParaRPr lang="en-US" sz="4000" b="1" dirty="0"/>
+          </a:p>
+          <a:p>
+            <a:pPr lvl="1"/>
+            <a:r>
+              <a:rPr lang="en-NZ" sz="3500" b="1" dirty="0" smtClean="0"/>
+              <a:t>Practical</a:t>
+            </a:r>
+            <a:endParaRPr lang="en-US" sz="3500" b="1" dirty="0" smtClean="0"/>
+          </a:p>
+          <a:p>
+            <a:pPr marL="1657350" lvl="2" indent="-742950">
+              <a:buFont typeface="Arial" panose="020B0604020202020204" pitchFamily="34" charset="0"/>
+              <a:buChar char="•"/>
+            </a:pPr>
+            <a:endParaRPr lang="en-US" sz="2500" dirty="0" smtClean="0"/>
+          </a:p>
+          <a:p>
+            <a:pPr marL="1657350" lvl="2" indent="-742950">
+              <a:buFont typeface="Arial" panose="020B0604020202020204" pitchFamily="34" charset="0"/>
+              <a:buChar char="•"/>
+            </a:pPr>
+            <a:r>
+              <a:rPr lang="en-NZ" sz="2500" dirty="0" smtClean="0"/>
+              <a:t>Approach-avoid</a:t>
+            </a:r>
+            <a:endParaRPr lang="en-NZ" sz="2500" dirty="0"/>
+          </a:p>
+        </p:txBody>
+      </p:sp>
+      <p:pic>
+        <p:nvPicPr>
+          <p:cNvPr id="4" name="Picture 3"/>
+          <p:cNvPicPr>
+            <a:picLocks noChangeAspect="1" noChangeArrowheads="1"/>
+          </p:cNvPicPr>
+          <p:nvPr/>
+        </p:nvPicPr>
+        <p:blipFill rotWithShape="1">
+          <a:blip r:embed="rId3" cstate="print"/>
+          <a:srcRect l="1117" t="5895" r="1048" b="3401"/>
+          <a:stretch/>
+        </p:blipFill>
+        <p:spPr bwMode="auto">
+          <a:xfrm>
+            <a:off x="952500" y="2209800"/>
+            <a:ext cx="7239000" cy="3657600"/>
+          </a:xfrm>
+          <a:prstGeom prst="rect">
+            <a:avLst/>
+          </a:prstGeom>
+          <a:noFill/>
+          <a:ln w="9525">
+            <a:noFill/>
+            <a:miter lim="800000"/>
+            <a:headEnd/>
+            <a:tailEnd/>
+          </a:ln>
+        </p:spPr>
+      </p:pic>
+    </p:spTree>
+    <p:extLst>
+      <p:ext uri="{BB962C8B-B14F-4D97-AF65-F5344CB8AC3E}">
+        <p14:creationId xmlns:p14="http://schemas.microsoft.com/office/powerpoint/2010/main" val="2683406272"/>
+      </p:ext>
+    </p:extLst>
+  </p:cSld>
+  <p:clrMapOvr>
+    <a:masterClrMapping/>
+  </p:clrMapOvr>
+  <p:timing>
+    <p:tnLst>
+      <p:par>
+        <p:cTn id="1" dur="indefinite" restart="never" nodeType="tmRoot"/>
+      </p:par>
+    </p:tnLst>
+  </p:timing>
+</p:sld>
+</file>
+
+<file path=ppt/slides/slide17.xml><?xml version="1.0" encoding="utf-8"?>
+<p:sld xmlns:a="http://schemas.openxmlformats.org/drawingml/2006/main" xmlns:r="http://schemas.openxmlformats.org/officeDocument/2006/relationships" xmlns:p="http://schemas.openxmlformats.org/presentationml/2006/main">
+  <p:cSld>
+    <p:bg>
+      <p:bgPr>
+        <a:solidFill>
+          <a:schemeClr val="accent5">
+            <a:lumMod val="60000"/>
+            <a:lumOff val="40000"/>
+          </a:schemeClr>
+        </a:solidFill>
+        <a:effectLst/>
+      </p:bgPr>
+    </p:bg>
+    <p:spTree>
+      <p:nvGrpSpPr>
+        <p:cNvPr id="1" name=""/>
+        <p:cNvGrpSpPr/>
+        <p:nvPr/>
+      </p:nvGrpSpPr>
+      <p:grpSpPr>
+        <a:xfrm>
+          <a:off x="0" y="0"/>
+          <a:ext cx="0" cy="0"/>
+          <a:chOff x="0" y="0"/>
+          <a:chExt cx="0" cy="0"/>
+        </a:xfrm>
+      </p:grpSpPr>
+      <p:sp>
+        <p:nvSpPr>
+          <p:cNvPr id="3" name="Rectangle 2"/>
+          <p:cNvSpPr/>
+          <p:nvPr/>
+        </p:nvSpPr>
+        <p:spPr>
+          <a:xfrm>
+            <a:off x="0" y="0"/>
+            <a:ext cx="9144000" cy="6478697"/>
+          </a:xfrm>
+          <a:prstGeom prst="rect">
+            <a:avLst/>
+          </a:prstGeom>
+        </p:spPr>
+        <p:txBody>
+          <a:bodyPr wrap="square">
+            <a:spAutoFit/>
+          </a:bodyPr>
+          <a:lstStyle/>
+          <a:p>
+            <a:pPr algn="ctr"/>
+            <a:endParaRPr lang="en-US" sz="4000" b="1" dirty="0"/>
+          </a:p>
+          <a:p>
+            <a:pPr lvl="1"/>
+            <a:r>
+              <a:rPr lang="en-NZ" sz="3500" b="1" dirty="0" smtClean="0"/>
+              <a:t>Practical</a:t>
+            </a:r>
+            <a:endParaRPr lang="en-US" sz="3500" b="1" dirty="0" smtClean="0"/>
+          </a:p>
+          <a:p>
+            <a:pPr marL="1657350" lvl="2" indent="-742950">
+              <a:buFont typeface="Arial" panose="020B0604020202020204" pitchFamily="34" charset="0"/>
+              <a:buChar char="•"/>
+            </a:pPr>
+            <a:endParaRPr lang="en-US" sz="2500" dirty="0" smtClean="0"/>
+          </a:p>
+          <a:p>
+            <a:pPr marL="1657350" lvl="2" indent="-742950">
+              <a:buFont typeface="Arial" panose="020B0604020202020204" pitchFamily="34" charset="0"/>
+              <a:buChar char="•"/>
+            </a:pPr>
+            <a:r>
+              <a:rPr lang="en-NZ" sz="2500" dirty="0"/>
+              <a:t>Use Inheritance </a:t>
+            </a:r>
+            <a:r>
+              <a:rPr lang="en-NZ" sz="2500" b="1" dirty="0" err="1" smtClean="0"/>
+              <a:t>InheritanceApproachAvoid</a:t>
+            </a:r>
+            <a:r>
+              <a:rPr lang="en-NZ" sz="2500" b="1" dirty="0" smtClean="0"/>
+              <a:t> </a:t>
+            </a:r>
+            <a:r>
+              <a:rPr lang="en-NZ" sz="2500" b="1" dirty="0"/>
+              <a:t>Skeleton</a:t>
+            </a:r>
+          </a:p>
+          <a:p>
+            <a:pPr marL="1657350" lvl="2" indent="-742950">
+              <a:buFont typeface="Arial" panose="020B0604020202020204" pitchFamily="34" charset="0"/>
+              <a:buChar char="•"/>
+            </a:pPr>
+            <a:r>
+              <a:rPr lang="en-NZ" sz="2500" dirty="0"/>
+              <a:t>Carefully study the existing classes, </a:t>
+            </a:r>
+            <a:r>
+              <a:rPr lang="en-NZ" sz="2500" b="1" dirty="0"/>
+              <a:t>SimpleSprite</a:t>
+            </a:r>
+            <a:r>
+              <a:rPr lang="en-NZ" sz="2500" dirty="0"/>
+              <a:t>, </a:t>
+            </a:r>
+            <a:r>
+              <a:rPr lang="en-NZ" sz="2500" b="1" dirty="0" err="1"/>
+              <a:t>SpriteList</a:t>
+            </a:r>
+            <a:r>
+              <a:rPr lang="en-NZ" sz="2500" dirty="0"/>
+              <a:t> and </a:t>
+            </a:r>
+            <a:r>
+              <a:rPr lang="en-NZ" sz="2500" b="1" dirty="0"/>
+              <a:t>Form1</a:t>
+            </a:r>
+            <a:r>
+              <a:rPr lang="en-NZ" sz="2500" dirty="0"/>
+              <a:t>. Read the comments in </a:t>
+            </a:r>
+            <a:r>
+              <a:rPr lang="en-NZ" sz="2500" b="1" dirty="0"/>
+              <a:t>Form1.h</a:t>
+            </a:r>
+          </a:p>
+          <a:p>
+            <a:pPr marL="1657350" lvl="2" indent="-742950">
+              <a:buFont typeface="Arial" panose="020B0604020202020204" pitchFamily="34" charset="0"/>
+              <a:buChar char="•"/>
+            </a:pPr>
+            <a:r>
+              <a:rPr lang="en-NZ" sz="2500" dirty="0"/>
+              <a:t>Add two new classes </a:t>
+            </a:r>
+            <a:r>
+              <a:rPr lang="en-NZ" sz="2500" b="1" dirty="0"/>
+              <a:t>Approacher</a:t>
+            </a:r>
+            <a:r>
+              <a:rPr lang="en-NZ" sz="2500" dirty="0"/>
+              <a:t> and </a:t>
+            </a:r>
+            <a:r>
+              <a:rPr lang="en-NZ" sz="2500" b="1" dirty="0"/>
+              <a:t>Avoider</a:t>
+            </a:r>
+            <a:r>
+              <a:rPr lang="en-NZ" sz="2500" dirty="0"/>
+              <a:t>, both </a:t>
+            </a:r>
+            <a:r>
+              <a:rPr lang="en-NZ" sz="2500" dirty="0" smtClean="0"/>
+              <a:t>	descended from </a:t>
+            </a:r>
+            <a:r>
+              <a:rPr lang="en-NZ" sz="2500" b="1" dirty="0" smtClean="0"/>
+              <a:t>SimpleSprite</a:t>
+            </a:r>
+            <a:r>
+              <a:rPr lang="en-NZ" sz="2500" dirty="0" smtClean="0"/>
+              <a:t>, so that your </a:t>
+            </a:r>
+          </a:p>
+          <a:p>
+            <a:pPr lvl="2"/>
+            <a:r>
+              <a:rPr lang="en-NZ" sz="2500" dirty="0"/>
+              <a:t>	</a:t>
+            </a:r>
+            <a:r>
+              <a:rPr lang="en-NZ" sz="2500" dirty="0" smtClean="0"/>
+              <a:t>application runs as in the demo</a:t>
+            </a:r>
+            <a:endParaRPr lang="en-NZ" sz="2500" dirty="0"/>
+          </a:p>
+          <a:p>
+            <a:pPr marL="1657350" lvl="2" indent="-742950">
+              <a:buFont typeface="Arial" panose="020B0604020202020204" pitchFamily="34" charset="0"/>
+              <a:buChar char="•"/>
+            </a:pPr>
+            <a:r>
+              <a:rPr lang="en-NZ" sz="2500" dirty="0"/>
+              <a:t>Before creating your new child classes, decide:</a:t>
+            </a:r>
+          </a:p>
+          <a:p>
+            <a:pPr marL="2114550" lvl="3" indent="-742950">
+              <a:buFont typeface="Arial" panose="020B0604020202020204" pitchFamily="34" charset="0"/>
+              <a:buChar char="•"/>
+            </a:pPr>
+            <a:r>
+              <a:rPr lang="en-NZ" sz="2000" dirty="0"/>
+              <a:t>What data members and methods do they inherit from their parent?</a:t>
+            </a:r>
+          </a:p>
+          <a:p>
+            <a:pPr marL="2114550" lvl="3" indent="-742950">
+              <a:buFont typeface="Arial" panose="020B0604020202020204" pitchFamily="34" charset="0"/>
+              <a:buChar char="•"/>
+            </a:pPr>
+            <a:r>
+              <a:rPr lang="en-NZ" sz="2000" dirty="0"/>
+              <a:t>What additional data members (if any) do they each need?</a:t>
+            </a:r>
+          </a:p>
+          <a:p>
+            <a:pPr marL="2114550" lvl="3" indent="-742950">
+              <a:buFont typeface="Arial" panose="020B0604020202020204" pitchFamily="34" charset="0"/>
+              <a:buChar char="•"/>
+            </a:pPr>
+            <a:r>
+              <a:rPr lang="en-NZ" sz="2000" dirty="0"/>
+              <a:t>What additional methods (if any) do they each need?</a:t>
+            </a:r>
+          </a:p>
+          <a:p>
+            <a:pPr marL="2114550" lvl="3" indent="-742950">
+              <a:buFont typeface="Arial" panose="020B0604020202020204" pitchFamily="34" charset="0"/>
+              <a:buChar char="•"/>
+            </a:pPr>
+            <a:r>
+              <a:rPr lang="en-NZ" sz="2000" dirty="0"/>
+              <a:t>What inherited methods (if any) do they each need to override?</a:t>
+            </a:r>
+          </a:p>
+          <a:p>
+            <a:pPr marL="2114550" lvl="3" indent="-742950">
+              <a:buFont typeface="Arial" panose="020B0604020202020204" pitchFamily="34" charset="0"/>
+              <a:buChar char="•"/>
+            </a:pPr>
+            <a:r>
+              <a:rPr lang="en-NZ" sz="2000" dirty="0"/>
+              <a:t>If you are going to add methods or override inherited methods, what is the logic for each one?</a:t>
+            </a:r>
+          </a:p>
+        </p:txBody>
+      </p:sp>
+    </p:spTree>
+    <p:extLst>
+      <p:ext uri="{BB962C8B-B14F-4D97-AF65-F5344CB8AC3E}">
+        <p14:creationId xmlns:p14="http://schemas.microsoft.com/office/powerpoint/2010/main" val="242115439"/>
+      </p:ext>
+    </p:extLst>
+  </p:cSld>
+  <p:clrMapOvr>
+    <a:masterClrMapping/>
+  </p:clrMapOvr>
+  <p:timing>
+    <p:tnLst>
+      <p:par>
+        <p:cTn id="1" dur="indefinite" restart="never" nodeType="tmRoot"/>
+      </p:par>
+    </p:tnLst>
+  </p:timing>
+</p:sld>
+</file>
+
+<file path=ppt/slides/slide18.xml><?xml version="1.0" encoding="utf-8"?>
+<p:sld xmlns:a="http://schemas.openxmlformats.org/drawingml/2006/main" xmlns:r="http://schemas.openxmlformats.org/officeDocument/2006/relationships" xmlns:p="http://schemas.openxmlformats.org/presentationml/2006/main">
+  <p:cSld>
+    <p:bg>
+      <p:bgPr>
+        <a:solidFill>
+          <a:schemeClr val="accent5">
+            <a:lumMod val="60000"/>
+            <a:lumOff val="40000"/>
+          </a:schemeClr>
+        </a:solidFill>
+        <a:effectLst/>
+      </p:bgPr>
+    </p:bg>
+    <p:spTree>
+      <p:nvGrpSpPr>
+        <p:cNvPr id="1" name=""/>
+        <p:cNvGrpSpPr/>
+        <p:nvPr/>
+      </p:nvGrpSpPr>
+      <p:grpSpPr>
+        <a:xfrm>
+          <a:off x="0" y="0"/>
+          <a:ext cx="0" cy="0"/>
+          <a:chOff x="0" y="0"/>
+          <a:chExt cx="0" cy="0"/>
+        </a:xfrm>
+      </p:grpSpPr>
+      <p:sp>
+        <p:nvSpPr>
+          <p:cNvPr id="3" name="Rectangle 2"/>
+          <p:cNvSpPr/>
+          <p:nvPr/>
+        </p:nvSpPr>
+        <p:spPr>
+          <a:xfrm>
+            <a:off x="0" y="0"/>
+            <a:ext cx="9144000" cy="1246495"/>
+          </a:xfrm>
+          <a:prstGeom prst="rect">
+            <a:avLst/>
+          </a:prstGeom>
+        </p:spPr>
+        <p:txBody>
+          <a:bodyPr wrap="square">
+            <a:spAutoFit/>
+          </a:bodyPr>
+          <a:lstStyle/>
+          <a:p>
+            <a:pPr algn="ctr"/>
+            <a:endParaRPr lang="en-US" sz="4000" b="1" dirty="0"/>
+          </a:p>
+          <a:p>
+            <a:pPr lvl="1"/>
+            <a:r>
+              <a:rPr lang="en-NZ" sz="3500" b="1" dirty="0" smtClean="0"/>
+              <a:t>Practical – code examples</a:t>
+            </a:r>
+            <a:endParaRPr lang="en-US" sz="3500" b="1" dirty="0" smtClean="0"/>
+          </a:p>
+        </p:txBody>
+      </p:sp>
+      <p:grpSp>
+        <p:nvGrpSpPr>
+          <p:cNvPr id="5" name="Group 4"/>
+          <p:cNvGrpSpPr/>
+          <p:nvPr/>
+        </p:nvGrpSpPr>
+        <p:grpSpPr>
+          <a:xfrm>
+            <a:off x="366712" y="1600200"/>
+            <a:ext cx="8410575" cy="4896490"/>
+            <a:chOff x="403223" y="1685285"/>
+            <a:chExt cx="8410575" cy="4896490"/>
+          </a:xfrm>
+        </p:grpSpPr>
+        <p:pic>
+          <p:nvPicPr>
+            <p:cNvPr id="2" name="Picture 1"/>
+            <p:cNvPicPr>
+              <a:picLocks noChangeAspect="1"/>
+            </p:cNvPicPr>
+            <p:nvPr/>
+          </p:nvPicPr>
+          <p:blipFill>
+            <a:blip r:embed="rId3">
+              <a:extLst>
+                <a:ext uri="{28A0092B-C50C-407E-A947-70E740481C1C}">
+                  <a14:useLocalDpi xmlns:a14="http://schemas.microsoft.com/office/drawing/2010/main" val="0"/>
+                </a:ext>
+              </a:extLst>
+            </a:blip>
+            <a:stretch>
+              <a:fillRect/>
+            </a:stretch>
+          </p:blipFill>
+          <p:spPr>
+            <a:xfrm>
+              <a:off x="403223" y="4191000"/>
+              <a:ext cx="8410575" cy="2390775"/>
+            </a:xfrm>
+            <a:prstGeom prst="rect">
+              <a:avLst/>
+            </a:prstGeom>
+          </p:spPr>
+        </p:pic>
+        <p:pic>
+          <p:nvPicPr>
+            <p:cNvPr id="4" name="Picture 3"/>
+            <p:cNvPicPr>
+              <a:picLocks noChangeAspect="1"/>
+            </p:cNvPicPr>
+            <p:nvPr/>
+          </p:nvPicPr>
+          <p:blipFill>
+            <a:blip r:embed="rId4">
+              <a:extLst>
+                <a:ext uri="{28A0092B-C50C-407E-A947-70E740481C1C}">
+                  <a14:useLocalDpi xmlns:a14="http://schemas.microsoft.com/office/drawing/2010/main" val="0"/>
+                </a:ext>
+              </a:extLst>
+            </a:blip>
+            <a:stretch>
+              <a:fillRect/>
+            </a:stretch>
+          </p:blipFill>
+          <p:spPr>
+            <a:xfrm>
+              <a:off x="403223" y="1685285"/>
+              <a:ext cx="8410575" cy="2343150"/>
+            </a:xfrm>
+            <a:prstGeom prst="rect">
+              <a:avLst/>
+            </a:prstGeom>
+          </p:spPr>
+        </p:pic>
+      </p:grpSp>
+    </p:spTree>
+    <p:extLst>
+      <p:ext uri="{BB962C8B-B14F-4D97-AF65-F5344CB8AC3E}">
+        <p14:creationId xmlns:p14="http://schemas.microsoft.com/office/powerpoint/2010/main" val="591224060"/>
       </p:ext>
     </p:extLst>
   </p:cSld>
@@ -4256,7 +8793,15 @@
             </a:pPr>
             <a:r>
               <a:rPr lang="en-NZ" sz="2500" dirty="0"/>
-              <a:t>A group of classes are related in that they have a common core of shared functionality and/or </a:t>
+              <a:t>A group of classes are related in that they have a </a:t>
+            </a:r>
+            <a:r>
+              <a:rPr lang="en-NZ" sz="2500" dirty="0" smtClean="0"/>
+              <a:t>	common </a:t>
+            </a:r>
+            <a:r>
+              <a:rPr lang="en-NZ" sz="2500" dirty="0"/>
+              <a:t>core of shared functionality and/or </a:t>
             </a:r>
             <a:r>
               <a:rPr lang="en-NZ" sz="2500" dirty="0" smtClean="0"/>
@@ -4309,8 +8854,13 @@
             </a:pPr>
             <a:r>
               <a:rPr lang="en-NZ" sz="2500" dirty="0"/>
-              <a:t>Inheritance promotes code reuse and reduces code duplication.</a:t>
-            </a:r>
+              <a:t>Inheritance promotes code reuse and reduces code </a:t>
+            </a:r>
+            <a:r>
+              <a:rPr lang="en-NZ" sz="2500" dirty="0" smtClean="0"/>
+              <a:t>	duplication</a:t>
+            </a:r>
+            <a:endParaRPr lang="en-NZ" sz="2500" dirty="0"/>
           </a:p>
           <a:p>
             <a:pPr marL="1657350" lvl="2" indent="-742950">
@@ -4319,7 +8869,15 @@
             </a:pPr>
             <a:r>
               <a:rPr lang="en-NZ" sz="2500" dirty="0"/>
-              <a:t>Child classes contain additional data, additional functionality or polymorphic </a:t>
+              <a:t>Child classes contain additional data, additional </a:t>
+            </a:r>
+            <a:r>
+              <a:rPr lang="en-NZ" sz="2500" dirty="0" smtClean="0"/>
+              <a:t>	functionality </a:t>
+            </a:r>
+            <a:r>
+              <a:rPr lang="en-NZ" sz="2500" dirty="0"/>
+              <a:t>or polymorphic </a:t>
             </a:r>
             <a:r>
               <a:rPr lang="en-NZ" sz="2500" dirty="0" smtClean="0"/>
@@ -4334,7 +8892,15 @@
             </a:pPr>
             <a:r>
               <a:rPr lang="en-NZ" sz="2500" dirty="0"/>
-              <a:t>The parent-child relationship must be an “is-a” relationship, not a “has-a” </a:t>
+              <a:t>The parent-child relationship must be an “is-a” </a:t>
+            </a:r>
+            <a:r>
+              <a:rPr lang="en-NZ" sz="2500" dirty="0" smtClean="0"/>
+              <a:t>	relationship</a:t>
+            </a:r>
+            <a:r>
+              <a:rPr lang="en-NZ" sz="2500" dirty="0"/>
+              <a:t>, not a “has-a” </a:t>
             </a:r>
             <a:r>
               <a:rPr lang="en-NZ" sz="2500" dirty="0" smtClean="0"/>
@@ -4851,11 +9417,7 @@
               </a:r>
               <a:r>
                 <a:rPr lang="en-NZ" dirty="0" smtClean="0"/>
-                <a:t>() </a:t>
-              </a:r>
-              <a:r>
-                <a:rPr lang="en-NZ" dirty="0" smtClean="0"/>
-                <a:t>with algorithm 1</a:t>
+                <a:t>() with algorithm 1</a:t>
               </a:r>
               <a:endParaRPr lang="en-NZ" dirty="0"/>
             </a:p>
@@ -4953,11 +9515,7 @@
               </a:r>
               <a:r>
                 <a:rPr lang="en-NZ" dirty="0" smtClean="0"/>
-                <a:t>() </a:t>
-              </a:r>
-              <a:r>
-                <a:rPr lang="en-NZ" dirty="0" smtClean="0"/>
-                <a:t>with algorithm 2</a:t>
+                <a:t>() with algorithm 2</a:t>
               </a:r>
               <a:endParaRPr lang="en-NZ" dirty="0"/>
             </a:p>
@@ -5299,7 +9857,7 @@
         <p:spPr>
           <a:xfrm>
             <a:off x="0" y="0"/>
-            <a:ext cx="9144000" cy="2015936"/>
+            <a:ext cx="9144000" cy="1631216"/>
           </a:xfrm>
           <a:prstGeom prst="rect">
             <a:avLst/>
@@ -5318,64 +9876,97 @@
             <a:pPr lvl="1"/>
             <a:r>
               <a:rPr lang="en-NZ" sz="3500" b="1" dirty="0" smtClean="0"/>
-              <a:t>Practical</a:t>
+              <a:t>Inheritance syntax in C++</a:t>
             </a:r>
             <a:endParaRPr lang="en-US" sz="3500" b="1" dirty="0" smtClean="0"/>
           </a:p>
           <a:p>
-            <a:pPr marL="1657350" lvl="2" indent="-742950">
-              <a:buFont typeface="Arial" panose="020B0604020202020204" pitchFamily="34" charset="0"/>
-              <a:buChar char="•"/>
-            </a:pPr>
+            <a:pPr lvl="2"/>
             <a:endParaRPr lang="en-US" sz="2500" dirty="0" smtClean="0"/>
           </a:p>
-          <a:p>
-            <a:pPr marL="1657350" lvl="2" indent="-742950">
-              <a:buFont typeface="Arial" panose="020B0604020202020204" pitchFamily="34" charset="0"/>
-              <a:buChar char="•"/>
-            </a:pPr>
-            <a:r>
-              <a:rPr lang="en-NZ" sz="2500" dirty="0" smtClean="0"/>
-              <a:t>Approach-avoid</a:t>
-            </a:r>
-            <a:endParaRPr lang="en-NZ" sz="2500" dirty="0"/>
-          </a:p>
-        </p:txBody>
-      </p:sp>
-      <p:pic>
-        <p:nvPicPr>
-          <p:cNvPr id="4" name="Picture 3"/>
-          <p:cNvPicPr>
-            <a:picLocks noChangeAspect="1" noChangeArrowheads="1"/>
-          </p:cNvPicPr>
+        </p:txBody>
+      </p:sp>
+      <p:grpSp>
+        <p:nvGrpSpPr>
+          <p:cNvPr id="2" name="Group 1"/>
+          <p:cNvGrpSpPr/>
           <p:nvPr/>
-        </p:nvPicPr>
-        <p:blipFill rotWithShape="1">
-          <a:blip r:embed="rId3" cstate="print"/>
-          <a:srcRect l="1117" t="5895" r="1048" b="3401"/>
-          <a:stretch/>
-        </p:blipFill>
-        <p:spPr bwMode="auto">
+        </p:nvGrpSpPr>
+        <p:grpSpPr>
           <a:xfrm>
-            <a:off x="952500" y="2209800"/>
-            <a:ext cx="7239000" cy="3657600"/>
+            <a:off x="371475" y="1752600"/>
+            <a:ext cx="8401050" cy="3467100"/>
+            <a:chOff x="77466" y="1752600"/>
+            <a:chExt cx="8401050" cy="3467100"/>
           </a:xfrm>
-          <a:prstGeom prst="rect">
-            <a:avLst/>
-          </a:prstGeom>
-          <a:noFill/>
-          <a:ln w="9525">
+        </p:grpSpPr>
+        <p:pic>
+          <p:nvPicPr>
+            <p:cNvPr id="4" name="Picture 2"/>
+            <p:cNvPicPr>
+              <a:picLocks noChangeAspect="1" noChangeArrowheads="1"/>
+            </p:cNvPicPr>
+            <p:nvPr/>
+          </p:nvPicPr>
+          <p:blipFill>
+            <a:blip r:embed="rId3" cstate="print"/>
+            <a:srcRect/>
+            <a:stretch>
+              <a:fillRect/>
+            </a:stretch>
+          </p:blipFill>
+          <p:spPr bwMode="auto">
+            <a:xfrm>
+              <a:off x="77466" y="1752600"/>
+              <a:ext cx="4038600" cy="3467100"/>
+            </a:xfrm>
+            <a:prstGeom prst="rect">
+              <a:avLst/>
+            </a:prstGeom>
             <a:noFill/>
-            <a:miter lim="800000"/>
-            <a:headEnd/>
-            <a:tailEnd/>
-          </a:ln>
-        </p:spPr>
-      </p:pic>
+            <a:ln w="9525">
+              <a:noFill/>
+              <a:miter lim="800000"/>
+              <a:headEnd/>
+              <a:tailEnd/>
+            </a:ln>
+          </p:spPr>
+        </p:pic>
+        <p:pic>
+          <p:nvPicPr>
+            <p:cNvPr id="5" name="Picture 3"/>
+            <p:cNvPicPr>
+              <a:picLocks noChangeAspect="1" noChangeArrowheads="1"/>
+            </p:cNvPicPr>
+            <p:nvPr/>
+          </p:nvPicPr>
+          <p:blipFill rotWithShape="1">
+            <a:blip r:embed="rId4" cstate="print"/>
+            <a:srcRect b="6383"/>
+            <a:stretch/>
+          </p:blipFill>
+          <p:spPr bwMode="auto">
+            <a:xfrm>
+              <a:off x="4116066" y="1752600"/>
+              <a:ext cx="4362450" cy="2514600"/>
+            </a:xfrm>
+            <a:prstGeom prst="rect">
+              <a:avLst/>
+            </a:prstGeom>
+            <a:noFill/>
+            <a:ln w="9525">
+              <a:noFill/>
+              <a:miter lim="800000"/>
+              <a:headEnd/>
+              <a:tailEnd/>
+            </a:ln>
+          </p:spPr>
+        </p:pic>
+      </p:grpSp>
     </p:spTree>
     <p:extLst>
       <p:ext uri="{BB962C8B-B14F-4D97-AF65-F5344CB8AC3E}">
-        <p14:creationId xmlns:p14="http://schemas.microsoft.com/office/powerpoint/2010/main" val="2683406272"/>
+        <p14:creationId xmlns:p14="http://schemas.microsoft.com/office/powerpoint/2010/main" val="1553269041"/>
       </p:ext>
     </p:extLst>
   </p:cSld>
@@ -5429,7 +10020,7 @@
         <p:spPr>
           <a:xfrm>
             <a:off x="0" y="0"/>
-            <a:ext cx="9144000" cy="6478697"/>
+            <a:ext cx="9144000" cy="2015936"/>
           </a:xfrm>
           <a:prstGeom prst="rect">
             <a:avLst/>
@@ -5447,10 +10038,10 @@
           <a:p>
             <a:pPr lvl="1"/>
             <a:r>
-              <a:rPr lang="en-NZ" sz="3500" b="1" dirty="0" smtClean="0"/>
-              <a:t>Practical</a:t>
-            </a:r>
-            <a:endParaRPr lang="en-US" sz="3500" b="1" dirty="0" smtClean="0"/>
+              <a:rPr lang="en-NZ" sz="3500" b="1" dirty="0"/>
+              <a:t>Inheritance syntax in C++</a:t>
+            </a:r>
+            <a:endParaRPr lang="en-US" sz="3500" b="1" dirty="0"/>
           </a:p>
           <a:p>
             <a:pPr marL="1657350" lvl="2" indent="-742950">
@@ -5465,176 +10056,49 @@
               <a:buChar char="•"/>
             </a:pPr>
             <a:r>
-              <a:rPr lang="en-NZ" sz="2500" dirty="0"/>
-              <a:t>Use Inheritance </a:t>
-            </a:r>
-            <a:r>
-              <a:rPr lang="en-NZ" sz="2500" b="1" dirty="0" err="1" smtClean="0"/>
-              <a:t>InheritanceApproachAvoid</a:t>
-            </a:r>
-            <a:r>
-              <a:rPr lang="en-NZ" sz="2500" b="1" dirty="0" smtClean="0"/>
-              <a:t> </a:t>
-            </a:r>
-            <a:r>
-              <a:rPr lang="en-NZ" sz="2500" b="1" dirty="0"/>
-              <a:t>Skeleton</a:t>
-            </a:r>
-          </a:p>
-          <a:p>
-            <a:pPr marL="1657350" lvl="2" indent="-742950">
-              <a:buFont typeface="Arial" panose="020B0604020202020204" pitchFamily="34" charset="0"/>
-              <a:buChar char="•"/>
-            </a:pPr>
-            <a:r>
-              <a:rPr lang="en-NZ" sz="2500" dirty="0"/>
-              <a:t>Carefully study the existing classes, </a:t>
-            </a:r>
-            <a:r>
-              <a:rPr lang="en-NZ" sz="2500" b="1" dirty="0"/>
-              <a:t>SimpleSprite</a:t>
-            </a:r>
-            <a:r>
-              <a:rPr lang="en-NZ" sz="2500" dirty="0"/>
-              <a:t>, </a:t>
-            </a:r>
-            <a:r>
-              <a:rPr lang="en-NZ" sz="2500" b="1" dirty="0" err="1"/>
-              <a:t>SpriteList</a:t>
-            </a:r>
-            <a:r>
-              <a:rPr lang="en-NZ" sz="2500" dirty="0"/>
-              <a:t> and </a:t>
-            </a:r>
-            <a:r>
-              <a:rPr lang="en-NZ" sz="2500" b="1" dirty="0"/>
-              <a:t>Form1</a:t>
-            </a:r>
-            <a:r>
-              <a:rPr lang="en-NZ" sz="2500" dirty="0"/>
-              <a:t>. Read the comments in </a:t>
-            </a:r>
-            <a:r>
-              <a:rPr lang="en-NZ" sz="2500" b="1" dirty="0"/>
-              <a:t>Form1.h</a:t>
-            </a:r>
-          </a:p>
-          <a:p>
-            <a:pPr marL="1657350" lvl="2" indent="-742950">
-              <a:buFont typeface="Arial" panose="020B0604020202020204" pitchFamily="34" charset="0"/>
-              <a:buChar char="•"/>
-            </a:pPr>
-            <a:r>
-              <a:rPr lang="en-NZ" sz="2500" dirty="0"/>
-              <a:t>Add two new classes </a:t>
-            </a:r>
-            <a:r>
-              <a:rPr lang="en-NZ" sz="2500" b="1" dirty="0"/>
-              <a:t>Approacher</a:t>
-            </a:r>
-            <a:r>
-              <a:rPr lang="en-NZ" sz="2500" dirty="0"/>
-              <a:t> and </a:t>
-            </a:r>
-            <a:r>
-              <a:rPr lang="en-NZ" sz="2500" b="1" dirty="0"/>
-              <a:t>Avoider</a:t>
-            </a:r>
-            <a:r>
-              <a:rPr lang="en-NZ" sz="2500" dirty="0"/>
-              <a:t>, both </a:t>
-            </a:r>
-            <a:r>
               <a:rPr lang="en-NZ" sz="2500" dirty="0" smtClean="0"/>
-              <a:t>	descended from </a:t>
-            </a:r>
-            <a:r>
-              <a:rPr lang="en-NZ" sz="2500" b="1" dirty="0" smtClean="0"/>
-              <a:t>SimpleSprite</a:t>
-            </a:r>
-            <a:r>
-              <a:rPr lang="en-NZ" sz="2500" dirty="0" smtClean="0"/>
-              <a:t>, so that your </a:t>
-            </a:r>
-          </a:p>
-          <a:p>
-            <a:pPr lvl="2"/>
-            <a:r>
-              <a:rPr lang="en-NZ" sz="2500" dirty="0"/>
-              <a:t>	</a:t>
-            </a:r>
-            <a:r>
-              <a:rPr lang="en-NZ" sz="2500" dirty="0" smtClean="0"/>
-              <a:t>application runs as in the demo</a:t>
+              <a:t>In Child1.h</a:t>
             </a:r>
             <a:endParaRPr lang="en-NZ" sz="2500" dirty="0"/>
           </a:p>
-          <a:p>
-            <a:pPr marL="1657350" lvl="2" indent="-742950">
-              <a:buFont typeface="Arial" panose="020B0604020202020204" pitchFamily="34" charset="0"/>
-              <a:buChar char="•"/>
-            </a:pPr>
-            <a:r>
-              <a:rPr lang="en-NZ" sz="2500" dirty="0"/>
-              <a:t>Before creating your new child classes, decide:</a:t>
-            </a:r>
-          </a:p>
-          <a:p>
-            <a:pPr marL="2114550" lvl="3" indent="-742950">
-              <a:buFont typeface="Arial" panose="020B0604020202020204" pitchFamily="34" charset="0"/>
-              <a:buChar char="•"/>
-            </a:pPr>
-            <a:r>
-              <a:rPr lang="en-NZ" sz="2000" dirty="0"/>
-              <a:t>What data members and methods do they inherit from their parent?</a:t>
-            </a:r>
-          </a:p>
-          <a:p>
-            <a:pPr marL="2114550" lvl="3" indent="-742950">
-              <a:buFont typeface="Arial" panose="020B0604020202020204" pitchFamily="34" charset="0"/>
-              <a:buChar char="•"/>
-            </a:pPr>
-            <a:r>
-              <a:rPr lang="en-NZ" sz="2000" dirty="0"/>
-              <a:t>What additional data members (if any) do they each need?</a:t>
-            </a:r>
-          </a:p>
-          <a:p>
-            <a:pPr marL="2114550" lvl="3" indent="-742950">
-              <a:buFont typeface="Arial" panose="020B0604020202020204" pitchFamily="34" charset="0"/>
-              <a:buChar char="•"/>
-            </a:pPr>
-            <a:r>
-              <a:rPr lang="en-NZ" sz="2000" dirty="0"/>
-              <a:t>What additional methods (if any) do they each need?</a:t>
-            </a:r>
-          </a:p>
-          <a:p>
-            <a:pPr marL="2114550" lvl="3" indent="-742950">
-              <a:buFont typeface="Arial" panose="020B0604020202020204" pitchFamily="34" charset="0"/>
-              <a:buChar char="•"/>
-            </a:pPr>
-            <a:r>
-              <a:rPr lang="en-NZ" sz="2000" dirty="0"/>
-              <a:t>What inherited methods (if any) do they each need to override?</a:t>
-            </a:r>
-          </a:p>
-          <a:p>
-            <a:pPr marL="2114550" lvl="3" indent="-742950">
-              <a:buFont typeface="Arial" panose="020B0604020202020204" pitchFamily="34" charset="0"/>
-              <a:buChar char="•"/>
-            </a:pPr>
-            <a:r>
-              <a:rPr lang="en-NZ" sz="2000" dirty="0"/>
-              <a:t>If you are going to add methods or override inherited methods, what is the logic for each one?</a:t>
-            </a:r>
-          </a:p>
-        </p:txBody>
-      </p:sp>
+        </p:txBody>
+      </p:sp>
+      <p:pic>
+        <p:nvPicPr>
+          <p:cNvPr id="4" name="Picture 2"/>
+          <p:cNvPicPr>
+            <a:picLocks noChangeAspect="1" noChangeArrowheads="1"/>
+          </p:cNvPicPr>
+          <p:nvPr/>
+        </p:nvPicPr>
+        <p:blipFill>
+          <a:blip r:embed="rId3" cstate="print"/>
+          <a:srcRect/>
+          <a:stretch>
+            <a:fillRect/>
+          </a:stretch>
+        </p:blipFill>
+        <p:spPr bwMode="auto">
+          <a:xfrm>
+            <a:off x="1615726" y="2438400"/>
+            <a:ext cx="5912547" cy="1296144"/>
+          </a:xfrm>
+          <a:prstGeom prst="rect">
+            <a:avLst/>
+          </a:prstGeom>
+          <a:noFill/>
+          <a:ln w="9525">
+            <a:noFill/>
+            <a:miter lim="800000"/>
+            <a:headEnd/>
+            <a:tailEnd/>
+          </a:ln>
+        </p:spPr>
+      </p:pic>
     </p:spTree>
     <p:extLst>
       <p:ext uri="{BB962C8B-B14F-4D97-AF65-F5344CB8AC3E}">
-        <p14:creationId xmlns:p14="http://schemas.microsoft.com/office/powerpoint/2010/main" val="242115439"/>
+        <p14:creationId xmlns:p14="http://schemas.microsoft.com/office/powerpoint/2010/main" val="3258589100"/>
       </p:ext>
     </p:extLst>
   </p:cSld>
@@ -5644,7 +10108,321 @@
   <p:timing>
     <p:tnLst>
       <p:par>
-        <p:cTn id="1" dur="indefinite" restart="never" nodeType="tmRoot"/>
+        <p:cTn id="1" dur="indefinite" restart="never" nodeType="tmRoot">
+          <p:childTnLst>
+            <p:seq concurrent="1" nextAc="seek">
+              <p:cTn id="2" dur="indefinite" nodeType="mainSeq">
+                <p:childTnLst>
+                  <p:par>
+                    <p:cTn id="3" fill="hold">
+                      <p:stCondLst>
+                        <p:cond delay="indefinite"/>
+                      </p:stCondLst>
+                      <p:childTnLst>
+                        <p:par>
+                          <p:cTn id="4" fill="hold">
+                            <p:stCondLst>
+                              <p:cond delay="0"/>
+                            </p:stCondLst>
+                            <p:childTnLst>
+                              <p:par>
+                                <p:cTn id="5" presetID="1" presetClass="entr" presetSubtype="0" fill="hold" nodeType="clickEffect">
+                                  <p:stCondLst>
+                                    <p:cond delay="0"/>
+                                  </p:stCondLst>
+                                  <p:childTnLst>
+                                    <p:set>
+                                      <p:cBhvr>
+                                        <p:cTn id="6" dur="1" fill="hold">
+                                          <p:stCondLst>
+                                            <p:cond delay="0"/>
+                                          </p:stCondLst>
+                                        </p:cTn>
+                                        <p:tgtEl>
+                                          <p:spTgt spid="4"/>
+                                        </p:tgtEl>
+                                        <p:attrNameLst>
+                                          <p:attrName>style.visibility</p:attrName>
+                                        </p:attrNameLst>
+                                      </p:cBhvr>
+                                      <p:to>
+                                        <p:strVal val="visible"/>
+                                      </p:to>
+                                    </p:set>
+                                  </p:childTnLst>
+                                </p:cTn>
+                              </p:par>
+                            </p:childTnLst>
+                          </p:cTn>
+                        </p:par>
+                      </p:childTnLst>
+                    </p:cTn>
+                  </p:par>
+                </p:childTnLst>
+              </p:cTn>
+              <p:prevCondLst>
+                <p:cond evt="onPrev" delay="0">
+                  <p:tgtEl>
+                    <p:sldTgt/>
+                  </p:tgtEl>
+                </p:cond>
+              </p:prevCondLst>
+              <p:nextCondLst>
+                <p:cond evt="onNext" delay="0">
+                  <p:tgtEl>
+                    <p:sldTgt/>
+                  </p:tgtEl>
+                </p:cond>
+              </p:nextCondLst>
+            </p:seq>
+          </p:childTnLst>
+        </p:cTn>
+      </p:par>
+    </p:tnLst>
+  </p:timing>
+</p:sld>
+</file>
+
+<file path=ppt/slides/slide9.xml><?xml version="1.0" encoding="utf-8"?>
+<p:sld xmlns:a="http://schemas.openxmlformats.org/drawingml/2006/main" xmlns:r="http://schemas.openxmlformats.org/officeDocument/2006/relationships" xmlns:p="http://schemas.openxmlformats.org/presentationml/2006/main">
+  <p:cSld>
+    <p:bg>
+      <p:bgPr>
+        <a:solidFill>
+          <a:schemeClr val="accent5">
+            <a:lumMod val="60000"/>
+            <a:lumOff val="40000"/>
+          </a:schemeClr>
+        </a:solidFill>
+        <a:effectLst/>
+      </p:bgPr>
+    </p:bg>
+    <p:spTree>
+      <p:nvGrpSpPr>
+        <p:cNvPr id="1" name=""/>
+        <p:cNvGrpSpPr/>
+        <p:nvPr/>
+      </p:nvGrpSpPr>
+      <p:grpSpPr>
+        <a:xfrm>
+          <a:off x="0" y="0"/>
+          <a:ext cx="0" cy="0"/>
+          <a:chOff x="0" y="0"/>
+          <a:chExt cx="0" cy="0"/>
+        </a:xfrm>
+      </p:grpSpPr>
+      <p:sp>
+        <p:nvSpPr>
+          <p:cNvPr id="3" name="Rectangle 2"/>
+          <p:cNvSpPr/>
+          <p:nvPr/>
+        </p:nvSpPr>
+        <p:spPr>
+          <a:xfrm>
+            <a:off x="0" y="0"/>
+            <a:ext cx="9144000" cy="3739485"/>
+          </a:xfrm>
+          <a:prstGeom prst="rect">
+            <a:avLst/>
+          </a:prstGeom>
+        </p:spPr>
+        <p:txBody>
+          <a:bodyPr wrap="square">
+            <a:spAutoFit/>
+          </a:bodyPr>
+          <a:lstStyle/>
+          <a:p>
+            <a:pPr algn="ctr"/>
+            <a:endParaRPr lang="en-US" sz="4000" b="1" dirty="0"/>
+          </a:p>
+          <a:p>
+            <a:pPr lvl="1"/>
+            <a:r>
+              <a:rPr lang="en-NZ" sz="3500" b="1" dirty="0"/>
+              <a:t>Inheritance syntax in C++</a:t>
+            </a:r>
+            <a:endParaRPr lang="en-US" sz="3500" b="1" dirty="0"/>
+          </a:p>
+          <a:p>
+            <a:pPr marL="1657350" lvl="2" indent="-742950">
+              <a:buFont typeface="Arial" panose="020B0604020202020204" pitchFamily="34" charset="0"/>
+              <a:buChar char="•"/>
+            </a:pPr>
+            <a:endParaRPr lang="en-US" sz="2500" dirty="0" smtClean="0"/>
+          </a:p>
+          <a:p>
+            <a:pPr marL="1657350" lvl="2" indent="-742950">
+              <a:buFont typeface="Arial" panose="020B0604020202020204" pitchFamily="34" charset="0"/>
+              <a:buChar char="•"/>
+            </a:pPr>
+            <a:r>
+              <a:rPr lang="en-NZ" sz="2500" dirty="0" smtClean="0"/>
+              <a:t>In Child1.h</a:t>
+            </a:r>
+          </a:p>
+          <a:p>
+            <a:pPr marL="1657350" lvl="2" indent="-742950">
+              <a:buFont typeface="Arial" panose="020B0604020202020204" pitchFamily="34" charset="0"/>
+              <a:buChar char="•"/>
+            </a:pPr>
+            <a:r>
+              <a:rPr lang="en-NZ" sz="2800" dirty="0"/>
+              <a:t>If you want to call the parent constructor, make </a:t>
+            </a:r>
+            <a:r>
+              <a:rPr lang="en-NZ" sz="2800" dirty="0" smtClean="0"/>
+              <a:t>	sure </a:t>
+            </a:r>
+            <a:r>
+              <a:rPr lang="en-NZ" sz="2800" dirty="0"/>
+              <a:t>the child constructor contains </a:t>
+            </a:r>
+            <a:r>
+              <a:rPr lang="en-NZ" sz="2800" i="1" dirty="0"/>
+              <a:t>at least</a:t>
+            </a:r>
+            <a:r>
+              <a:rPr lang="en-NZ" sz="2800" dirty="0"/>
+              <a:t> all </a:t>
+            </a:r>
+            <a:endParaRPr lang="en-NZ" sz="2800" dirty="0" smtClean="0"/>
+          </a:p>
+          <a:p>
+            <a:pPr lvl="2"/>
+            <a:r>
+              <a:rPr lang="en-NZ" sz="2800" dirty="0"/>
+              <a:t>	</a:t>
+            </a:r>
+            <a:r>
+              <a:rPr lang="en-NZ" sz="2800" dirty="0" smtClean="0"/>
+              <a:t>the </a:t>
+            </a:r>
+            <a:r>
+              <a:rPr lang="en-NZ" sz="2800" dirty="0"/>
+              <a:t>input arguments that the parent constructor </a:t>
+            </a:r>
+            <a:r>
+              <a:rPr lang="en-NZ" sz="2800" dirty="0" smtClean="0"/>
+              <a:t>	contains</a:t>
+            </a:r>
+            <a:endParaRPr lang="en-NZ" sz="2800" dirty="0"/>
+          </a:p>
+        </p:txBody>
+      </p:sp>
+      <p:pic>
+        <p:nvPicPr>
+          <p:cNvPr id="5" name="Picture 2"/>
+          <p:cNvPicPr>
+            <a:picLocks noChangeAspect="1" noChangeArrowheads="1"/>
+          </p:cNvPicPr>
+          <p:nvPr/>
+        </p:nvPicPr>
+        <p:blipFill>
+          <a:blip r:embed="rId3" cstate="print"/>
+          <a:srcRect/>
+          <a:stretch>
+            <a:fillRect/>
+          </a:stretch>
+        </p:blipFill>
+        <p:spPr bwMode="auto">
+          <a:xfrm>
+            <a:off x="970233" y="3962400"/>
+            <a:ext cx="7203534" cy="1715578"/>
+          </a:xfrm>
+          <a:prstGeom prst="rect">
+            <a:avLst/>
+          </a:prstGeom>
+          <a:noFill/>
+          <a:ln w="9525">
+            <a:noFill/>
+            <a:miter lim="800000"/>
+            <a:headEnd/>
+            <a:tailEnd/>
+          </a:ln>
+        </p:spPr>
+      </p:pic>
+    </p:spTree>
+    <p:extLst>
+      <p:ext uri="{BB962C8B-B14F-4D97-AF65-F5344CB8AC3E}">
+        <p14:creationId xmlns:p14="http://schemas.microsoft.com/office/powerpoint/2010/main" val="3559961109"/>
+      </p:ext>
+    </p:extLst>
+  </p:cSld>
+  <p:clrMapOvr>
+    <a:masterClrMapping/>
+  </p:clrMapOvr>
+  <p:timing>
+    <p:tnLst>
+      <p:par>
+        <p:cTn id="1" dur="indefinite" restart="never" nodeType="tmRoot">
+          <p:childTnLst>
+            <p:seq concurrent="1" nextAc="seek">
+              <p:cTn id="2" dur="indefinite" nodeType="mainSeq">
+                <p:childTnLst>
+                  <p:par>
+                    <p:cTn id="3" fill="hold">
+                      <p:stCondLst>
+                        <p:cond delay="indefinite"/>
+                      </p:stCondLst>
+                      <p:childTnLst>
+                        <p:par>
+                          <p:cTn id="4" fill="hold">
+                            <p:stCondLst>
+                              <p:cond delay="0"/>
+                            </p:stCondLst>
+                            <p:childTnLst>
+                              <p:par>
+                                <p:cTn id="5" presetID="1" presetClass="entr" presetSubtype="0" fill="hold" nodeType="clickEffect">
+                                  <p:stCondLst>
+                                    <p:cond delay="0"/>
+                                  </p:stCondLst>
+                                  <p:childTnLst>
+                                    <p:set>
+                                      <p:cBhvr>
+                                        <p:cTn id="6" dur="1" fill="hold">
+                                          <p:stCondLst>
+                                            <p:cond delay="0"/>
+                                          </p:stCondLst>
+                                        </p:cTn>
+                                        <p:tgtEl>
+                                          <p:spTgt spid="5"/>
+                                        </p:tgtEl>
+                                        <p:attrNameLst>
+                                          <p:attrName>style.visibility</p:attrName>
+                                        </p:attrNameLst>
+                                      </p:cBhvr>
+                                      <p:to>
+                                        <p:strVal val="visible"/>
+                                      </p:to>
+                                    </p:set>
+                                  </p:childTnLst>
+                                </p:cTn>
+                              </p:par>
+                            </p:childTnLst>
+                          </p:cTn>
+                        </p:par>
+                      </p:childTnLst>
+                    </p:cTn>
+                  </p:par>
+                </p:childTnLst>
+              </p:cTn>
+              <p:prevCondLst>
+                <p:cond evt="onPrev" delay="0">
+                  <p:tgtEl>
+                    <p:sldTgt/>
+                  </p:tgtEl>
+                </p:cond>
+              </p:prevCondLst>
+              <p:nextCondLst>
+                <p:cond evt="onNext" delay="0">
+                  <p:tgtEl>
+                    <p:sldTgt/>
+                  </p:tgtEl>
+                </p:cond>
+              </p:nextCondLst>
+            </p:seq>
+          </p:childTnLst>
+        </p:cTn>
       </p:par>
     </p:tnLst>
   </p:timing>
